--- a/Project Nutrino.pptx
+++ b/Project Nutrino.pptx
@@ -5,17 +5,19 @@
     <p:sldMasterId id="2147483852" r:id="rId4"/>
   </p:sldMasterIdLst>
   <p:notesMasterIdLst>
-    <p:notesMasterId r:id="rId10"/>
+    <p:notesMasterId r:id="rId12"/>
   </p:notesMasterIdLst>
   <p:handoutMasterIdLst>
-    <p:handoutMasterId r:id="rId11"/>
+    <p:handoutMasterId r:id="rId13"/>
   </p:handoutMasterIdLst>
   <p:sldIdLst>
     <p:sldId id="256" r:id="rId5"/>
     <p:sldId id="261" r:id="rId6"/>
-    <p:sldId id="272" r:id="rId7"/>
-    <p:sldId id="274" r:id="rId8"/>
-    <p:sldId id="273" r:id="rId9"/>
+    <p:sldId id="274" r:id="rId7"/>
+    <p:sldId id="272" r:id="rId8"/>
+    <p:sldId id="275" r:id="rId9"/>
+    <p:sldId id="273" r:id="rId10"/>
+    <p:sldId id="277" r:id="rId11"/>
   </p:sldIdLst>
   <p:sldSz cx="12192000" cy="6858000"/>
   <p:notesSz cx="6858000" cy="9144000"/>
@@ -136,6 +138,3200 @@
 </p:presentation>
 </file>
 
+<file path=ppt/diagrams/colors1.xml><?xml version="1.0" encoding="utf-8"?>
+<dgm:colorsDef xmlns:dgm="http://schemas.openxmlformats.org/drawingml/2006/diagram" xmlns:a="http://schemas.openxmlformats.org/drawingml/2006/main" uniqueId="urn:microsoft.com/office/officeart/2018/5/colors/Iconchunking_neutralbg_colorful1">
+  <dgm:title val=""/>
+  <dgm:desc val=""/>
+  <dgm:catLst>
+    <dgm:cat type="colorful" pri="10100"/>
+  </dgm:catLst>
+  <dgm:styleLbl name="node0">
+    <dgm:fillClrLst meth="repeat">
+      <a:schemeClr val="accent1"/>
+    </dgm:fillClrLst>
+    <dgm:linClrLst meth="repeat">
+      <a:schemeClr val="lt1"/>
+    </dgm:linClrLst>
+    <dgm:effectClrLst/>
+    <dgm:txLinClrLst/>
+    <dgm:txFillClrLst/>
+    <dgm:txEffectClrLst/>
+  </dgm:styleLbl>
+  <dgm:styleLbl name="node1">
+    <dgm:fillClrLst meth="repeat">
+      <a:schemeClr val="accent2"/>
+      <a:schemeClr val="accent3"/>
+      <a:schemeClr val="accent4"/>
+      <a:schemeClr val="accent5"/>
+      <a:schemeClr val="accent6"/>
+    </dgm:fillClrLst>
+    <dgm:linClrLst meth="repeat">
+      <a:schemeClr val="lt1">
+        <a:alpha val="0"/>
+      </a:schemeClr>
+    </dgm:linClrLst>
+    <dgm:effectClrLst/>
+    <dgm:txLinClrLst/>
+    <dgm:txFillClrLst/>
+    <dgm:txEffectClrLst/>
+  </dgm:styleLbl>
+  <dgm:styleLbl name="alignNode1">
+    <dgm:fillClrLst meth="repeat">
+      <a:schemeClr val="accent2"/>
+      <a:schemeClr val="accent3"/>
+      <a:schemeClr val="accent4"/>
+      <a:schemeClr val="accent5"/>
+      <a:schemeClr val="accent6"/>
+    </dgm:fillClrLst>
+    <dgm:linClrLst meth="repeat">
+      <a:schemeClr val="accent2"/>
+      <a:schemeClr val="accent3"/>
+      <a:schemeClr val="accent4"/>
+      <a:schemeClr val="accent5"/>
+      <a:schemeClr val="accent6"/>
+    </dgm:linClrLst>
+    <dgm:effectClrLst/>
+    <dgm:txLinClrLst/>
+    <dgm:txFillClrLst/>
+    <dgm:txEffectClrLst/>
+  </dgm:styleLbl>
+  <dgm:styleLbl name="lnNode1">
+    <dgm:fillClrLst meth="repeat">
+      <a:schemeClr val="accent2"/>
+      <a:schemeClr val="accent3"/>
+      <a:schemeClr val="accent4"/>
+      <a:schemeClr val="accent5"/>
+      <a:schemeClr val="accent6"/>
+    </dgm:fillClrLst>
+    <dgm:linClrLst meth="repeat">
+      <a:schemeClr val="lt1"/>
+    </dgm:linClrLst>
+    <dgm:effectClrLst/>
+    <dgm:txLinClrLst/>
+    <dgm:txFillClrLst/>
+    <dgm:txEffectClrLst/>
+  </dgm:styleLbl>
+  <dgm:styleLbl name="vennNode1">
+    <dgm:fillClrLst meth="repeat">
+      <a:schemeClr val="accent2">
+        <a:alpha val="50000"/>
+      </a:schemeClr>
+      <a:schemeClr val="accent3">
+        <a:alpha val="50000"/>
+      </a:schemeClr>
+      <a:schemeClr val="accent4">
+        <a:alpha val="50000"/>
+      </a:schemeClr>
+      <a:schemeClr val="accent5">
+        <a:alpha val="50000"/>
+      </a:schemeClr>
+      <a:schemeClr val="accent6">
+        <a:alpha val="50000"/>
+      </a:schemeClr>
+    </dgm:fillClrLst>
+    <dgm:linClrLst meth="repeat">
+      <a:schemeClr val="lt1"/>
+    </dgm:linClrLst>
+    <dgm:effectClrLst/>
+    <dgm:txLinClrLst/>
+    <dgm:txFillClrLst/>
+    <dgm:txEffectClrLst/>
+  </dgm:styleLbl>
+  <dgm:styleLbl name="node2">
+    <dgm:fillClrLst>
+      <a:schemeClr val="accent2"/>
+    </dgm:fillClrLst>
+    <dgm:linClrLst meth="repeat">
+      <a:schemeClr val="lt1"/>
+    </dgm:linClrLst>
+    <dgm:effectClrLst/>
+    <dgm:txLinClrLst/>
+    <dgm:txFillClrLst/>
+    <dgm:txEffectClrLst/>
+  </dgm:styleLbl>
+  <dgm:styleLbl name="node3">
+    <dgm:fillClrLst>
+      <a:schemeClr val="accent3"/>
+    </dgm:fillClrLst>
+    <dgm:linClrLst meth="repeat">
+      <a:schemeClr val="lt1"/>
+    </dgm:linClrLst>
+    <dgm:effectClrLst/>
+    <dgm:txLinClrLst/>
+    <dgm:txFillClrLst/>
+    <dgm:txEffectClrLst/>
+  </dgm:styleLbl>
+  <dgm:styleLbl name="node4">
+    <dgm:fillClrLst>
+      <a:schemeClr val="accent4"/>
+    </dgm:fillClrLst>
+    <dgm:linClrLst meth="repeat">
+      <a:schemeClr val="lt1"/>
+    </dgm:linClrLst>
+    <dgm:effectClrLst/>
+    <dgm:txLinClrLst/>
+    <dgm:txFillClrLst/>
+    <dgm:txEffectClrLst/>
+  </dgm:styleLbl>
+  <dgm:styleLbl name="fgImgPlace1">
+    <dgm:fillClrLst meth="repeat">
+      <a:schemeClr val="accent2">
+        <a:tint val="50000"/>
+      </a:schemeClr>
+      <a:schemeClr val="accent3">
+        <a:tint val="50000"/>
+      </a:schemeClr>
+      <a:schemeClr val="accent4">
+        <a:tint val="50000"/>
+      </a:schemeClr>
+      <a:schemeClr val="accent5">
+        <a:tint val="50000"/>
+      </a:schemeClr>
+      <a:schemeClr val="accent6">
+        <a:tint val="50000"/>
+      </a:schemeClr>
+    </dgm:fillClrLst>
+    <dgm:linClrLst meth="repeat">
+      <a:schemeClr val="lt1"/>
+    </dgm:linClrLst>
+    <dgm:effectClrLst/>
+    <dgm:txLinClrLst/>
+    <dgm:txFillClrLst meth="repeat">
+      <a:schemeClr val="lt1"/>
+    </dgm:txFillClrLst>
+    <dgm:txEffectClrLst/>
+  </dgm:styleLbl>
+  <dgm:styleLbl name="alignImgPlace1">
+    <dgm:fillClrLst>
+      <a:schemeClr val="accent1">
+        <a:tint val="50000"/>
+      </a:schemeClr>
+      <a:schemeClr val="accent2">
+        <a:tint val="20000"/>
+      </a:schemeClr>
+    </dgm:fillClrLst>
+    <dgm:linClrLst meth="repeat">
+      <a:schemeClr val="lt1"/>
+    </dgm:linClrLst>
+    <dgm:effectClrLst/>
+    <dgm:txLinClrLst/>
+    <dgm:txFillClrLst meth="repeat">
+      <a:schemeClr val="lt1"/>
+    </dgm:txFillClrLst>
+    <dgm:txEffectClrLst/>
+  </dgm:styleLbl>
+  <dgm:styleLbl name="bgImgPlace1">
+    <dgm:fillClrLst>
+      <a:schemeClr val="accent1">
+        <a:tint val="50000"/>
+      </a:schemeClr>
+      <a:schemeClr val="accent2">
+        <a:tint val="20000"/>
+      </a:schemeClr>
+    </dgm:fillClrLst>
+    <dgm:linClrLst meth="repeat">
+      <a:schemeClr val="lt1"/>
+    </dgm:linClrLst>
+    <dgm:effectClrLst/>
+    <dgm:txLinClrLst/>
+    <dgm:txFillClrLst meth="repeat">
+      <a:schemeClr val="lt1"/>
+    </dgm:txFillClrLst>
+    <dgm:txEffectClrLst/>
+  </dgm:styleLbl>
+  <dgm:styleLbl name="sibTrans2D1">
+    <dgm:fillClrLst meth="repeat">
+      <a:schemeClr val="accent2"/>
+      <a:schemeClr val="accent3"/>
+      <a:schemeClr val="accent4"/>
+      <a:schemeClr val="accent5"/>
+      <a:schemeClr val="accent6"/>
+    </dgm:fillClrLst>
+    <dgm:linClrLst meth="cycle">
+      <a:schemeClr val="lt1"/>
+    </dgm:linClrLst>
+    <dgm:effectClrLst/>
+    <dgm:txLinClrLst/>
+    <dgm:txFillClrLst/>
+    <dgm:txEffectClrLst/>
+  </dgm:styleLbl>
+  <dgm:styleLbl name="fgSibTrans2D1">
+    <dgm:fillClrLst meth="repeat">
+      <a:schemeClr val="accent2"/>
+      <a:schemeClr val="accent3"/>
+      <a:schemeClr val="accent4"/>
+      <a:schemeClr val="accent5"/>
+      <a:schemeClr val="accent6"/>
+    </dgm:fillClrLst>
+    <dgm:linClrLst meth="cycle">
+      <a:schemeClr val="lt1"/>
+    </dgm:linClrLst>
+    <dgm:effectClrLst/>
+    <dgm:txLinClrLst/>
+    <dgm:txFillClrLst meth="repeat">
+      <a:schemeClr val="lt1"/>
+    </dgm:txFillClrLst>
+    <dgm:txEffectClrLst/>
+  </dgm:styleLbl>
+  <dgm:styleLbl name="bgSibTrans2D1">
+    <dgm:fillClrLst meth="repeat">
+      <a:schemeClr val="accent2"/>
+      <a:schemeClr val="accent3"/>
+      <a:schemeClr val="accent4"/>
+      <a:schemeClr val="accent5"/>
+      <a:schemeClr val="accent6"/>
+    </dgm:fillClrLst>
+    <dgm:linClrLst meth="cycle">
+      <a:schemeClr val="lt1"/>
+    </dgm:linClrLst>
+    <dgm:effectClrLst/>
+    <dgm:txLinClrLst/>
+    <dgm:txFillClrLst meth="repeat">
+      <a:schemeClr val="lt1"/>
+    </dgm:txFillClrLst>
+    <dgm:txEffectClrLst/>
+  </dgm:styleLbl>
+  <dgm:styleLbl name="sibTrans1D1">
+    <dgm:fillClrLst meth="repeat">
+      <a:schemeClr val="accent2"/>
+      <a:schemeClr val="accent3"/>
+      <a:schemeClr val="accent4"/>
+      <a:schemeClr val="accent5"/>
+      <a:schemeClr val="accent6"/>
+    </dgm:fillClrLst>
+    <dgm:linClrLst meth="repeat">
+      <a:schemeClr val="accent2"/>
+      <a:schemeClr val="accent3"/>
+      <a:schemeClr val="accent4"/>
+      <a:schemeClr val="accent5"/>
+      <a:schemeClr val="accent6"/>
+    </dgm:linClrLst>
+    <dgm:effectClrLst/>
+    <dgm:txLinClrLst/>
+    <dgm:txFillClrLst meth="repeat">
+      <a:schemeClr val="tx1"/>
+    </dgm:txFillClrLst>
+    <dgm:txEffectClrLst/>
+  </dgm:styleLbl>
+  <dgm:styleLbl name="callout">
+    <dgm:fillClrLst meth="repeat">
+      <a:schemeClr val="accent2"/>
+    </dgm:fillClrLst>
+    <dgm:linClrLst meth="repeat">
+      <a:schemeClr val="accent2">
+        <a:tint val="50000"/>
+      </a:schemeClr>
+    </dgm:linClrLst>
+    <dgm:effectClrLst/>
+    <dgm:txLinClrLst/>
+    <dgm:txFillClrLst meth="repeat">
+      <a:schemeClr val="tx1"/>
+    </dgm:txFillClrLst>
+    <dgm:txEffectClrLst/>
+  </dgm:styleLbl>
+  <dgm:styleLbl name="asst0">
+    <dgm:fillClrLst meth="repeat">
+      <a:schemeClr val="accent1"/>
+    </dgm:fillClrLst>
+    <dgm:linClrLst meth="repeat">
+      <a:schemeClr val="lt1"/>
+    </dgm:linClrLst>
+    <dgm:effectClrLst/>
+    <dgm:txLinClrLst/>
+    <dgm:txFillClrLst/>
+    <dgm:txEffectClrLst/>
+  </dgm:styleLbl>
+  <dgm:styleLbl name="asst1">
+    <dgm:fillClrLst meth="repeat">
+      <a:schemeClr val="accent2"/>
+    </dgm:fillClrLst>
+    <dgm:linClrLst meth="repeat">
+      <a:schemeClr val="lt1"/>
+    </dgm:linClrLst>
+    <dgm:effectClrLst/>
+    <dgm:txLinClrLst/>
+    <dgm:txFillClrLst/>
+    <dgm:txEffectClrLst/>
+  </dgm:styleLbl>
+  <dgm:styleLbl name="asst2">
+    <dgm:fillClrLst>
+      <a:schemeClr val="accent3"/>
+    </dgm:fillClrLst>
+    <dgm:linClrLst meth="repeat">
+      <a:schemeClr val="lt1"/>
+    </dgm:linClrLst>
+    <dgm:effectClrLst/>
+    <dgm:txLinClrLst/>
+    <dgm:txFillClrLst/>
+    <dgm:txEffectClrLst/>
+  </dgm:styleLbl>
+  <dgm:styleLbl name="asst3">
+    <dgm:fillClrLst>
+      <a:schemeClr val="accent4"/>
+    </dgm:fillClrLst>
+    <dgm:linClrLst meth="repeat">
+      <a:schemeClr val="lt1"/>
+    </dgm:linClrLst>
+    <dgm:effectClrLst/>
+    <dgm:txLinClrLst/>
+    <dgm:txFillClrLst/>
+    <dgm:txEffectClrLst/>
+  </dgm:styleLbl>
+  <dgm:styleLbl name="asst4">
+    <dgm:fillClrLst>
+      <a:schemeClr val="accent5"/>
+    </dgm:fillClrLst>
+    <dgm:linClrLst meth="repeat">
+      <a:schemeClr val="lt1"/>
+    </dgm:linClrLst>
+    <dgm:effectClrLst/>
+    <dgm:txLinClrLst/>
+    <dgm:txFillClrLst/>
+    <dgm:txEffectClrLst/>
+  </dgm:styleLbl>
+  <dgm:styleLbl name="parChTrans2D1">
+    <dgm:fillClrLst meth="repeat">
+      <a:schemeClr val="accent2"/>
+    </dgm:fillClrLst>
+    <dgm:linClrLst meth="repeat">
+      <a:schemeClr val="lt1"/>
+    </dgm:linClrLst>
+    <dgm:effectClrLst/>
+    <dgm:txLinClrLst/>
+    <dgm:txFillClrLst meth="repeat">
+      <a:schemeClr val="lt1"/>
+    </dgm:txFillClrLst>
+    <dgm:txEffectClrLst/>
+  </dgm:styleLbl>
+  <dgm:styleLbl name="parChTrans2D2">
+    <dgm:fillClrLst meth="repeat">
+      <a:schemeClr val="accent3"/>
+    </dgm:fillClrLst>
+    <dgm:linClrLst meth="repeat">
+      <a:schemeClr val="lt1"/>
+    </dgm:linClrLst>
+    <dgm:effectClrLst/>
+    <dgm:txLinClrLst/>
+    <dgm:txFillClrLst/>
+    <dgm:txEffectClrLst/>
+  </dgm:styleLbl>
+  <dgm:styleLbl name="parChTrans2D3">
+    <dgm:fillClrLst meth="repeat">
+      <a:schemeClr val="accent4"/>
+    </dgm:fillClrLst>
+    <dgm:linClrLst meth="repeat">
+      <a:schemeClr val="lt1"/>
+    </dgm:linClrLst>
+    <dgm:effectClrLst/>
+    <dgm:txLinClrLst/>
+    <dgm:txFillClrLst/>
+    <dgm:txEffectClrLst/>
+  </dgm:styleLbl>
+  <dgm:styleLbl name="parChTrans2D4">
+    <dgm:fillClrLst meth="repeat">
+      <a:schemeClr val="accent5"/>
+    </dgm:fillClrLst>
+    <dgm:linClrLst meth="repeat">
+      <a:schemeClr val="lt1"/>
+    </dgm:linClrLst>
+    <dgm:effectClrLst/>
+    <dgm:txLinClrLst/>
+    <dgm:txFillClrLst meth="repeat">
+      <a:schemeClr val="lt1"/>
+    </dgm:txFillClrLst>
+    <dgm:txEffectClrLst/>
+  </dgm:styleLbl>
+  <dgm:styleLbl name="parChTrans1D1">
+    <dgm:fillClrLst meth="repeat">
+      <a:schemeClr val="accent2"/>
+    </dgm:fillClrLst>
+    <dgm:linClrLst meth="repeat">
+      <a:schemeClr val="accent1"/>
+    </dgm:linClrLst>
+    <dgm:effectClrLst/>
+    <dgm:txLinClrLst/>
+    <dgm:txFillClrLst meth="repeat">
+      <a:schemeClr val="tx1"/>
+    </dgm:txFillClrLst>
+    <dgm:txEffectClrLst/>
+  </dgm:styleLbl>
+  <dgm:styleLbl name="parChTrans1D2">
+    <dgm:fillClrLst meth="repeat">
+      <a:schemeClr val="accent3">
+        <a:tint val="90000"/>
+      </a:schemeClr>
+    </dgm:fillClrLst>
+    <dgm:linClrLst meth="repeat">
+      <a:schemeClr val="accent2"/>
+    </dgm:linClrLst>
+    <dgm:effectClrLst/>
+    <dgm:txLinClrLst/>
+    <dgm:txFillClrLst meth="repeat">
+      <a:schemeClr val="tx1"/>
+    </dgm:txFillClrLst>
+    <dgm:txEffectClrLst/>
+  </dgm:styleLbl>
+  <dgm:styleLbl name="parChTrans1D3">
+    <dgm:fillClrLst meth="repeat">
+      <a:schemeClr val="accent4">
+        <a:tint val="70000"/>
+      </a:schemeClr>
+    </dgm:fillClrLst>
+    <dgm:linClrLst meth="repeat">
+      <a:schemeClr val="accent3"/>
+    </dgm:linClrLst>
+    <dgm:effectClrLst/>
+    <dgm:txLinClrLst/>
+    <dgm:txFillClrLst meth="repeat">
+      <a:schemeClr val="tx1"/>
+    </dgm:txFillClrLst>
+    <dgm:txEffectClrLst/>
+  </dgm:styleLbl>
+  <dgm:styleLbl name="parChTrans1D4">
+    <dgm:fillClrLst meth="repeat">
+      <a:schemeClr val="accent5">
+        <a:tint val="50000"/>
+      </a:schemeClr>
+    </dgm:fillClrLst>
+    <dgm:linClrLst meth="repeat">
+      <a:schemeClr val="accent4"/>
+    </dgm:linClrLst>
+    <dgm:effectClrLst/>
+    <dgm:txLinClrLst/>
+    <dgm:txFillClrLst meth="repeat">
+      <a:schemeClr val="tx1"/>
+    </dgm:txFillClrLst>
+    <dgm:txEffectClrLst/>
+  </dgm:styleLbl>
+  <dgm:styleLbl name="fgAcc1">
+    <dgm:fillClrLst meth="repeat">
+      <a:schemeClr val="lt1">
+        <a:alpha val="90000"/>
+      </a:schemeClr>
+    </dgm:fillClrLst>
+    <dgm:linClrLst meth="repeat">
+      <a:schemeClr val="accent2"/>
+      <a:schemeClr val="accent3"/>
+      <a:schemeClr val="accent4"/>
+      <a:schemeClr val="accent5"/>
+      <a:schemeClr val="accent6"/>
+    </dgm:linClrLst>
+    <dgm:effectClrLst/>
+    <dgm:txLinClrLst/>
+    <dgm:txFillClrLst meth="repeat">
+      <a:schemeClr val="dk1"/>
+    </dgm:txFillClrLst>
+    <dgm:txEffectClrLst/>
+  </dgm:styleLbl>
+  <dgm:styleLbl name="conFgAcc1">
+    <dgm:fillClrLst meth="repeat">
+      <a:schemeClr val="lt1">
+        <a:alpha val="90000"/>
+      </a:schemeClr>
+    </dgm:fillClrLst>
+    <dgm:linClrLst meth="repeat">
+      <a:schemeClr val="accent2"/>
+      <a:schemeClr val="accent3"/>
+      <a:schemeClr val="accent4"/>
+      <a:schemeClr val="accent5"/>
+      <a:schemeClr val="accent6"/>
+    </dgm:linClrLst>
+    <dgm:effectClrLst/>
+    <dgm:txLinClrLst/>
+    <dgm:txFillClrLst meth="repeat">
+      <a:schemeClr val="dk1"/>
+    </dgm:txFillClrLst>
+    <dgm:txEffectClrLst/>
+  </dgm:styleLbl>
+  <dgm:styleLbl name="alignAcc1">
+    <dgm:fillClrLst meth="repeat">
+      <a:schemeClr val="lt1">
+        <a:alpha val="90000"/>
+      </a:schemeClr>
+    </dgm:fillClrLst>
+    <dgm:linClrLst meth="repeat">
+      <a:schemeClr val="accent2"/>
+      <a:schemeClr val="accent3"/>
+      <a:schemeClr val="accent4"/>
+      <a:schemeClr val="accent5"/>
+      <a:schemeClr val="accent6"/>
+    </dgm:linClrLst>
+    <dgm:effectClrLst/>
+    <dgm:txLinClrLst/>
+    <dgm:txFillClrLst meth="repeat">
+      <a:schemeClr val="dk1"/>
+    </dgm:txFillClrLst>
+    <dgm:txEffectClrLst/>
+  </dgm:styleLbl>
+  <dgm:styleLbl name="trAlignAcc1">
+    <dgm:fillClrLst meth="repeat">
+      <a:schemeClr val="lt1">
+        <a:alpha val="40000"/>
+      </a:schemeClr>
+    </dgm:fillClrLst>
+    <dgm:linClrLst meth="repeat">
+      <a:schemeClr val="accent1"/>
+    </dgm:linClrLst>
+    <dgm:effectClrLst/>
+    <dgm:txLinClrLst/>
+    <dgm:txFillClrLst meth="repeat">
+      <a:schemeClr val="dk1"/>
+    </dgm:txFillClrLst>
+    <dgm:txEffectClrLst/>
+  </dgm:styleLbl>
+  <dgm:styleLbl name="bgAcc1">
+    <dgm:fillClrLst meth="repeat">
+      <a:schemeClr val="lt1">
+        <a:alpha val="90000"/>
+      </a:schemeClr>
+    </dgm:fillClrLst>
+    <dgm:linClrLst meth="repeat">
+      <a:schemeClr val="accent2"/>
+      <a:schemeClr val="accent3"/>
+      <a:schemeClr val="accent4"/>
+      <a:schemeClr val="accent5"/>
+      <a:schemeClr val="accent6"/>
+    </dgm:linClrLst>
+    <dgm:effectClrLst/>
+    <dgm:txLinClrLst/>
+    <dgm:txFillClrLst meth="repeat">
+      <a:schemeClr val="dk1"/>
+    </dgm:txFillClrLst>
+    <dgm:txEffectClrLst/>
+  </dgm:styleLbl>
+  <dgm:styleLbl name="solidFgAcc1">
+    <dgm:fillClrLst meth="repeat">
+      <a:schemeClr val="lt1"/>
+    </dgm:fillClrLst>
+    <dgm:linClrLst meth="repeat">
+      <a:schemeClr val="accent2"/>
+      <a:schemeClr val="accent3"/>
+      <a:schemeClr val="accent4"/>
+      <a:schemeClr val="accent5"/>
+      <a:schemeClr val="accent6"/>
+    </dgm:linClrLst>
+    <dgm:effectClrLst/>
+    <dgm:txLinClrLst/>
+    <dgm:txFillClrLst meth="repeat">
+      <a:schemeClr val="dk1"/>
+    </dgm:txFillClrLst>
+    <dgm:txEffectClrLst/>
+  </dgm:styleLbl>
+  <dgm:styleLbl name="solidAlignAcc1">
+    <dgm:fillClrLst meth="repeat">
+      <a:schemeClr val="lt1"/>
+    </dgm:fillClrLst>
+    <dgm:linClrLst meth="repeat">
+      <a:schemeClr val="accent2"/>
+      <a:schemeClr val="accent3"/>
+      <a:schemeClr val="accent4"/>
+      <a:schemeClr val="accent5"/>
+      <a:schemeClr val="accent6"/>
+    </dgm:linClrLst>
+    <dgm:effectClrLst/>
+    <dgm:txLinClrLst/>
+    <dgm:txFillClrLst meth="repeat">
+      <a:schemeClr val="dk1"/>
+    </dgm:txFillClrLst>
+    <dgm:txEffectClrLst/>
+  </dgm:styleLbl>
+  <dgm:styleLbl name="solidBgAcc1">
+    <dgm:fillClrLst meth="repeat">
+      <a:schemeClr val="lt1"/>
+    </dgm:fillClrLst>
+    <dgm:linClrLst meth="repeat">
+      <a:schemeClr val="accent2"/>
+      <a:schemeClr val="accent3"/>
+      <a:schemeClr val="accent4"/>
+      <a:schemeClr val="accent5"/>
+      <a:schemeClr val="accent6"/>
+    </dgm:linClrLst>
+    <dgm:effectClrLst/>
+    <dgm:txLinClrLst/>
+    <dgm:txFillClrLst meth="repeat">
+      <a:schemeClr val="dk1"/>
+    </dgm:txFillClrLst>
+    <dgm:txEffectClrLst/>
+  </dgm:styleLbl>
+  <dgm:styleLbl name="fgAccFollowNode1">
+    <dgm:fillClrLst meth="repeat">
+      <a:schemeClr val="accent2">
+        <a:tint val="40000"/>
+        <a:alpha val="90000"/>
+      </a:schemeClr>
+      <a:schemeClr val="accent3">
+        <a:tint val="40000"/>
+        <a:alpha val="90000"/>
+      </a:schemeClr>
+      <a:schemeClr val="accent4">
+        <a:tint val="40000"/>
+        <a:alpha val="90000"/>
+      </a:schemeClr>
+      <a:schemeClr val="accent5">
+        <a:tint val="40000"/>
+        <a:alpha val="90000"/>
+      </a:schemeClr>
+      <a:schemeClr val="accent6">
+        <a:tint val="40000"/>
+        <a:alpha val="90000"/>
+      </a:schemeClr>
+    </dgm:fillClrLst>
+    <dgm:linClrLst meth="repeat">
+      <a:schemeClr val="accent2">
+        <a:tint val="40000"/>
+        <a:alpha val="90000"/>
+      </a:schemeClr>
+      <a:schemeClr val="accent3">
+        <a:tint val="40000"/>
+        <a:alpha val="90000"/>
+      </a:schemeClr>
+      <a:schemeClr val="accent4">
+        <a:tint val="40000"/>
+        <a:alpha val="90000"/>
+      </a:schemeClr>
+      <a:schemeClr val="accent5">
+        <a:tint val="40000"/>
+        <a:alpha val="90000"/>
+      </a:schemeClr>
+      <a:schemeClr val="accent6">
+        <a:tint val="40000"/>
+        <a:alpha val="90000"/>
+      </a:schemeClr>
+    </dgm:linClrLst>
+    <dgm:effectClrLst/>
+    <dgm:txLinClrLst/>
+    <dgm:txFillClrLst meth="repeat">
+      <a:schemeClr val="dk1"/>
+    </dgm:txFillClrLst>
+    <dgm:txEffectClrLst/>
+  </dgm:styleLbl>
+  <dgm:styleLbl name="alignAccFollowNode1">
+    <dgm:fillClrLst meth="repeat">
+      <a:schemeClr val="accent2">
+        <a:tint val="40000"/>
+        <a:alpha val="90000"/>
+      </a:schemeClr>
+      <a:schemeClr val="accent3">
+        <a:tint val="40000"/>
+        <a:alpha val="90000"/>
+      </a:schemeClr>
+      <a:schemeClr val="accent4">
+        <a:tint val="40000"/>
+        <a:alpha val="90000"/>
+      </a:schemeClr>
+      <a:schemeClr val="accent5">
+        <a:tint val="40000"/>
+        <a:alpha val="90000"/>
+      </a:schemeClr>
+      <a:schemeClr val="accent6">
+        <a:tint val="40000"/>
+        <a:alpha val="90000"/>
+      </a:schemeClr>
+    </dgm:fillClrLst>
+    <dgm:linClrLst meth="repeat">
+      <a:schemeClr val="accent2">
+        <a:tint val="40000"/>
+        <a:alpha val="90000"/>
+      </a:schemeClr>
+      <a:schemeClr val="accent3">
+        <a:tint val="40000"/>
+        <a:alpha val="90000"/>
+      </a:schemeClr>
+      <a:schemeClr val="accent4">
+        <a:tint val="40000"/>
+        <a:alpha val="90000"/>
+      </a:schemeClr>
+      <a:schemeClr val="accent5">
+        <a:tint val="40000"/>
+        <a:alpha val="90000"/>
+      </a:schemeClr>
+      <a:schemeClr val="accent6">
+        <a:tint val="40000"/>
+        <a:alpha val="90000"/>
+      </a:schemeClr>
+    </dgm:linClrLst>
+    <dgm:effectClrLst/>
+    <dgm:txLinClrLst/>
+    <dgm:txFillClrLst meth="repeat">
+      <a:schemeClr val="dk1"/>
+    </dgm:txFillClrLst>
+    <dgm:txEffectClrLst/>
+  </dgm:styleLbl>
+  <dgm:styleLbl name="bgAccFollowNode1">
+    <dgm:fillClrLst meth="repeat">
+      <a:schemeClr val="accent2">
+        <a:tint val="40000"/>
+        <a:alpha val="90000"/>
+      </a:schemeClr>
+      <a:schemeClr val="accent3">
+        <a:tint val="40000"/>
+        <a:alpha val="90000"/>
+      </a:schemeClr>
+      <a:schemeClr val="accent4">
+        <a:tint val="40000"/>
+        <a:alpha val="90000"/>
+      </a:schemeClr>
+      <a:schemeClr val="accent5">
+        <a:tint val="40000"/>
+        <a:alpha val="90000"/>
+      </a:schemeClr>
+      <a:schemeClr val="accent6">
+        <a:tint val="40000"/>
+        <a:alpha val="90000"/>
+      </a:schemeClr>
+    </dgm:fillClrLst>
+    <dgm:linClrLst meth="repeat">
+      <a:schemeClr val="accent2">
+        <a:tint val="40000"/>
+        <a:alpha val="90000"/>
+      </a:schemeClr>
+      <a:schemeClr val="accent3">
+        <a:tint val="40000"/>
+        <a:alpha val="90000"/>
+      </a:schemeClr>
+      <a:schemeClr val="accent4">
+        <a:tint val="40000"/>
+        <a:alpha val="90000"/>
+      </a:schemeClr>
+      <a:schemeClr val="accent5">
+        <a:tint val="40000"/>
+        <a:alpha val="90000"/>
+      </a:schemeClr>
+      <a:schemeClr val="accent6">
+        <a:tint val="40000"/>
+        <a:alpha val="90000"/>
+      </a:schemeClr>
+    </dgm:linClrLst>
+    <dgm:effectClrLst/>
+    <dgm:txLinClrLst/>
+    <dgm:txFillClrLst meth="repeat">
+      <a:schemeClr val="dk1"/>
+    </dgm:txFillClrLst>
+    <dgm:txEffectClrLst/>
+  </dgm:styleLbl>
+  <dgm:styleLbl name="fgAcc0">
+    <dgm:fillClrLst meth="repeat">
+      <a:schemeClr val="lt1">
+        <a:alpha val="90000"/>
+      </a:schemeClr>
+    </dgm:fillClrLst>
+    <dgm:linClrLst>
+      <a:schemeClr val="accent1"/>
+    </dgm:linClrLst>
+    <dgm:effectClrLst/>
+    <dgm:txLinClrLst/>
+    <dgm:txFillClrLst meth="repeat">
+      <a:schemeClr val="dk1"/>
+    </dgm:txFillClrLst>
+    <dgm:txEffectClrLst/>
+  </dgm:styleLbl>
+  <dgm:styleLbl name="fgAcc2">
+    <dgm:fillClrLst meth="repeat">
+      <a:schemeClr val="lt1">
+        <a:alpha val="90000"/>
+      </a:schemeClr>
+    </dgm:fillClrLst>
+    <dgm:linClrLst>
+      <a:schemeClr val="accent2"/>
+    </dgm:linClrLst>
+    <dgm:effectClrLst/>
+    <dgm:txLinClrLst/>
+    <dgm:txFillClrLst meth="repeat">
+      <a:schemeClr val="dk1"/>
+    </dgm:txFillClrLst>
+    <dgm:txEffectClrLst/>
+  </dgm:styleLbl>
+  <dgm:styleLbl name="fgAcc3">
+    <dgm:fillClrLst meth="repeat">
+      <a:schemeClr val="lt1">
+        <a:alpha val="90000"/>
+      </a:schemeClr>
+    </dgm:fillClrLst>
+    <dgm:linClrLst>
+      <a:schemeClr val="accent3"/>
+    </dgm:linClrLst>
+    <dgm:effectClrLst/>
+    <dgm:txLinClrLst/>
+    <dgm:txFillClrLst meth="repeat">
+      <a:schemeClr val="dk1"/>
+    </dgm:txFillClrLst>
+    <dgm:txEffectClrLst/>
+  </dgm:styleLbl>
+  <dgm:styleLbl name="fgAcc4">
+    <dgm:fillClrLst meth="repeat">
+      <a:schemeClr val="lt1">
+        <a:alpha val="90000"/>
+      </a:schemeClr>
+    </dgm:fillClrLst>
+    <dgm:linClrLst>
+      <a:schemeClr val="accent4"/>
+    </dgm:linClrLst>
+    <dgm:effectClrLst/>
+    <dgm:txLinClrLst/>
+    <dgm:txFillClrLst meth="repeat">
+      <a:schemeClr val="dk1"/>
+    </dgm:txFillClrLst>
+    <dgm:txEffectClrLst/>
+  </dgm:styleLbl>
+  <dgm:styleLbl name="bgShp">
+    <dgm:fillClrLst meth="repeat">
+      <a:schemeClr val="bg1">
+        <a:lumMod val="95000"/>
+      </a:schemeClr>
+    </dgm:fillClrLst>
+    <dgm:linClrLst meth="repeat">
+      <a:schemeClr val="dk1"/>
+    </dgm:linClrLst>
+    <dgm:effectClrLst/>
+    <dgm:txLinClrLst/>
+    <dgm:txFillClrLst meth="repeat">
+      <a:schemeClr val="dk1"/>
+    </dgm:txFillClrLst>
+    <dgm:txEffectClrLst/>
+  </dgm:styleLbl>
+  <dgm:styleLbl name="dkBgShp">
+    <dgm:fillClrLst meth="repeat">
+      <a:schemeClr val="accent2">
+        <a:shade val="90000"/>
+      </a:schemeClr>
+    </dgm:fillClrLst>
+    <dgm:linClrLst meth="repeat">
+      <a:schemeClr val="dk1"/>
+    </dgm:linClrLst>
+    <dgm:effectClrLst/>
+    <dgm:txLinClrLst/>
+    <dgm:txFillClrLst meth="repeat">
+      <a:schemeClr val="lt1"/>
+    </dgm:txFillClrLst>
+    <dgm:txEffectClrLst/>
+  </dgm:styleLbl>
+  <dgm:styleLbl name="trBgShp">
+    <dgm:fillClrLst meth="repeat">
+      <a:schemeClr val="accent1">
+        <a:tint val="50000"/>
+        <a:alpha val="40000"/>
+      </a:schemeClr>
+    </dgm:fillClrLst>
+    <dgm:linClrLst meth="repeat">
+      <a:schemeClr val="accent2"/>
+    </dgm:linClrLst>
+    <dgm:effectClrLst/>
+    <dgm:txLinClrLst/>
+    <dgm:txFillClrLst meth="repeat">
+      <a:schemeClr val="lt1"/>
+    </dgm:txFillClrLst>
+    <dgm:txEffectClrLst/>
+  </dgm:styleLbl>
+  <dgm:styleLbl name="fgShp">
+    <dgm:fillClrLst meth="repeat">
+      <a:schemeClr val="accent2">
+        <a:tint val="40000"/>
+      </a:schemeClr>
+    </dgm:fillClrLst>
+    <dgm:linClrLst meth="repeat">
+      <a:schemeClr val="lt1"/>
+    </dgm:linClrLst>
+    <dgm:effectClrLst/>
+    <dgm:txLinClrLst/>
+    <dgm:txFillClrLst meth="repeat">
+      <a:schemeClr val="dk1"/>
+    </dgm:txFillClrLst>
+    <dgm:txEffectClrLst/>
+  </dgm:styleLbl>
+  <dgm:styleLbl name="revTx">
+    <dgm:fillClrLst meth="repeat">
+      <a:schemeClr val="lt1">
+        <a:alpha val="0"/>
+      </a:schemeClr>
+    </dgm:fillClrLst>
+    <dgm:linClrLst meth="repeat">
+      <a:schemeClr val="dk1">
+        <a:alpha val="0"/>
+      </a:schemeClr>
+    </dgm:linClrLst>
+    <dgm:effectClrLst/>
+    <dgm:txLinClrLst/>
+    <dgm:txFillClrLst meth="repeat">
+      <a:schemeClr val="tx1"/>
+    </dgm:txFillClrLst>
+    <dgm:txEffectClrLst/>
+  </dgm:styleLbl>
+</dgm:colorsDef>
+</file>
+
+<file path=ppt/diagrams/data1.xml><?xml version="1.0" encoding="utf-8"?>
+<dgm:dataModel xmlns:dgm="http://schemas.openxmlformats.org/drawingml/2006/diagram" xmlns:a="http://schemas.openxmlformats.org/drawingml/2006/main">
+  <dgm:ptLst>
+    <dgm:pt modelId="{7BBBFD8B-B751-4FB4-B26F-F7FE74904C9F}" type="doc">
+      <dgm:prSet loTypeId="urn:microsoft.com/office/officeart/2018/2/layout/IconLabelList" loCatId="icon" qsTypeId="urn:microsoft.com/office/officeart/2005/8/quickstyle/simple1" qsCatId="simple" csTypeId="urn:microsoft.com/office/officeart/2018/5/colors/Iconchunking_neutralbg_colorful1" csCatId="colorful" phldr="1"/>
+      <dgm:spPr/>
+      <dgm:t>
+        <a:bodyPr/>
+        <a:lstStyle/>
+        <a:p>
+          <a:endParaRPr lang="en-US"/>
+        </a:p>
+      </dgm:t>
+    </dgm:pt>
+    <dgm:pt modelId="{3529F7D9-AA22-4AD0-97EB-66D69794157D}">
+      <dgm:prSet/>
+      <dgm:spPr/>
+      <dgm:t>
+        <a:bodyPr/>
+        <a:lstStyle/>
+        <a:p>
+          <a:r>
+            <a:rPr lang="en-US"/>
+            <a:t>Improved Health and Wellness</a:t>
+          </a:r>
+        </a:p>
+      </dgm:t>
+    </dgm:pt>
+    <dgm:pt modelId="{308013A0-21D2-4529-8EC2-BBDF5986FD41}" type="parTrans" cxnId="{23B5168B-D2D6-4231-912F-BB7DB804CB97}">
+      <dgm:prSet/>
+      <dgm:spPr/>
+      <dgm:t>
+        <a:bodyPr/>
+        <a:lstStyle/>
+        <a:p>
+          <a:endParaRPr lang="en-US"/>
+        </a:p>
+      </dgm:t>
+    </dgm:pt>
+    <dgm:pt modelId="{59B46195-14EF-4820-8AD7-12404CD697F5}" type="sibTrans" cxnId="{23B5168B-D2D6-4231-912F-BB7DB804CB97}">
+      <dgm:prSet/>
+      <dgm:spPr/>
+      <dgm:t>
+        <a:bodyPr/>
+        <a:lstStyle/>
+        <a:p>
+          <a:endParaRPr lang="en-US"/>
+        </a:p>
+      </dgm:t>
+    </dgm:pt>
+    <dgm:pt modelId="{08C336CA-1250-45D9-B09C-202FBCD8AD9D}">
+      <dgm:prSet/>
+      <dgm:spPr/>
+      <dgm:t>
+        <a:bodyPr/>
+        <a:lstStyle/>
+        <a:p>
+          <a:r>
+            <a:rPr lang="en-US"/>
+            <a:t>Dietary Awareness</a:t>
+          </a:r>
+        </a:p>
+      </dgm:t>
+    </dgm:pt>
+    <dgm:pt modelId="{261B304F-A4AD-463C-B5C2-EE9086DDB66F}" type="parTrans" cxnId="{E8D3F2AD-47AD-4708-B92D-04D20F982157}">
+      <dgm:prSet/>
+      <dgm:spPr/>
+      <dgm:t>
+        <a:bodyPr/>
+        <a:lstStyle/>
+        <a:p>
+          <a:endParaRPr lang="en-US"/>
+        </a:p>
+      </dgm:t>
+    </dgm:pt>
+    <dgm:pt modelId="{B2946922-B7CB-4610-9C70-31ED8819F08C}" type="sibTrans" cxnId="{E8D3F2AD-47AD-4708-B92D-04D20F982157}">
+      <dgm:prSet/>
+      <dgm:spPr/>
+      <dgm:t>
+        <a:bodyPr/>
+        <a:lstStyle/>
+        <a:p>
+          <a:endParaRPr lang="en-US"/>
+        </a:p>
+      </dgm:t>
+    </dgm:pt>
+    <dgm:pt modelId="{25D1F3D8-50EB-4CC4-85F4-6DB65CC63CB8}">
+      <dgm:prSet/>
+      <dgm:spPr/>
+      <dgm:t>
+        <a:bodyPr/>
+        <a:lstStyle/>
+        <a:p>
+          <a:r>
+            <a:rPr lang="en-US"/>
+            <a:t>Customized Nutrition</a:t>
+          </a:r>
+        </a:p>
+      </dgm:t>
+    </dgm:pt>
+    <dgm:pt modelId="{9E3FB183-ECE2-4D88-A5BB-9B9934A0C99E}" type="parTrans" cxnId="{AA94827C-C622-4E01-9D67-05EEB62EB44A}">
+      <dgm:prSet/>
+      <dgm:spPr/>
+      <dgm:t>
+        <a:bodyPr/>
+        <a:lstStyle/>
+        <a:p>
+          <a:endParaRPr lang="en-US"/>
+        </a:p>
+      </dgm:t>
+    </dgm:pt>
+    <dgm:pt modelId="{00A123E4-FB96-49A0-876D-D5981833C7D5}" type="sibTrans" cxnId="{AA94827C-C622-4E01-9D67-05EEB62EB44A}">
+      <dgm:prSet/>
+      <dgm:spPr/>
+      <dgm:t>
+        <a:bodyPr/>
+        <a:lstStyle/>
+        <a:p>
+          <a:endParaRPr lang="en-US"/>
+        </a:p>
+      </dgm:t>
+    </dgm:pt>
+    <dgm:pt modelId="{AE287B01-060D-4936-9F49-51DD67AD9C55}">
+      <dgm:prSet/>
+      <dgm:spPr/>
+      <dgm:t>
+        <a:bodyPr/>
+        <a:lstStyle/>
+        <a:p>
+          <a:r>
+            <a:rPr lang="en-US"/>
+            <a:t>Allergen Management</a:t>
+          </a:r>
+        </a:p>
+      </dgm:t>
+    </dgm:pt>
+    <dgm:pt modelId="{5166C50A-7F80-491A-AFA5-ED9F9205A77E}" type="parTrans" cxnId="{7272A1FD-1998-4299-91FD-ABD9E4EC93F0}">
+      <dgm:prSet/>
+      <dgm:spPr/>
+      <dgm:t>
+        <a:bodyPr/>
+        <a:lstStyle/>
+        <a:p>
+          <a:endParaRPr lang="en-US"/>
+        </a:p>
+      </dgm:t>
+    </dgm:pt>
+    <dgm:pt modelId="{A924765E-7FB1-44C4-9B14-511AC2A2236A}" type="sibTrans" cxnId="{7272A1FD-1998-4299-91FD-ABD9E4EC93F0}">
+      <dgm:prSet/>
+      <dgm:spPr/>
+      <dgm:t>
+        <a:bodyPr/>
+        <a:lstStyle/>
+        <a:p>
+          <a:endParaRPr lang="en-US"/>
+        </a:p>
+      </dgm:t>
+    </dgm:pt>
+    <dgm:pt modelId="{7E95BA52-EA93-498B-9C4F-4B59742B420C}">
+      <dgm:prSet/>
+      <dgm:spPr/>
+      <dgm:t>
+        <a:bodyPr/>
+        <a:lstStyle/>
+        <a:p>
+          <a:r>
+            <a:rPr lang="en-US"/>
+            <a:t>Reduction in Health Care Costs</a:t>
+          </a:r>
+        </a:p>
+      </dgm:t>
+    </dgm:pt>
+    <dgm:pt modelId="{8F1E3E3B-9025-4ADD-AE62-E1564B72A38E}" type="parTrans" cxnId="{729BD9C0-E8A5-4C79-9AF6-E57F5326EDD8}">
+      <dgm:prSet/>
+      <dgm:spPr/>
+      <dgm:t>
+        <a:bodyPr/>
+        <a:lstStyle/>
+        <a:p>
+          <a:endParaRPr lang="en-US"/>
+        </a:p>
+      </dgm:t>
+    </dgm:pt>
+    <dgm:pt modelId="{B7AEC4C0-49A3-405C-8946-33C76A69A2B6}" type="sibTrans" cxnId="{729BD9C0-E8A5-4C79-9AF6-E57F5326EDD8}">
+      <dgm:prSet/>
+      <dgm:spPr/>
+      <dgm:t>
+        <a:bodyPr/>
+        <a:lstStyle/>
+        <a:p>
+          <a:endParaRPr lang="en-US"/>
+        </a:p>
+      </dgm:t>
+    </dgm:pt>
+    <dgm:pt modelId="{3D21C106-28CA-4957-B892-E358DE52A648}" type="pres">
+      <dgm:prSet presAssocID="{7BBBFD8B-B751-4FB4-B26F-F7FE74904C9F}" presName="root" presStyleCnt="0">
+        <dgm:presLayoutVars>
+          <dgm:dir/>
+          <dgm:resizeHandles val="exact"/>
+        </dgm:presLayoutVars>
+      </dgm:prSet>
+      <dgm:spPr/>
+    </dgm:pt>
+    <dgm:pt modelId="{6B461048-7E0F-49B6-8FF3-6B79797D5764}" type="pres">
+      <dgm:prSet presAssocID="{3529F7D9-AA22-4AD0-97EB-66D69794157D}" presName="compNode" presStyleCnt="0"/>
+      <dgm:spPr/>
+    </dgm:pt>
+    <dgm:pt modelId="{1D98870E-949E-4F01-8F6A-C12EC14B11A0}" type="pres">
+      <dgm:prSet presAssocID="{3529F7D9-AA22-4AD0-97EB-66D69794157D}" presName="iconRect" presStyleLbl="node1" presStyleIdx="0" presStyleCnt="5"/>
+      <dgm:spPr>
+        <a:blipFill>
+          <a:blip xmlns:r="http://schemas.openxmlformats.org/officeDocument/2006/relationships" r:embed="rId1">
+            <a:extLst>
+              <a:ext uri="{28A0092B-C50C-407E-A947-70E740481C1C}">
+                <a14:useLocalDpi xmlns:a14="http://schemas.microsoft.com/office/drawing/2010/main" val="0"/>
+              </a:ext>
+              <a:ext uri="{96DAC541-7B7A-43D3-8B79-37D633B846F1}">
+                <asvg:svgBlip xmlns:asvg="http://schemas.microsoft.com/office/drawing/2016/SVG/main" r:embed="rId2"/>
+              </a:ext>
+            </a:extLst>
+          </a:blip>
+          <a:stretch>
+            <a:fillRect/>
+          </a:stretch>
+        </a:blipFill>
+        <a:ln>
+          <a:noFill/>
+        </a:ln>
+      </dgm:spPr>
+      <dgm:extLst>
+        <a:ext uri="{E40237B7-FDA0-4F09-8148-C483321AD2D9}">
+          <dgm14:cNvPr xmlns:dgm14="http://schemas.microsoft.com/office/drawing/2010/diagram" id="0" name="" descr="Dumbbell"/>
+        </a:ext>
+      </dgm:extLst>
+    </dgm:pt>
+    <dgm:pt modelId="{70BA839B-971E-4EF3-B57D-43C5F09200AE}" type="pres">
+      <dgm:prSet presAssocID="{3529F7D9-AA22-4AD0-97EB-66D69794157D}" presName="spaceRect" presStyleCnt="0"/>
+      <dgm:spPr/>
+    </dgm:pt>
+    <dgm:pt modelId="{C1663571-7A9F-48CA-A3F5-03A77198782D}" type="pres">
+      <dgm:prSet presAssocID="{3529F7D9-AA22-4AD0-97EB-66D69794157D}" presName="textRect" presStyleLbl="revTx" presStyleIdx="0" presStyleCnt="5">
+        <dgm:presLayoutVars>
+          <dgm:chMax val="1"/>
+          <dgm:chPref val="1"/>
+        </dgm:presLayoutVars>
+      </dgm:prSet>
+      <dgm:spPr/>
+    </dgm:pt>
+    <dgm:pt modelId="{E432958F-7B2C-47EE-A866-2039BC59D2DD}" type="pres">
+      <dgm:prSet presAssocID="{59B46195-14EF-4820-8AD7-12404CD697F5}" presName="sibTrans" presStyleCnt="0"/>
+      <dgm:spPr/>
+    </dgm:pt>
+    <dgm:pt modelId="{3C054745-1F86-4310-BDD5-E71F513D2354}" type="pres">
+      <dgm:prSet presAssocID="{08C336CA-1250-45D9-B09C-202FBCD8AD9D}" presName="compNode" presStyleCnt="0"/>
+      <dgm:spPr/>
+    </dgm:pt>
+    <dgm:pt modelId="{CE4BE7A9-C8B1-4458-9D70-4D0C0552AA98}" type="pres">
+      <dgm:prSet presAssocID="{08C336CA-1250-45D9-B09C-202FBCD8AD9D}" presName="iconRect" presStyleLbl="node1" presStyleIdx="1" presStyleCnt="5"/>
+      <dgm:spPr>
+        <a:blipFill>
+          <a:blip xmlns:r="http://schemas.openxmlformats.org/officeDocument/2006/relationships" r:embed="rId3">
+            <a:extLst>
+              <a:ext uri="{28A0092B-C50C-407E-A947-70E740481C1C}">
+                <a14:useLocalDpi xmlns:a14="http://schemas.microsoft.com/office/drawing/2010/main" val="0"/>
+              </a:ext>
+              <a:ext uri="{96DAC541-7B7A-43D3-8B79-37D633B846F1}">
+                <asvg:svgBlip xmlns:asvg="http://schemas.microsoft.com/office/drawing/2016/SVG/main" r:embed="rId4"/>
+              </a:ext>
+            </a:extLst>
+          </a:blip>
+          <a:stretch>
+            <a:fillRect/>
+          </a:stretch>
+        </a:blipFill>
+        <a:ln>
+          <a:noFill/>
+        </a:ln>
+      </dgm:spPr>
+      <dgm:extLst>
+        <a:ext uri="{E40237B7-FDA0-4F09-8148-C483321AD2D9}">
+          <dgm14:cNvPr xmlns:dgm14="http://schemas.microsoft.com/office/drawing/2010/diagram" id="0" name="" descr="Person Eating"/>
+        </a:ext>
+      </dgm:extLst>
+    </dgm:pt>
+    <dgm:pt modelId="{2D624275-6BD5-4DBE-A4D4-DC3D01D123D2}" type="pres">
+      <dgm:prSet presAssocID="{08C336CA-1250-45D9-B09C-202FBCD8AD9D}" presName="spaceRect" presStyleCnt="0"/>
+      <dgm:spPr/>
+    </dgm:pt>
+    <dgm:pt modelId="{81DDD56D-B357-4F7A-ACD0-6E1C02E2E4C7}" type="pres">
+      <dgm:prSet presAssocID="{08C336CA-1250-45D9-B09C-202FBCD8AD9D}" presName="textRect" presStyleLbl="revTx" presStyleIdx="1" presStyleCnt="5">
+        <dgm:presLayoutVars>
+          <dgm:chMax val="1"/>
+          <dgm:chPref val="1"/>
+        </dgm:presLayoutVars>
+      </dgm:prSet>
+      <dgm:spPr/>
+    </dgm:pt>
+    <dgm:pt modelId="{E509AE1D-FA30-4B17-BB23-C76DB1B154A7}" type="pres">
+      <dgm:prSet presAssocID="{B2946922-B7CB-4610-9C70-31ED8819F08C}" presName="sibTrans" presStyleCnt="0"/>
+      <dgm:spPr/>
+    </dgm:pt>
+    <dgm:pt modelId="{41B8F0F6-7CC0-492B-BCE0-895C1D07E017}" type="pres">
+      <dgm:prSet presAssocID="{25D1F3D8-50EB-4CC4-85F4-6DB65CC63CB8}" presName="compNode" presStyleCnt="0"/>
+      <dgm:spPr/>
+    </dgm:pt>
+    <dgm:pt modelId="{2199DA53-A9C9-4F36-A22E-D89B06471BCD}" type="pres">
+      <dgm:prSet presAssocID="{25D1F3D8-50EB-4CC4-85F4-6DB65CC63CB8}" presName="iconRect" presStyleLbl="node1" presStyleIdx="2" presStyleCnt="5"/>
+      <dgm:spPr>
+        <a:blipFill>
+          <a:blip xmlns:r="http://schemas.openxmlformats.org/officeDocument/2006/relationships" r:embed="rId5">
+            <a:extLst>
+              <a:ext uri="{28A0092B-C50C-407E-A947-70E740481C1C}">
+                <a14:useLocalDpi xmlns:a14="http://schemas.microsoft.com/office/drawing/2010/main" val="0"/>
+              </a:ext>
+              <a:ext uri="{96DAC541-7B7A-43D3-8B79-37D633B846F1}">
+                <asvg:svgBlip xmlns:asvg="http://schemas.microsoft.com/office/drawing/2016/SVG/main" r:embed="rId6"/>
+              </a:ext>
+            </a:extLst>
+          </a:blip>
+          <a:stretch>
+            <a:fillRect/>
+          </a:stretch>
+        </a:blipFill>
+        <a:ln>
+          <a:noFill/>
+        </a:ln>
+      </dgm:spPr>
+      <dgm:extLst>
+        <a:ext uri="{E40237B7-FDA0-4F09-8148-C483321AD2D9}">
+          <dgm14:cNvPr xmlns:dgm14="http://schemas.microsoft.com/office/drawing/2010/diagram" id="0" name="" descr="Apple"/>
+        </a:ext>
+      </dgm:extLst>
+    </dgm:pt>
+    <dgm:pt modelId="{6F2FDE89-3F08-451B-8E41-A8E615586BFC}" type="pres">
+      <dgm:prSet presAssocID="{25D1F3D8-50EB-4CC4-85F4-6DB65CC63CB8}" presName="spaceRect" presStyleCnt="0"/>
+      <dgm:spPr/>
+    </dgm:pt>
+    <dgm:pt modelId="{842B0617-9955-4242-9BDF-4B738219C769}" type="pres">
+      <dgm:prSet presAssocID="{25D1F3D8-50EB-4CC4-85F4-6DB65CC63CB8}" presName="textRect" presStyleLbl="revTx" presStyleIdx="2" presStyleCnt="5">
+        <dgm:presLayoutVars>
+          <dgm:chMax val="1"/>
+          <dgm:chPref val="1"/>
+        </dgm:presLayoutVars>
+      </dgm:prSet>
+      <dgm:spPr/>
+    </dgm:pt>
+    <dgm:pt modelId="{2D342F77-804F-422F-A880-A5C4E60CE5D0}" type="pres">
+      <dgm:prSet presAssocID="{00A123E4-FB96-49A0-876D-D5981833C7D5}" presName="sibTrans" presStyleCnt="0"/>
+      <dgm:spPr/>
+    </dgm:pt>
+    <dgm:pt modelId="{740AB0CC-3858-41F9-8539-E885A7754572}" type="pres">
+      <dgm:prSet presAssocID="{AE287B01-060D-4936-9F49-51DD67AD9C55}" presName="compNode" presStyleCnt="0"/>
+      <dgm:spPr/>
+    </dgm:pt>
+    <dgm:pt modelId="{06E7DB88-C2AE-402E-8D41-012A8A86CA3A}" type="pres">
+      <dgm:prSet presAssocID="{AE287B01-060D-4936-9F49-51DD67AD9C55}" presName="iconRect" presStyleLbl="node1" presStyleIdx="3" presStyleCnt="5"/>
+      <dgm:spPr>
+        <a:blipFill>
+          <a:blip xmlns:r="http://schemas.openxmlformats.org/officeDocument/2006/relationships" r:embed="rId7">
+            <a:extLst>
+              <a:ext uri="{28A0092B-C50C-407E-A947-70E740481C1C}">
+                <a14:useLocalDpi xmlns:a14="http://schemas.microsoft.com/office/drawing/2010/main" val="0"/>
+              </a:ext>
+              <a:ext uri="{96DAC541-7B7A-43D3-8B79-37D633B846F1}">
+                <asvg:svgBlip xmlns:asvg="http://schemas.microsoft.com/office/drawing/2016/SVG/main" r:embed="rId8"/>
+              </a:ext>
+            </a:extLst>
+          </a:blip>
+          <a:stretch>
+            <a:fillRect/>
+          </a:stretch>
+        </a:blipFill>
+        <a:ln>
+          <a:noFill/>
+        </a:ln>
+      </dgm:spPr>
+      <dgm:extLst>
+        <a:ext uri="{E40237B7-FDA0-4F09-8148-C483321AD2D9}">
+          <dgm14:cNvPr xmlns:dgm14="http://schemas.microsoft.com/office/drawing/2010/diagram" id="0" name="" descr="Stomach"/>
+        </a:ext>
+      </dgm:extLst>
+    </dgm:pt>
+    <dgm:pt modelId="{9928D11B-7DD8-4D88-AB17-FB6779DF0173}" type="pres">
+      <dgm:prSet presAssocID="{AE287B01-060D-4936-9F49-51DD67AD9C55}" presName="spaceRect" presStyleCnt="0"/>
+      <dgm:spPr/>
+    </dgm:pt>
+    <dgm:pt modelId="{A378C369-BBF5-492C-BC8D-715FAA0713B9}" type="pres">
+      <dgm:prSet presAssocID="{AE287B01-060D-4936-9F49-51DD67AD9C55}" presName="textRect" presStyleLbl="revTx" presStyleIdx="3" presStyleCnt="5">
+        <dgm:presLayoutVars>
+          <dgm:chMax val="1"/>
+          <dgm:chPref val="1"/>
+        </dgm:presLayoutVars>
+      </dgm:prSet>
+      <dgm:spPr/>
+    </dgm:pt>
+    <dgm:pt modelId="{65A94D5E-961A-4B72-84D7-76CAA50504B4}" type="pres">
+      <dgm:prSet presAssocID="{A924765E-7FB1-44C4-9B14-511AC2A2236A}" presName="sibTrans" presStyleCnt="0"/>
+      <dgm:spPr/>
+    </dgm:pt>
+    <dgm:pt modelId="{D750D06C-34C5-4083-8004-47F3778B1146}" type="pres">
+      <dgm:prSet presAssocID="{7E95BA52-EA93-498B-9C4F-4B59742B420C}" presName="compNode" presStyleCnt="0"/>
+      <dgm:spPr/>
+    </dgm:pt>
+    <dgm:pt modelId="{1DEC33E7-E32D-430E-A9A7-B683F6D04ECE}" type="pres">
+      <dgm:prSet presAssocID="{7E95BA52-EA93-498B-9C4F-4B59742B420C}" presName="iconRect" presStyleLbl="node1" presStyleIdx="4" presStyleCnt="5"/>
+      <dgm:spPr>
+        <a:blipFill>
+          <a:blip xmlns:r="http://schemas.openxmlformats.org/officeDocument/2006/relationships" r:embed="rId9">
+            <a:extLst>
+              <a:ext uri="{28A0092B-C50C-407E-A947-70E740481C1C}">
+                <a14:useLocalDpi xmlns:a14="http://schemas.microsoft.com/office/drawing/2010/main" val="0"/>
+              </a:ext>
+              <a:ext uri="{96DAC541-7B7A-43D3-8B79-37D633B846F1}">
+                <asvg:svgBlip xmlns:asvg="http://schemas.microsoft.com/office/drawing/2016/SVG/main" r:embed="rId10"/>
+              </a:ext>
+            </a:extLst>
+          </a:blip>
+          <a:stretch>
+            <a:fillRect/>
+          </a:stretch>
+        </a:blipFill>
+        <a:ln>
+          <a:noFill/>
+        </a:ln>
+      </dgm:spPr>
+      <dgm:extLst>
+        <a:ext uri="{E40237B7-FDA0-4F09-8148-C483321AD2D9}">
+          <dgm14:cNvPr xmlns:dgm14="http://schemas.microsoft.com/office/drawing/2010/diagram" id="0" name="" descr="Medical"/>
+        </a:ext>
+      </dgm:extLst>
+    </dgm:pt>
+    <dgm:pt modelId="{65B17908-E9A4-4427-98EE-12948A00E398}" type="pres">
+      <dgm:prSet presAssocID="{7E95BA52-EA93-498B-9C4F-4B59742B420C}" presName="spaceRect" presStyleCnt="0"/>
+      <dgm:spPr/>
+    </dgm:pt>
+    <dgm:pt modelId="{4C911ACF-0A76-4696-B5DA-AD56342F60B1}" type="pres">
+      <dgm:prSet presAssocID="{7E95BA52-EA93-498B-9C4F-4B59742B420C}" presName="textRect" presStyleLbl="revTx" presStyleIdx="4" presStyleCnt="5">
+        <dgm:presLayoutVars>
+          <dgm:chMax val="1"/>
+          <dgm:chPref val="1"/>
+        </dgm:presLayoutVars>
+      </dgm:prSet>
+      <dgm:spPr/>
+    </dgm:pt>
+  </dgm:ptLst>
+  <dgm:cxnLst>
+    <dgm:cxn modelId="{43CC3011-691E-4FB9-8100-35952C1BA481}" type="presOf" srcId="{AE287B01-060D-4936-9F49-51DD67AD9C55}" destId="{A378C369-BBF5-492C-BC8D-715FAA0713B9}" srcOrd="0" destOrd="0" presId="urn:microsoft.com/office/officeart/2018/2/layout/IconLabelList"/>
+    <dgm:cxn modelId="{15EB4D35-5ED4-4E4A-BAD1-43F4B7746E24}" type="presOf" srcId="{3529F7D9-AA22-4AD0-97EB-66D69794157D}" destId="{C1663571-7A9F-48CA-A3F5-03A77198782D}" srcOrd="0" destOrd="0" presId="urn:microsoft.com/office/officeart/2018/2/layout/IconLabelList"/>
+    <dgm:cxn modelId="{95439864-DE36-4803-930E-D8A614F3289F}" type="presOf" srcId="{7BBBFD8B-B751-4FB4-B26F-F7FE74904C9F}" destId="{3D21C106-28CA-4957-B892-E358DE52A648}" srcOrd="0" destOrd="0" presId="urn:microsoft.com/office/officeart/2018/2/layout/IconLabelList"/>
+    <dgm:cxn modelId="{5A458379-96CD-44D2-ABE1-29CF4A82EAF1}" type="presOf" srcId="{25D1F3D8-50EB-4CC4-85F4-6DB65CC63CB8}" destId="{842B0617-9955-4242-9BDF-4B738219C769}" srcOrd="0" destOrd="0" presId="urn:microsoft.com/office/officeart/2018/2/layout/IconLabelList"/>
+    <dgm:cxn modelId="{AA94827C-C622-4E01-9D67-05EEB62EB44A}" srcId="{7BBBFD8B-B751-4FB4-B26F-F7FE74904C9F}" destId="{25D1F3D8-50EB-4CC4-85F4-6DB65CC63CB8}" srcOrd="2" destOrd="0" parTransId="{9E3FB183-ECE2-4D88-A5BB-9B9934A0C99E}" sibTransId="{00A123E4-FB96-49A0-876D-D5981833C7D5}"/>
+    <dgm:cxn modelId="{23B5168B-D2D6-4231-912F-BB7DB804CB97}" srcId="{7BBBFD8B-B751-4FB4-B26F-F7FE74904C9F}" destId="{3529F7D9-AA22-4AD0-97EB-66D69794157D}" srcOrd="0" destOrd="0" parTransId="{308013A0-21D2-4529-8EC2-BBDF5986FD41}" sibTransId="{59B46195-14EF-4820-8AD7-12404CD697F5}"/>
+    <dgm:cxn modelId="{1AB506A6-9346-48E1-A8C9-117DA14DA7AB}" type="presOf" srcId="{7E95BA52-EA93-498B-9C4F-4B59742B420C}" destId="{4C911ACF-0A76-4696-B5DA-AD56342F60B1}" srcOrd="0" destOrd="0" presId="urn:microsoft.com/office/officeart/2018/2/layout/IconLabelList"/>
+    <dgm:cxn modelId="{E8D3F2AD-47AD-4708-B92D-04D20F982157}" srcId="{7BBBFD8B-B751-4FB4-B26F-F7FE74904C9F}" destId="{08C336CA-1250-45D9-B09C-202FBCD8AD9D}" srcOrd="1" destOrd="0" parTransId="{261B304F-A4AD-463C-B5C2-EE9086DDB66F}" sibTransId="{B2946922-B7CB-4610-9C70-31ED8819F08C}"/>
+    <dgm:cxn modelId="{064CF3B7-19E3-4270-88F1-188A706FE620}" type="presOf" srcId="{08C336CA-1250-45D9-B09C-202FBCD8AD9D}" destId="{81DDD56D-B357-4F7A-ACD0-6E1C02E2E4C7}" srcOrd="0" destOrd="0" presId="urn:microsoft.com/office/officeart/2018/2/layout/IconLabelList"/>
+    <dgm:cxn modelId="{729BD9C0-E8A5-4C79-9AF6-E57F5326EDD8}" srcId="{7BBBFD8B-B751-4FB4-B26F-F7FE74904C9F}" destId="{7E95BA52-EA93-498B-9C4F-4B59742B420C}" srcOrd="4" destOrd="0" parTransId="{8F1E3E3B-9025-4ADD-AE62-E1564B72A38E}" sibTransId="{B7AEC4C0-49A3-405C-8946-33C76A69A2B6}"/>
+    <dgm:cxn modelId="{7272A1FD-1998-4299-91FD-ABD9E4EC93F0}" srcId="{7BBBFD8B-B751-4FB4-B26F-F7FE74904C9F}" destId="{AE287B01-060D-4936-9F49-51DD67AD9C55}" srcOrd="3" destOrd="0" parTransId="{5166C50A-7F80-491A-AFA5-ED9F9205A77E}" sibTransId="{A924765E-7FB1-44C4-9B14-511AC2A2236A}"/>
+    <dgm:cxn modelId="{403AB115-F082-4D84-AB68-FBEBDF83A6B3}" type="presParOf" srcId="{3D21C106-28CA-4957-B892-E358DE52A648}" destId="{6B461048-7E0F-49B6-8FF3-6B79797D5764}" srcOrd="0" destOrd="0" presId="urn:microsoft.com/office/officeart/2018/2/layout/IconLabelList"/>
+    <dgm:cxn modelId="{CDDFEEF8-A143-425A-8239-D9A8D23A148B}" type="presParOf" srcId="{6B461048-7E0F-49B6-8FF3-6B79797D5764}" destId="{1D98870E-949E-4F01-8F6A-C12EC14B11A0}" srcOrd="0" destOrd="0" presId="urn:microsoft.com/office/officeart/2018/2/layout/IconLabelList"/>
+    <dgm:cxn modelId="{9A45CC21-C7CC-4FBC-ACF2-3966DCAF1AE8}" type="presParOf" srcId="{6B461048-7E0F-49B6-8FF3-6B79797D5764}" destId="{70BA839B-971E-4EF3-B57D-43C5F09200AE}" srcOrd="1" destOrd="0" presId="urn:microsoft.com/office/officeart/2018/2/layout/IconLabelList"/>
+    <dgm:cxn modelId="{A4FBE236-48B1-4117-BFDE-D3B7622AE9DC}" type="presParOf" srcId="{6B461048-7E0F-49B6-8FF3-6B79797D5764}" destId="{C1663571-7A9F-48CA-A3F5-03A77198782D}" srcOrd="2" destOrd="0" presId="urn:microsoft.com/office/officeart/2018/2/layout/IconLabelList"/>
+    <dgm:cxn modelId="{D772F01D-6C38-4A4A-883E-CB7558AD8765}" type="presParOf" srcId="{3D21C106-28CA-4957-B892-E358DE52A648}" destId="{E432958F-7B2C-47EE-A866-2039BC59D2DD}" srcOrd="1" destOrd="0" presId="urn:microsoft.com/office/officeart/2018/2/layout/IconLabelList"/>
+    <dgm:cxn modelId="{567E556E-AC9D-4777-B400-C41FC7C6A69A}" type="presParOf" srcId="{3D21C106-28CA-4957-B892-E358DE52A648}" destId="{3C054745-1F86-4310-BDD5-E71F513D2354}" srcOrd="2" destOrd="0" presId="urn:microsoft.com/office/officeart/2018/2/layout/IconLabelList"/>
+    <dgm:cxn modelId="{13893263-737E-4D63-A8AE-3732B9C39013}" type="presParOf" srcId="{3C054745-1F86-4310-BDD5-E71F513D2354}" destId="{CE4BE7A9-C8B1-4458-9D70-4D0C0552AA98}" srcOrd="0" destOrd="0" presId="urn:microsoft.com/office/officeart/2018/2/layout/IconLabelList"/>
+    <dgm:cxn modelId="{1F7C4B08-F2E5-4382-9318-50ECA08113AD}" type="presParOf" srcId="{3C054745-1F86-4310-BDD5-E71F513D2354}" destId="{2D624275-6BD5-4DBE-A4D4-DC3D01D123D2}" srcOrd="1" destOrd="0" presId="urn:microsoft.com/office/officeart/2018/2/layout/IconLabelList"/>
+    <dgm:cxn modelId="{1C2EDD7B-C5E8-4C44-8D22-1D1FB8BD4E21}" type="presParOf" srcId="{3C054745-1F86-4310-BDD5-E71F513D2354}" destId="{81DDD56D-B357-4F7A-ACD0-6E1C02E2E4C7}" srcOrd="2" destOrd="0" presId="urn:microsoft.com/office/officeart/2018/2/layout/IconLabelList"/>
+    <dgm:cxn modelId="{74F9AD61-0A0C-423B-8527-A60EA922B345}" type="presParOf" srcId="{3D21C106-28CA-4957-B892-E358DE52A648}" destId="{E509AE1D-FA30-4B17-BB23-C76DB1B154A7}" srcOrd="3" destOrd="0" presId="urn:microsoft.com/office/officeart/2018/2/layout/IconLabelList"/>
+    <dgm:cxn modelId="{E53E60C9-D2EC-44D7-83D4-0450288A7D6B}" type="presParOf" srcId="{3D21C106-28CA-4957-B892-E358DE52A648}" destId="{41B8F0F6-7CC0-492B-BCE0-895C1D07E017}" srcOrd="4" destOrd="0" presId="urn:microsoft.com/office/officeart/2018/2/layout/IconLabelList"/>
+    <dgm:cxn modelId="{12E19127-DD38-4D2E-8A3C-3186B34E27D5}" type="presParOf" srcId="{41B8F0F6-7CC0-492B-BCE0-895C1D07E017}" destId="{2199DA53-A9C9-4F36-A22E-D89B06471BCD}" srcOrd="0" destOrd="0" presId="urn:microsoft.com/office/officeart/2018/2/layout/IconLabelList"/>
+    <dgm:cxn modelId="{FBA5FB49-E361-4973-94A9-8A15C285A0E5}" type="presParOf" srcId="{41B8F0F6-7CC0-492B-BCE0-895C1D07E017}" destId="{6F2FDE89-3F08-451B-8E41-A8E615586BFC}" srcOrd="1" destOrd="0" presId="urn:microsoft.com/office/officeart/2018/2/layout/IconLabelList"/>
+    <dgm:cxn modelId="{BA0EC8BA-8747-4099-8E43-1ADB1516F72B}" type="presParOf" srcId="{41B8F0F6-7CC0-492B-BCE0-895C1D07E017}" destId="{842B0617-9955-4242-9BDF-4B738219C769}" srcOrd="2" destOrd="0" presId="urn:microsoft.com/office/officeart/2018/2/layout/IconLabelList"/>
+    <dgm:cxn modelId="{F6E5C851-97D6-424D-8121-AE52B991BB74}" type="presParOf" srcId="{3D21C106-28CA-4957-B892-E358DE52A648}" destId="{2D342F77-804F-422F-A880-A5C4E60CE5D0}" srcOrd="5" destOrd="0" presId="urn:microsoft.com/office/officeart/2018/2/layout/IconLabelList"/>
+    <dgm:cxn modelId="{172B40B2-92AE-46C9-9722-1F33BF680732}" type="presParOf" srcId="{3D21C106-28CA-4957-B892-E358DE52A648}" destId="{740AB0CC-3858-41F9-8539-E885A7754572}" srcOrd="6" destOrd="0" presId="urn:microsoft.com/office/officeart/2018/2/layout/IconLabelList"/>
+    <dgm:cxn modelId="{1FCB3432-F509-49D3-8036-1164D874F681}" type="presParOf" srcId="{740AB0CC-3858-41F9-8539-E885A7754572}" destId="{06E7DB88-C2AE-402E-8D41-012A8A86CA3A}" srcOrd="0" destOrd="0" presId="urn:microsoft.com/office/officeart/2018/2/layout/IconLabelList"/>
+    <dgm:cxn modelId="{9B1A4172-4F9A-49B9-B2BA-7F6E9571045D}" type="presParOf" srcId="{740AB0CC-3858-41F9-8539-E885A7754572}" destId="{9928D11B-7DD8-4D88-AB17-FB6779DF0173}" srcOrd="1" destOrd="0" presId="urn:microsoft.com/office/officeart/2018/2/layout/IconLabelList"/>
+    <dgm:cxn modelId="{A561C53C-EC62-4F0C-BF82-8524C8DC23D9}" type="presParOf" srcId="{740AB0CC-3858-41F9-8539-E885A7754572}" destId="{A378C369-BBF5-492C-BC8D-715FAA0713B9}" srcOrd="2" destOrd="0" presId="urn:microsoft.com/office/officeart/2018/2/layout/IconLabelList"/>
+    <dgm:cxn modelId="{38AD46E7-DB11-4B49-987B-362330ED4047}" type="presParOf" srcId="{3D21C106-28CA-4957-B892-E358DE52A648}" destId="{65A94D5E-961A-4B72-84D7-76CAA50504B4}" srcOrd="7" destOrd="0" presId="urn:microsoft.com/office/officeart/2018/2/layout/IconLabelList"/>
+    <dgm:cxn modelId="{6E54C0FC-7D54-4AD8-912F-26965C25B6D2}" type="presParOf" srcId="{3D21C106-28CA-4957-B892-E358DE52A648}" destId="{D750D06C-34C5-4083-8004-47F3778B1146}" srcOrd="8" destOrd="0" presId="urn:microsoft.com/office/officeart/2018/2/layout/IconLabelList"/>
+    <dgm:cxn modelId="{40002B58-ECB4-4A76-9C9B-49E2372EA7AA}" type="presParOf" srcId="{D750D06C-34C5-4083-8004-47F3778B1146}" destId="{1DEC33E7-E32D-430E-A9A7-B683F6D04ECE}" srcOrd="0" destOrd="0" presId="urn:microsoft.com/office/officeart/2018/2/layout/IconLabelList"/>
+    <dgm:cxn modelId="{7482C71B-9608-4A9D-B770-6D3738B82765}" type="presParOf" srcId="{D750D06C-34C5-4083-8004-47F3778B1146}" destId="{65B17908-E9A4-4427-98EE-12948A00E398}" srcOrd="1" destOrd="0" presId="urn:microsoft.com/office/officeart/2018/2/layout/IconLabelList"/>
+    <dgm:cxn modelId="{CFCBC055-3680-454E-9B35-203EACC036B8}" type="presParOf" srcId="{D750D06C-34C5-4083-8004-47F3778B1146}" destId="{4C911ACF-0A76-4696-B5DA-AD56342F60B1}" srcOrd="2" destOrd="0" presId="urn:microsoft.com/office/officeart/2018/2/layout/IconLabelList"/>
+  </dgm:cxnLst>
+  <dgm:bg/>
+  <dgm:whole/>
+  <dgm:extLst>
+    <a:ext uri="http://schemas.microsoft.com/office/drawing/2008/diagram">
+      <dsp:dataModelExt xmlns:dsp="http://schemas.microsoft.com/office/drawing/2008/diagram" relId="rId9" minVer="http://schemas.openxmlformats.org/drawingml/2006/diagram"/>
+    </a:ext>
+  </dgm:extLst>
+</dgm:dataModel>
+</file>
+
+<file path=ppt/diagrams/drawing1.xml><?xml version="1.0" encoding="utf-8"?>
+<dsp:drawing xmlns:dgm="http://schemas.openxmlformats.org/drawingml/2006/diagram" xmlns:dsp="http://schemas.microsoft.com/office/drawing/2008/diagram" xmlns:a="http://schemas.openxmlformats.org/drawingml/2006/main">
+  <dsp:spTree>
+    <dsp:nvGrpSpPr>
+      <dsp:cNvPr id="0" name=""/>
+      <dsp:cNvGrpSpPr/>
+    </dsp:nvGrpSpPr>
+    <dsp:grpSpPr/>
+    <dsp:sp modelId="{1D98870E-949E-4F01-8F6A-C12EC14B11A0}">
+      <dsp:nvSpPr>
+        <dsp:cNvPr id="0" name=""/>
+        <dsp:cNvSpPr/>
+      </dsp:nvSpPr>
+      <dsp:spPr>
+        <a:xfrm>
+          <a:off x="489253" y="927333"/>
+          <a:ext cx="793388" cy="793388"/>
+        </a:xfrm>
+        <a:prstGeom prst="rect">
+          <a:avLst/>
+        </a:prstGeom>
+        <a:blipFill>
+          <a:blip xmlns:r="http://schemas.openxmlformats.org/officeDocument/2006/relationships" r:embed="rId1">
+            <a:extLst>
+              <a:ext uri="{28A0092B-C50C-407E-A947-70E740481C1C}">
+                <a14:useLocalDpi xmlns:a14="http://schemas.microsoft.com/office/drawing/2010/main" val="0"/>
+              </a:ext>
+              <a:ext uri="{96DAC541-7B7A-43D3-8B79-37D633B846F1}">
+                <asvg:svgBlip xmlns:asvg="http://schemas.microsoft.com/office/drawing/2016/SVG/main" r:embed="rId2"/>
+              </a:ext>
+            </a:extLst>
+          </a:blip>
+          <a:stretch>
+            <a:fillRect/>
+          </a:stretch>
+        </a:blipFill>
+        <a:ln w="12700" cap="flat" cmpd="sng" algn="ctr">
+          <a:noFill/>
+          <a:prstDash val="solid"/>
+        </a:ln>
+        <a:effectLst/>
+      </dsp:spPr>
+      <dsp:style>
+        <a:lnRef idx="2">
+          <a:scrgbClr r="0" g="0" b="0"/>
+        </a:lnRef>
+        <a:fillRef idx="1">
+          <a:scrgbClr r="0" g="0" b="0"/>
+        </a:fillRef>
+        <a:effectRef idx="0">
+          <a:scrgbClr r="0" g="0" b="0"/>
+        </a:effectRef>
+        <a:fontRef idx="minor">
+          <a:schemeClr val="lt1"/>
+        </a:fontRef>
+      </dsp:style>
+    </dsp:sp>
+    <dsp:sp modelId="{C1663571-7A9F-48CA-A3F5-03A77198782D}">
+      <dsp:nvSpPr>
+        <dsp:cNvPr id="0" name=""/>
+        <dsp:cNvSpPr/>
+      </dsp:nvSpPr>
+      <dsp:spPr>
+        <a:xfrm>
+          <a:off x="4405" y="1985277"/>
+          <a:ext cx="1763085" cy="705234"/>
+        </a:xfrm>
+        <a:prstGeom prst="rect">
+          <a:avLst/>
+        </a:prstGeom>
+        <a:noFill/>
+        <a:ln>
+          <a:noFill/>
+        </a:ln>
+        <a:effectLst/>
+      </dsp:spPr>
+      <dsp:style>
+        <a:lnRef idx="0">
+          <a:scrgbClr r="0" g="0" b="0"/>
+        </a:lnRef>
+        <a:fillRef idx="0">
+          <a:scrgbClr r="0" g="0" b="0"/>
+        </a:fillRef>
+        <a:effectRef idx="0">
+          <a:scrgbClr r="0" g="0" b="0"/>
+        </a:effectRef>
+        <a:fontRef idx="minor"/>
+      </dsp:style>
+      <dsp:txBody>
+        <a:bodyPr spcFirstLastPara="0" vert="horz" wrap="square" lIns="0" tIns="0" rIns="0" bIns="0" numCol="1" spcCol="1270" anchor="t" anchorCtr="0">
+          <a:noAutofit/>
+        </a:bodyPr>
+        <a:lstStyle/>
+        <a:p>
+          <a:pPr marL="0" lvl="0" indent="0" algn="ctr" defTabSz="755650">
+            <a:lnSpc>
+              <a:spcPct val="90000"/>
+            </a:lnSpc>
+            <a:spcBef>
+              <a:spcPct val="0"/>
+            </a:spcBef>
+            <a:spcAft>
+              <a:spcPct val="35000"/>
+            </a:spcAft>
+            <a:buNone/>
+          </a:pPr>
+          <a:r>
+            <a:rPr lang="en-US" sz="1700" kern="1200"/>
+            <a:t>Improved Health and Wellness</a:t>
+          </a:r>
+        </a:p>
+      </dsp:txBody>
+      <dsp:txXfrm>
+        <a:off x="4405" y="1985277"/>
+        <a:ext cx="1763085" cy="705234"/>
+      </dsp:txXfrm>
+    </dsp:sp>
+    <dsp:sp modelId="{CE4BE7A9-C8B1-4458-9D70-4D0C0552AA98}">
+      <dsp:nvSpPr>
+        <dsp:cNvPr id="0" name=""/>
+        <dsp:cNvSpPr/>
+      </dsp:nvSpPr>
+      <dsp:spPr>
+        <a:xfrm>
+          <a:off x="2560879" y="927333"/>
+          <a:ext cx="793388" cy="793388"/>
+        </a:xfrm>
+        <a:prstGeom prst="rect">
+          <a:avLst/>
+        </a:prstGeom>
+        <a:blipFill>
+          <a:blip xmlns:r="http://schemas.openxmlformats.org/officeDocument/2006/relationships" r:embed="rId3">
+            <a:extLst>
+              <a:ext uri="{28A0092B-C50C-407E-A947-70E740481C1C}">
+                <a14:useLocalDpi xmlns:a14="http://schemas.microsoft.com/office/drawing/2010/main" val="0"/>
+              </a:ext>
+              <a:ext uri="{96DAC541-7B7A-43D3-8B79-37D633B846F1}">
+                <asvg:svgBlip xmlns:asvg="http://schemas.microsoft.com/office/drawing/2016/SVG/main" r:embed="rId4"/>
+              </a:ext>
+            </a:extLst>
+          </a:blip>
+          <a:stretch>
+            <a:fillRect/>
+          </a:stretch>
+        </a:blipFill>
+        <a:ln w="12700" cap="flat" cmpd="sng" algn="ctr">
+          <a:noFill/>
+          <a:prstDash val="solid"/>
+        </a:ln>
+        <a:effectLst/>
+      </dsp:spPr>
+      <dsp:style>
+        <a:lnRef idx="2">
+          <a:scrgbClr r="0" g="0" b="0"/>
+        </a:lnRef>
+        <a:fillRef idx="1">
+          <a:scrgbClr r="0" g="0" b="0"/>
+        </a:fillRef>
+        <a:effectRef idx="0">
+          <a:scrgbClr r="0" g="0" b="0"/>
+        </a:effectRef>
+        <a:fontRef idx="minor">
+          <a:schemeClr val="lt1"/>
+        </a:fontRef>
+      </dsp:style>
+    </dsp:sp>
+    <dsp:sp modelId="{81DDD56D-B357-4F7A-ACD0-6E1C02E2E4C7}">
+      <dsp:nvSpPr>
+        <dsp:cNvPr id="0" name=""/>
+        <dsp:cNvSpPr/>
+      </dsp:nvSpPr>
+      <dsp:spPr>
+        <a:xfrm>
+          <a:off x="2076031" y="1985277"/>
+          <a:ext cx="1763085" cy="705234"/>
+        </a:xfrm>
+        <a:prstGeom prst="rect">
+          <a:avLst/>
+        </a:prstGeom>
+        <a:noFill/>
+        <a:ln>
+          <a:noFill/>
+        </a:ln>
+        <a:effectLst/>
+      </dsp:spPr>
+      <dsp:style>
+        <a:lnRef idx="0">
+          <a:scrgbClr r="0" g="0" b="0"/>
+        </a:lnRef>
+        <a:fillRef idx="0">
+          <a:scrgbClr r="0" g="0" b="0"/>
+        </a:fillRef>
+        <a:effectRef idx="0">
+          <a:scrgbClr r="0" g="0" b="0"/>
+        </a:effectRef>
+        <a:fontRef idx="minor"/>
+      </dsp:style>
+      <dsp:txBody>
+        <a:bodyPr spcFirstLastPara="0" vert="horz" wrap="square" lIns="0" tIns="0" rIns="0" bIns="0" numCol="1" spcCol="1270" anchor="t" anchorCtr="0">
+          <a:noAutofit/>
+        </a:bodyPr>
+        <a:lstStyle/>
+        <a:p>
+          <a:pPr marL="0" lvl="0" indent="0" algn="ctr" defTabSz="755650">
+            <a:lnSpc>
+              <a:spcPct val="90000"/>
+            </a:lnSpc>
+            <a:spcBef>
+              <a:spcPct val="0"/>
+            </a:spcBef>
+            <a:spcAft>
+              <a:spcPct val="35000"/>
+            </a:spcAft>
+            <a:buNone/>
+          </a:pPr>
+          <a:r>
+            <a:rPr lang="en-US" sz="1700" kern="1200"/>
+            <a:t>Dietary Awareness</a:t>
+          </a:r>
+        </a:p>
+      </dsp:txBody>
+      <dsp:txXfrm>
+        <a:off x="2076031" y="1985277"/>
+        <a:ext cx="1763085" cy="705234"/>
+      </dsp:txXfrm>
+    </dsp:sp>
+    <dsp:sp modelId="{2199DA53-A9C9-4F36-A22E-D89B06471BCD}">
+      <dsp:nvSpPr>
+        <dsp:cNvPr id="0" name=""/>
+        <dsp:cNvSpPr/>
+      </dsp:nvSpPr>
+      <dsp:spPr>
+        <a:xfrm>
+          <a:off x="4632505" y="927333"/>
+          <a:ext cx="793388" cy="793388"/>
+        </a:xfrm>
+        <a:prstGeom prst="rect">
+          <a:avLst/>
+        </a:prstGeom>
+        <a:blipFill>
+          <a:blip xmlns:r="http://schemas.openxmlformats.org/officeDocument/2006/relationships" r:embed="rId5">
+            <a:extLst>
+              <a:ext uri="{28A0092B-C50C-407E-A947-70E740481C1C}">
+                <a14:useLocalDpi xmlns:a14="http://schemas.microsoft.com/office/drawing/2010/main" val="0"/>
+              </a:ext>
+              <a:ext uri="{96DAC541-7B7A-43D3-8B79-37D633B846F1}">
+                <asvg:svgBlip xmlns:asvg="http://schemas.microsoft.com/office/drawing/2016/SVG/main" r:embed="rId6"/>
+              </a:ext>
+            </a:extLst>
+          </a:blip>
+          <a:stretch>
+            <a:fillRect/>
+          </a:stretch>
+        </a:blipFill>
+        <a:ln w="12700" cap="flat" cmpd="sng" algn="ctr">
+          <a:noFill/>
+          <a:prstDash val="solid"/>
+        </a:ln>
+        <a:effectLst/>
+      </dsp:spPr>
+      <dsp:style>
+        <a:lnRef idx="2">
+          <a:scrgbClr r="0" g="0" b="0"/>
+        </a:lnRef>
+        <a:fillRef idx="1">
+          <a:scrgbClr r="0" g="0" b="0"/>
+        </a:fillRef>
+        <a:effectRef idx="0">
+          <a:scrgbClr r="0" g="0" b="0"/>
+        </a:effectRef>
+        <a:fontRef idx="minor">
+          <a:schemeClr val="lt1"/>
+        </a:fontRef>
+      </dsp:style>
+    </dsp:sp>
+    <dsp:sp modelId="{842B0617-9955-4242-9BDF-4B738219C769}">
+      <dsp:nvSpPr>
+        <dsp:cNvPr id="0" name=""/>
+        <dsp:cNvSpPr/>
+      </dsp:nvSpPr>
+      <dsp:spPr>
+        <a:xfrm>
+          <a:off x="4147657" y="1985277"/>
+          <a:ext cx="1763085" cy="705234"/>
+        </a:xfrm>
+        <a:prstGeom prst="rect">
+          <a:avLst/>
+        </a:prstGeom>
+        <a:noFill/>
+        <a:ln>
+          <a:noFill/>
+        </a:ln>
+        <a:effectLst/>
+      </dsp:spPr>
+      <dsp:style>
+        <a:lnRef idx="0">
+          <a:scrgbClr r="0" g="0" b="0"/>
+        </a:lnRef>
+        <a:fillRef idx="0">
+          <a:scrgbClr r="0" g="0" b="0"/>
+        </a:fillRef>
+        <a:effectRef idx="0">
+          <a:scrgbClr r="0" g="0" b="0"/>
+        </a:effectRef>
+        <a:fontRef idx="minor"/>
+      </dsp:style>
+      <dsp:txBody>
+        <a:bodyPr spcFirstLastPara="0" vert="horz" wrap="square" lIns="0" tIns="0" rIns="0" bIns="0" numCol="1" spcCol="1270" anchor="t" anchorCtr="0">
+          <a:noAutofit/>
+        </a:bodyPr>
+        <a:lstStyle/>
+        <a:p>
+          <a:pPr marL="0" lvl="0" indent="0" algn="ctr" defTabSz="755650">
+            <a:lnSpc>
+              <a:spcPct val="90000"/>
+            </a:lnSpc>
+            <a:spcBef>
+              <a:spcPct val="0"/>
+            </a:spcBef>
+            <a:spcAft>
+              <a:spcPct val="35000"/>
+            </a:spcAft>
+            <a:buNone/>
+          </a:pPr>
+          <a:r>
+            <a:rPr lang="en-US" sz="1700" kern="1200"/>
+            <a:t>Customized Nutrition</a:t>
+          </a:r>
+        </a:p>
+      </dsp:txBody>
+      <dsp:txXfrm>
+        <a:off x="4147657" y="1985277"/>
+        <a:ext cx="1763085" cy="705234"/>
+      </dsp:txXfrm>
+    </dsp:sp>
+    <dsp:sp modelId="{06E7DB88-C2AE-402E-8D41-012A8A86CA3A}">
+      <dsp:nvSpPr>
+        <dsp:cNvPr id="0" name=""/>
+        <dsp:cNvSpPr/>
+      </dsp:nvSpPr>
+      <dsp:spPr>
+        <a:xfrm>
+          <a:off x="6704131" y="927333"/>
+          <a:ext cx="793388" cy="793388"/>
+        </a:xfrm>
+        <a:prstGeom prst="rect">
+          <a:avLst/>
+        </a:prstGeom>
+        <a:blipFill>
+          <a:blip xmlns:r="http://schemas.openxmlformats.org/officeDocument/2006/relationships" r:embed="rId7">
+            <a:extLst>
+              <a:ext uri="{28A0092B-C50C-407E-A947-70E740481C1C}">
+                <a14:useLocalDpi xmlns:a14="http://schemas.microsoft.com/office/drawing/2010/main" val="0"/>
+              </a:ext>
+              <a:ext uri="{96DAC541-7B7A-43D3-8B79-37D633B846F1}">
+                <asvg:svgBlip xmlns:asvg="http://schemas.microsoft.com/office/drawing/2016/SVG/main" r:embed="rId8"/>
+              </a:ext>
+            </a:extLst>
+          </a:blip>
+          <a:stretch>
+            <a:fillRect/>
+          </a:stretch>
+        </a:blipFill>
+        <a:ln w="12700" cap="flat" cmpd="sng" algn="ctr">
+          <a:noFill/>
+          <a:prstDash val="solid"/>
+        </a:ln>
+        <a:effectLst/>
+      </dsp:spPr>
+      <dsp:style>
+        <a:lnRef idx="2">
+          <a:scrgbClr r="0" g="0" b="0"/>
+        </a:lnRef>
+        <a:fillRef idx="1">
+          <a:scrgbClr r="0" g="0" b="0"/>
+        </a:fillRef>
+        <a:effectRef idx="0">
+          <a:scrgbClr r="0" g="0" b="0"/>
+        </a:effectRef>
+        <a:fontRef idx="minor">
+          <a:schemeClr val="lt1"/>
+        </a:fontRef>
+      </dsp:style>
+    </dsp:sp>
+    <dsp:sp modelId="{A378C369-BBF5-492C-BC8D-715FAA0713B9}">
+      <dsp:nvSpPr>
+        <dsp:cNvPr id="0" name=""/>
+        <dsp:cNvSpPr/>
+      </dsp:nvSpPr>
+      <dsp:spPr>
+        <a:xfrm>
+          <a:off x="6219283" y="1985277"/>
+          <a:ext cx="1763085" cy="705234"/>
+        </a:xfrm>
+        <a:prstGeom prst="rect">
+          <a:avLst/>
+        </a:prstGeom>
+        <a:noFill/>
+        <a:ln>
+          <a:noFill/>
+        </a:ln>
+        <a:effectLst/>
+      </dsp:spPr>
+      <dsp:style>
+        <a:lnRef idx="0">
+          <a:scrgbClr r="0" g="0" b="0"/>
+        </a:lnRef>
+        <a:fillRef idx="0">
+          <a:scrgbClr r="0" g="0" b="0"/>
+        </a:fillRef>
+        <a:effectRef idx="0">
+          <a:scrgbClr r="0" g="0" b="0"/>
+        </a:effectRef>
+        <a:fontRef idx="minor"/>
+      </dsp:style>
+      <dsp:txBody>
+        <a:bodyPr spcFirstLastPara="0" vert="horz" wrap="square" lIns="0" tIns="0" rIns="0" bIns="0" numCol="1" spcCol="1270" anchor="t" anchorCtr="0">
+          <a:noAutofit/>
+        </a:bodyPr>
+        <a:lstStyle/>
+        <a:p>
+          <a:pPr marL="0" lvl="0" indent="0" algn="ctr" defTabSz="755650">
+            <a:lnSpc>
+              <a:spcPct val="90000"/>
+            </a:lnSpc>
+            <a:spcBef>
+              <a:spcPct val="0"/>
+            </a:spcBef>
+            <a:spcAft>
+              <a:spcPct val="35000"/>
+            </a:spcAft>
+            <a:buNone/>
+          </a:pPr>
+          <a:r>
+            <a:rPr lang="en-US" sz="1700" kern="1200"/>
+            <a:t>Allergen Management</a:t>
+          </a:r>
+        </a:p>
+      </dsp:txBody>
+      <dsp:txXfrm>
+        <a:off x="6219283" y="1985277"/>
+        <a:ext cx="1763085" cy="705234"/>
+      </dsp:txXfrm>
+    </dsp:sp>
+    <dsp:sp modelId="{1DEC33E7-E32D-430E-A9A7-B683F6D04ECE}">
+      <dsp:nvSpPr>
+        <dsp:cNvPr id="0" name=""/>
+        <dsp:cNvSpPr/>
+      </dsp:nvSpPr>
+      <dsp:spPr>
+        <a:xfrm>
+          <a:off x="8775757" y="927333"/>
+          <a:ext cx="793388" cy="793388"/>
+        </a:xfrm>
+        <a:prstGeom prst="rect">
+          <a:avLst/>
+        </a:prstGeom>
+        <a:blipFill>
+          <a:blip xmlns:r="http://schemas.openxmlformats.org/officeDocument/2006/relationships" r:embed="rId9">
+            <a:extLst>
+              <a:ext uri="{28A0092B-C50C-407E-A947-70E740481C1C}">
+                <a14:useLocalDpi xmlns:a14="http://schemas.microsoft.com/office/drawing/2010/main" val="0"/>
+              </a:ext>
+              <a:ext uri="{96DAC541-7B7A-43D3-8B79-37D633B846F1}">
+                <asvg:svgBlip xmlns:asvg="http://schemas.microsoft.com/office/drawing/2016/SVG/main" r:embed="rId10"/>
+              </a:ext>
+            </a:extLst>
+          </a:blip>
+          <a:stretch>
+            <a:fillRect/>
+          </a:stretch>
+        </a:blipFill>
+        <a:ln w="12700" cap="flat" cmpd="sng" algn="ctr">
+          <a:noFill/>
+          <a:prstDash val="solid"/>
+        </a:ln>
+        <a:effectLst/>
+      </dsp:spPr>
+      <dsp:style>
+        <a:lnRef idx="2">
+          <a:scrgbClr r="0" g="0" b="0"/>
+        </a:lnRef>
+        <a:fillRef idx="1">
+          <a:scrgbClr r="0" g="0" b="0"/>
+        </a:fillRef>
+        <a:effectRef idx="0">
+          <a:scrgbClr r="0" g="0" b="0"/>
+        </a:effectRef>
+        <a:fontRef idx="minor">
+          <a:schemeClr val="lt1"/>
+        </a:fontRef>
+      </dsp:style>
+    </dsp:sp>
+    <dsp:sp modelId="{4C911ACF-0A76-4696-B5DA-AD56342F60B1}">
+      <dsp:nvSpPr>
+        <dsp:cNvPr id="0" name=""/>
+        <dsp:cNvSpPr/>
+      </dsp:nvSpPr>
+      <dsp:spPr>
+        <a:xfrm>
+          <a:off x="8290908" y="1985277"/>
+          <a:ext cx="1763085" cy="705234"/>
+        </a:xfrm>
+        <a:prstGeom prst="rect">
+          <a:avLst/>
+        </a:prstGeom>
+        <a:noFill/>
+        <a:ln>
+          <a:noFill/>
+        </a:ln>
+        <a:effectLst/>
+      </dsp:spPr>
+      <dsp:style>
+        <a:lnRef idx="0">
+          <a:scrgbClr r="0" g="0" b="0"/>
+        </a:lnRef>
+        <a:fillRef idx="0">
+          <a:scrgbClr r="0" g="0" b="0"/>
+        </a:fillRef>
+        <a:effectRef idx="0">
+          <a:scrgbClr r="0" g="0" b="0"/>
+        </a:effectRef>
+        <a:fontRef idx="minor"/>
+      </dsp:style>
+      <dsp:txBody>
+        <a:bodyPr spcFirstLastPara="0" vert="horz" wrap="square" lIns="0" tIns="0" rIns="0" bIns="0" numCol="1" spcCol="1270" anchor="t" anchorCtr="0">
+          <a:noAutofit/>
+        </a:bodyPr>
+        <a:lstStyle/>
+        <a:p>
+          <a:pPr marL="0" lvl="0" indent="0" algn="ctr" defTabSz="755650">
+            <a:lnSpc>
+              <a:spcPct val="90000"/>
+            </a:lnSpc>
+            <a:spcBef>
+              <a:spcPct val="0"/>
+            </a:spcBef>
+            <a:spcAft>
+              <a:spcPct val="35000"/>
+            </a:spcAft>
+            <a:buNone/>
+          </a:pPr>
+          <a:r>
+            <a:rPr lang="en-US" sz="1700" kern="1200"/>
+            <a:t>Reduction in Health Care Costs</a:t>
+          </a:r>
+        </a:p>
+      </dsp:txBody>
+      <dsp:txXfrm>
+        <a:off x="8290908" y="1985277"/>
+        <a:ext cx="1763085" cy="705234"/>
+      </dsp:txXfrm>
+    </dsp:sp>
+  </dsp:spTree>
+</dsp:drawing>
+</file>
+
+<file path=ppt/diagrams/layout1.xml><?xml version="1.0" encoding="utf-8"?>
+<dgm:layoutDef xmlns:dgm="http://schemas.openxmlformats.org/drawingml/2006/diagram" xmlns:a="http://schemas.openxmlformats.org/drawingml/2006/main" uniqueId="urn:microsoft.com/office/officeart/2018/2/layout/IconLabelList">
+  <dgm:title val="Icon Label List"/>
+  <dgm:desc val="Use to show non-sequential or grouped chunks of information accompanied by a related visuals. Works best with icons or small pictures with short text captions."/>
+  <dgm:catLst>
+    <dgm:cat type="icon" pri="500"/>
+  </dgm:catLst>
+  <dgm:sampData useDef="1">
+    <dgm:dataModel>
+      <dgm:ptLst/>
+      <dgm:bg/>
+      <dgm:whole/>
+    </dgm:dataModel>
+  </dgm:sampData>
+  <dgm:styleData useDef="1">
+    <dgm:dataModel>
+      <dgm:ptLst/>
+      <dgm:bg/>
+      <dgm:whole/>
+    </dgm:dataModel>
+  </dgm:styleData>
+  <dgm:clrData useDef="1">
+    <dgm:dataModel>
+      <dgm:ptLst/>
+      <dgm:bg/>
+      <dgm:whole/>
+    </dgm:dataModel>
+  </dgm:clrData>
+  <dgm:layoutNode name="root">
+    <dgm:varLst>
+      <dgm:dir/>
+      <dgm:resizeHandles val="exact"/>
+    </dgm:varLst>
+    <dgm:choose name="Name0">
+      <dgm:if name="Name1" axis="self" func="var" arg="dir" op="equ" val="norm">
+        <dgm:alg type="snake">
+          <dgm:param type="grDir" val="tL"/>
+          <dgm:param type="flowDir" val="row"/>
+          <dgm:param type="contDir" val="sameDir"/>
+          <dgm:param type="off" val="ctr"/>
+          <dgm:param type="vertAlign" val="mid"/>
+          <dgm:param type="horzAlign" val="ctr"/>
+        </dgm:alg>
+      </dgm:if>
+      <dgm:else name="Name2">
+        <dgm:alg type="snake">
+          <dgm:param type="grDir" val="tR"/>
+          <dgm:param type="flowDir" val="row"/>
+          <dgm:param type="contDir" val="sameDir"/>
+          <dgm:param type="off" val="ctr"/>
+          <dgm:param type="vertAlign" val="mid"/>
+          <dgm:param type="horzAlign" val="ctr"/>
+        </dgm:alg>
+      </dgm:else>
+    </dgm:choose>
+    <dgm:shape xmlns:r="http://schemas.openxmlformats.org/officeDocument/2006/relationships" r:blip="">
+      <dgm:adjLst/>
+    </dgm:shape>
+    <dgm:presOf/>
+    <dgm:choose name="Name3">
+      <dgm:if name="Name4" axis="ch" ptType="node" func="cnt" op="lte" val="2">
+        <dgm:constrLst>
+          <dgm:constr type="h" for="ch" forName="compNode" refType="h" fact="0.4"/>
+          <dgm:constr type="w" for="ch" forName="compNode" val="120"/>
+          <dgm:constr type="w" for="ch" forName="sibTrans" refType="w" refFor="ch" refForName="compNode" fact="0.175"/>
+          <dgm:constr type="sp" refType="w" refFor="ch" refForName="compNode" op="equ" fact="0.25"/>
+          <dgm:constr type="primFontSz" for="des" ptType="node" op="equ" val="50"/>
+          <dgm:constr type="h" for="des" forName="compNode" op="equ"/>
+          <dgm:constr type="h" for="des" forName="textRect" op="equ"/>
+        </dgm:constrLst>
+      </dgm:if>
+      <dgm:if name="Name5" axis="ch" ptType="node" func="cnt" op="lte" val="4">
+        <dgm:constrLst>
+          <dgm:constr type="h" for="ch" forName="compNode" refType="h" fact="0.4"/>
+          <dgm:constr type="w" for="ch" forName="compNode" refType="w"/>
+          <dgm:constr type="w" for="ch" forName="sibTrans" refType="w" refFor="ch" refForName="compNode" fact="0.175"/>
+          <dgm:constr type="sp" refType="w" refFor="ch" refForName="compNode" op="equ" fact="0.25"/>
+          <dgm:constr type="primFontSz" for="des" ptType="node" op="equ" val="36"/>
+          <dgm:constr type="h" for="des" forName="compNode" op="equ"/>
+          <dgm:constr type="h" for="des" forName="textRect" op="equ"/>
+        </dgm:constrLst>
+      </dgm:if>
+      <dgm:else name="Name6">
+        <dgm:constrLst>
+          <dgm:constr type="h" for="ch" forName="compNode" refType="h" fact="0.4"/>
+          <dgm:constr type="w" for="ch" forName="compNode" refType="w"/>
+          <dgm:constr type="w" for="ch" forName="sibTrans" refType="w" refFor="ch" refForName="compNode" fact="0.175"/>
+          <dgm:constr type="sp" refType="w" refFor="ch" refForName="compNode" op="equ" fact="0.25"/>
+          <dgm:constr type="primFontSz" for="des" ptType="node" op="equ" val="24"/>
+          <dgm:constr type="h" for="des" forName="compNode" op="equ"/>
+          <dgm:constr type="h" for="des" forName="textRect" op="equ"/>
+        </dgm:constrLst>
+      </dgm:else>
+    </dgm:choose>
+    <dgm:ruleLst>
+      <dgm:rule type="w" for="ch" forName="compNode" val="50" fact="NaN" max="NaN"/>
+    </dgm:ruleLst>
+    <dgm:forEach name="Name7" axis="ch" ptType="node">
+      <dgm:layoutNode name="compNode">
+        <dgm:alg type="composite"/>
+        <dgm:shape xmlns:r="http://schemas.openxmlformats.org/officeDocument/2006/relationships" r:blip="">
+          <dgm:adjLst/>
+        </dgm:shape>
+        <dgm:presOf axis="self"/>
+        <dgm:constrLst>
+          <dgm:constr type="w" for="ch" forName="iconRect" refType="w" fact="0.45"/>
+          <dgm:constr type="h" for="ch" forName="iconRect" refType="w" refFor="ch" refForName="iconRect"/>
+          <dgm:constr type="ctrX" for="ch" forName="iconRect" refType="w" fact="0.5"/>
+          <dgm:constr type="t" for="ch" forName="iconRect"/>
+          <dgm:constr type="h" for="ch" forName="spaceRect" refType="h" fact="0.15"/>
+          <dgm:constr type="w" for="ch" forName="spaceRect" refType="w"/>
+          <dgm:constr type="l" for="ch" forName="spaceRect"/>
+          <dgm:constr type="t" for="ch" forName="spaceRect" refType="b" refFor="ch" refForName="iconRect"/>
+          <dgm:constr type="h" for="ch" forName="textRect" val="20"/>
+          <dgm:constr type="w" for="ch" forName="textRect" refType="w"/>
+          <dgm:constr type="l" for="ch" forName="textRect"/>
+          <dgm:constr type="t" for="ch" forName="textRect" refType="b" refFor="ch" refForName="spaceRect"/>
+        </dgm:constrLst>
+        <dgm:ruleLst>
+          <dgm:rule type="h" val="INF" fact="NaN" max="NaN"/>
+        </dgm:ruleLst>
+        <dgm:layoutNode name="iconRect" styleLbl="node1">
+          <dgm:alg type="sp"/>
+          <dgm:shape xmlns:r="http://schemas.openxmlformats.org/officeDocument/2006/relationships" type="rect" r:blip="" blipPhldr="1">
+            <dgm:adjLst/>
+          </dgm:shape>
+          <dgm:presOf/>
+          <dgm:constrLst/>
+          <dgm:ruleLst/>
+        </dgm:layoutNode>
+        <dgm:layoutNode name="spaceRect">
+          <dgm:alg type="sp"/>
+          <dgm:shape xmlns:r="http://schemas.openxmlformats.org/officeDocument/2006/relationships" r:blip="">
+            <dgm:adjLst/>
+          </dgm:shape>
+          <dgm:presOf/>
+          <dgm:constrLst/>
+          <dgm:ruleLst/>
+        </dgm:layoutNode>
+        <dgm:layoutNode name="textRect" styleLbl="revTx">
+          <dgm:varLst>
+            <dgm:chMax val="1"/>
+            <dgm:chPref val="1"/>
+          </dgm:varLst>
+          <dgm:alg type="tx">
+            <dgm:param type="txAnchorVert" val="t"/>
+          </dgm:alg>
+          <dgm:shape xmlns:r="http://schemas.openxmlformats.org/officeDocument/2006/relationships" type="rect" r:blip="">
+            <dgm:adjLst/>
+          </dgm:shape>
+          <dgm:presOf axis="self" ptType="node"/>
+          <dgm:constrLst>
+            <dgm:constr type="lMarg"/>
+            <dgm:constr type="rMarg"/>
+            <dgm:constr type="tMarg"/>
+            <dgm:constr type="bMarg"/>
+          </dgm:constrLst>
+          <dgm:ruleLst>
+            <dgm:rule type="primFontSz" val="11" fact="NaN" max="NaN"/>
+            <dgm:rule type="h" val="INF" fact="NaN" max="NaN"/>
+          </dgm:ruleLst>
+        </dgm:layoutNode>
+      </dgm:layoutNode>
+      <dgm:forEach name="Name8" axis="followSib" ptType="sibTrans" cnt="1">
+        <dgm:layoutNode name="sibTrans">
+          <dgm:alg type="sp"/>
+          <dgm:shape xmlns:r="http://schemas.openxmlformats.org/officeDocument/2006/relationships" r:blip="">
+            <dgm:adjLst/>
+          </dgm:shape>
+          <dgm:presOf axis="self"/>
+          <dgm:constrLst/>
+          <dgm:ruleLst/>
+        </dgm:layoutNode>
+      </dgm:forEach>
+    </dgm:forEach>
+  </dgm:layoutNode>
+  <dgm:extLst>
+    <a:ext uri="{68A01E43-0DF5-4B5B-8FA6-DAF915123BFB}">
+      <dgm1612:lstStyle xmlns:dgm1612="http://schemas.microsoft.com/office/drawing/2016/12/diagram">
+        <a:lvl1pPr>
+          <a:lnSpc>
+            <a:spcPct val="100000"/>
+          </a:lnSpc>
+        </a:lvl1pPr>
+      </dgm1612:lstStyle>
+    </a:ext>
+  </dgm:extLst>
+</dgm:layoutDef>
+</file>
+
+<file path=ppt/diagrams/quickStyle1.xml><?xml version="1.0" encoding="utf-8"?>
+<dgm:styleDef xmlns:dgm="http://schemas.openxmlformats.org/drawingml/2006/diagram" xmlns:a="http://schemas.openxmlformats.org/drawingml/2006/main" uniqueId="urn:microsoft.com/office/officeart/2005/8/quickstyle/simple1">
+  <dgm:title val=""/>
+  <dgm:desc val=""/>
+  <dgm:catLst>
+    <dgm:cat type="simple" pri="10100"/>
+  </dgm:catLst>
+  <dgm:scene3d>
+    <a:camera prst="orthographicFront"/>
+    <a:lightRig rig="threePt" dir="t"/>
+  </dgm:scene3d>
+  <dgm:styleLbl name="node0">
+    <dgm:scene3d>
+      <a:camera prst="orthographicFront"/>
+      <a:lightRig rig="threePt" dir="t"/>
+    </dgm:scene3d>
+    <dgm:sp3d/>
+    <dgm:txPr/>
+    <dgm:style>
+      <a:lnRef idx="2">
+        <a:scrgbClr r="0" g="0" b="0"/>
+      </a:lnRef>
+      <a:fillRef idx="1">
+        <a:scrgbClr r="0" g="0" b="0"/>
+      </a:fillRef>
+      <a:effectRef idx="0">
+        <a:scrgbClr r="0" g="0" b="0"/>
+      </a:effectRef>
+      <a:fontRef idx="minor">
+        <a:schemeClr val="lt1"/>
+      </a:fontRef>
+    </dgm:style>
+  </dgm:styleLbl>
+  <dgm:styleLbl name="lnNode1">
+    <dgm:scene3d>
+      <a:camera prst="orthographicFront"/>
+      <a:lightRig rig="threePt" dir="t"/>
+    </dgm:scene3d>
+    <dgm:sp3d/>
+    <dgm:txPr/>
+    <dgm:style>
+      <a:lnRef idx="2">
+        <a:scrgbClr r="0" g="0" b="0"/>
+      </a:lnRef>
+      <a:fillRef idx="1">
+        <a:scrgbClr r="0" g="0" b="0"/>
+      </a:fillRef>
+      <a:effectRef idx="0">
+        <a:scrgbClr r="0" g="0" b="0"/>
+      </a:effectRef>
+      <a:fontRef idx="minor">
+        <a:schemeClr val="lt1"/>
+      </a:fontRef>
+    </dgm:style>
+  </dgm:styleLbl>
+  <dgm:styleLbl name="vennNode1">
+    <dgm:scene3d>
+      <a:camera prst="orthographicFront"/>
+      <a:lightRig rig="threePt" dir="t"/>
+    </dgm:scene3d>
+    <dgm:sp3d/>
+    <dgm:txPr/>
+    <dgm:style>
+      <a:lnRef idx="2">
+        <a:scrgbClr r="0" g="0" b="0"/>
+      </a:lnRef>
+      <a:fillRef idx="1">
+        <a:scrgbClr r="0" g="0" b="0"/>
+      </a:fillRef>
+      <a:effectRef idx="0">
+        <a:scrgbClr r="0" g="0" b="0"/>
+      </a:effectRef>
+      <a:fontRef idx="minor">
+        <a:schemeClr val="tx1"/>
+      </a:fontRef>
+    </dgm:style>
+  </dgm:styleLbl>
+  <dgm:styleLbl name="alignNode1">
+    <dgm:scene3d>
+      <a:camera prst="orthographicFront"/>
+      <a:lightRig rig="threePt" dir="t"/>
+    </dgm:scene3d>
+    <dgm:sp3d/>
+    <dgm:txPr/>
+    <dgm:style>
+      <a:lnRef idx="2">
+        <a:scrgbClr r="0" g="0" b="0"/>
+      </a:lnRef>
+      <a:fillRef idx="1">
+        <a:scrgbClr r="0" g="0" b="0"/>
+      </a:fillRef>
+      <a:effectRef idx="0">
+        <a:scrgbClr r="0" g="0" b="0"/>
+      </a:effectRef>
+      <a:fontRef idx="minor">
+        <a:schemeClr val="lt1"/>
+      </a:fontRef>
+    </dgm:style>
+  </dgm:styleLbl>
+  <dgm:styleLbl name="node1">
+    <dgm:scene3d>
+      <a:camera prst="orthographicFront"/>
+      <a:lightRig rig="threePt" dir="t"/>
+    </dgm:scene3d>
+    <dgm:sp3d/>
+    <dgm:txPr/>
+    <dgm:style>
+      <a:lnRef idx="2">
+        <a:scrgbClr r="0" g="0" b="0"/>
+      </a:lnRef>
+      <a:fillRef idx="1">
+        <a:scrgbClr r="0" g="0" b="0"/>
+      </a:fillRef>
+      <a:effectRef idx="0">
+        <a:scrgbClr r="0" g="0" b="0"/>
+      </a:effectRef>
+      <a:fontRef idx="minor">
+        <a:schemeClr val="lt1"/>
+      </a:fontRef>
+    </dgm:style>
+  </dgm:styleLbl>
+  <dgm:styleLbl name="node2">
+    <dgm:scene3d>
+      <a:camera prst="orthographicFront"/>
+      <a:lightRig rig="threePt" dir="t"/>
+    </dgm:scene3d>
+    <dgm:sp3d/>
+    <dgm:txPr/>
+    <dgm:style>
+      <a:lnRef idx="2">
+        <a:scrgbClr r="0" g="0" b="0"/>
+      </a:lnRef>
+      <a:fillRef idx="1">
+        <a:scrgbClr r="0" g="0" b="0"/>
+      </a:fillRef>
+      <a:effectRef idx="0">
+        <a:scrgbClr r="0" g="0" b="0"/>
+      </a:effectRef>
+      <a:fontRef idx="minor">
+        <a:schemeClr val="lt1"/>
+      </a:fontRef>
+    </dgm:style>
+  </dgm:styleLbl>
+  <dgm:styleLbl name="node3">
+    <dgm:scene3d>
+      <a:camera prst="orthographicFront"/>
+      <a:lightRig rig="threePt" dir="t"/>
+    </dgm:scene3d>
+    <dgm:sp3d/>
+    <dgm:txPr/>
+    <dgm:style>
+      <a:lnRef idx="2">
+        <a:scrgbClr r="0" g="0" b="0"/>
+      </a:lnRef>
+      <a:fillRef idx="1">
+        <a:scrgbClr r="0" g="0" b="0"/>
+      </a:fillRef>
+      <a:effectRef idx="0">
+        <a:scrgbClr r="0" g="0" b="0"/>
+      </a:effectRef>
+      <a:fontRef idx="minor">
+        <a:schemeClr val="lt1"/>
+      </a:fontRef>
+    </dgm:style>
+  </dgm:styleLbl>
+  <dgm:styleLbl name="node4">
+    <dgm:scene3d>
+      <a:camera prst="orthographicFront"/>
+      <a:lightRig rig="threePt" dir="t"/>
+    </dgm:scene3d>
+    <dgm:sp3d/>
+    <dgm:txPr/>
+    <dgm:style>
+      <a:lnRef idx="2">
+        <a:scrgbClr r="0" g="0" b="0"/>
+      </a:lnRef>
+      <a:fillRef idx="1">
+        <a:scrgbClr r="0" g="0" b="0"/>
+      </a:fillRef>
+      <a:effectRef idx="0">
+        <a:scrgbClr r="0" g="0" b="0"/>
+      </a:effectRef>
+      <a:fontRef idx="minor">
+        <a:schemeClr val="lt1"/>
+      </a:fontRef>
+    </dgm:style>
+  </dgm:styleLbl>
+  <dgm:styleLbl name="fgImgPlace1">
+    <dgm:scene3d>
+      <a:camera prst="orthographicFront"/>
+      <a:lightRig rig="threePt" dir="t"/>
+    </dgm:scene3d>
+    <dgm:sp3d/>
+    <dgm:txPr/>
+    <dgm:style>
+      <a:lnRef idx="2">
+        <a:scrgbClr r="0" g="0" b="0"/>
+      </a:lnRef>
+      <a:fillRef idx="1">
+        <a:scrgbClr r="0" g="0" b="0"/>
+      </a:fillRef>
+      <a:effectRef idx="0">
+        <a:scrgbClr r="0" g="0" b="0"/>
+      </a:effectRef>
+      <a:fontRef idx="minor"/>
+    </dgm:style>
+  </dgm:styleLbl>
+  <dgm:styleLbl name="alignImgPlace1">
+    <dgm:scene3d>
+      <a:camera prst="orthographicFront"/>
+      <a:lightRig rig="threePt" dir="t"/>
+    </dgm:scene3d>
+    <dgm:sp3d/>
+    <dgm:txPr/>
+    <dgm:style>
+      <a:lnRef idx="2">
+        <a:scrgbClr r="0" g="0" b="0"/>
+      </a:lnRef>
+      <a:fillRef idx="1">
+        <a:scrgbClr r="0" g="0" b="0"/>
+      </a:fillRef>
+      <a:effectRef idx="0">
+        <a:scrgbClr r="0" g="0" b="0"/>
+      </a:effectRef>
+      <a:fontRef idx="minor"/>
+    </dgm:style>
+  </dgm:styleLbl>
+  <dgm:styleLbl name="bgImgPlace1">
+    <dgm:scene3d>
+      <a:camera prst="orthographicFront"/>
+      <a:lightRig rig="threePt" dir="t"/>
+    </dgm:scene3d>
+    <dgm:sp3d/>
+    <dgm:txPr/>
+    <dgm:style>
+      <a:lnRef idx="2">
+        <a:scrgbClr r="0" g="0" b="0"/>
+      </a:lnRef>
+      <a:fillRef idx="1">
+        <a:scrgbClr r="0" g="0" b="0"/>
+      </a:fillRef>
+      <a:effectRef idx="0">
+        <a:scrgbClr r="0" g="0" b="0"/>
+      </a:effectRef>
+      <a:fontRef idx="minor"/>
+    </dgm:style>
+  </dgm:styleLbl>
+  <dgm:styleLbl name="sibTrans2D1">
+    <dgm:scene3d>
+      <a:camera prst="orthographicFront"/>
+      <a:lightRig rig="threePt" dir="t"/>
+    </dgm:scene3d>
+    <dgm:sp3d/>
+    <dgm:txPr/>
+    <dgm:style>
+      <a:lnRef idx="0">
+        <a:scrgbClr r="0" g="0" b="0"/>
+      </a:lnRef>
+      <a:fillRef idx="1">
+        <a:scrgbClr r="0" g="0" b="0"/>
+      </a:fillRef>
+      <a:effectRef idx="0">
+        <a:scrgbClr r="0" g="0" b="0"/>
+      </a:effectRef>
+      <a:fontRef idx="minor">
+        <a:schemeClr val="lt1"/>
+      </a:fontRef>
+    </dgm:style>
+  </dgm:styleLbl>
+  <dgm:styleLbl name="fgSibTrans2D1">
+    <dgm:scene3d>
+      <a:camera prst="orthographicFront"/>
+      <a:lightRig rig="threePt" dir="t"/>
+    </dgm:scene3d>
+    <dgm:sp3d/>
+    <dgm:txPr/>
+    <dgm:style>
+      <a:lnRef idx="0">
+        <a:scrgbClr r="0" g="0" b="0"/>
+      </a:lnRef>
+      <a:fillRef idx="1">
+        <a:scrgbClr r="0" g="0" b="0"/>
+      </a:fillRef>
+      <a:effectRef idx="0">
+        <a:scrgbClr r="0" g="0" b="0"/>
+      </a:effectRef>
+      <a:fontRef idx="minor">
+        <a:schemeClr val="lt1"/>
+      </a:fontRef>
+    </dgm:style>
+  </dgm:styleLbl>
+  <dgm:styleLbl name="bgSibTrans2D1">
+    <dgm:scene3d>
+      <a:camera prst="orthographicFront"/>
+      <a:lightRig rig="threePt" dir="t"/>
+    </dgm:scene3d>
+    <dgm:sp3d/>
+    <dgm:txPr/>
+    <dgm:style>
+      <a:lnRef idx="0">
+        <a:scrgbClr r="0" g="0" b="0"/>
+      </a:lnRef>
+      <a:fillRef idx="1">
+        <a:scrgbClr r="0" g="0" b="0"/>
+      </a:fillRef>
+      <a:effectRef idx="0">
+        <a:scrgbClr r="0" g="0" b="0"/>
+      </a:effectRef>
+      <a:fontRef idx="minor">
+        <a:schemeClr val="lt1"/>
+      </a:fontRef>
+    </dgm:style>
+  </dgm:styleLbl>
+  <dgm:styleLbl name="sibTrans1D1">
+    <dgm:scene3d>
+      <a:camera prst="orthographicFront"/>
+      <a:lightRig rig="threePt" dir="t"/>
+    </dgm:scene3d>
+    <dgm:sp3d/>
+    <dgm:txPr/>
+    <dgm:style>
+      <a:lnRef idx="1">
+        <a:scrgbClr r="0" g="0" b="0"/>
+      </a:lnRef>
+      <a:fillRef idx="0">
+        <a:scrgbClr r="0" g="0" b="0"/>
+      </a:fillRef>
+      <a:effectRef idx="0">
+        <a:scrgbClr r="0" g="0" b="0"/>
+      </a:effectRef>
+      <a:fontRef idx="minor"/>
+    </dgm:style>
+  </dgm:styleLbl>
+  <dgm:styleLbl name="callout">
+    <dgm:scene3d>
+      <a:camera prst="orthographicFront"/>
+      <a:lightRig rig="threePt" dir="t"/>
+    </dgm:scene3d>
+    <dgm:sp3d/>
+    <dgm:txPr/>
+    <dgm:style>
+      <a:lnRef idx="2">
+        <a:scrgbClr r="0" g="0" b="0"/>
+      </a:lnRef>
+      <a:fillRef idx="1">
+        <a:scrgbClr r="0" g="0" b="0"/>
+      </a:fillRef>
+      <a:effectRef idx="0">
+        <a:scrgbClr r="0" g="0" b="0"/>
+      </a:effectRef>
+      <a:fontRef idx="minor"/>
+    </dgm:style>
+  </dgm:styleLbl>
+  <dgm:styleLbl name="asst0">
+    <dgm:scene3d>
+      <a:camera prst="orthographicFront"/>
+      <a:lightRig rig="threePt" dir="t"/>
+    </dgm:scene3d>
+    <dgm:sp3d/>
+    <dgm:txPr/>
+    <dgm:style>
+      <a:lnRef idx="2">
+        <a:scrgbClr r="0" g="0" b="0"/>
+      </a:lnRef>
+      <a:fillRef idx="1">
+        <a:scrgbClr r="0" g="0" b="0"/>
+      </a:fillRef>
+      <a:effectRef idx="0">
+        <a:scrgbClr r="0" g="0" b="0"/>
+      </a:effectRef>
+      <a:fontRef idx="minor">
+        <a:schemeClr val="lt1"/>
+      </a:fontRef>
+    </dgm:style>
+  </dgm:styleLbl>
+  <dgm:styleLbl name="asst1">
+    <dgm:scene3d>
+      <a:camera prst="orthographicFront"/>
+      <a:lightRig rig="threePt" dir="t"/>
+    </dgm:scene3d>
+    <dgm:sp3d/>
+    <dgm:txPr/>
+    <dgm:style>
+      <a:lnRef idx="2">
+        <a:scrgbClr r="0" g="0" b="0"/>
+      </a:lnRef>
+      <a:fillRef idx="1">
+        <a:scrgbClr r="0" g="0" b="0"/>
+      </a:fillRef>
+      <a:effectRef idx="0">
+        <a:scrgbClr r="0" g="0" b="0"/>
+      </a:effectRef>
+      <a:fontRef idx="minor">
+        <a:schemeClr val="lt1"/>
+      </a:fontRef>
+    </dgm:style>
+  </dgm:styleLbl>
+  <dgm:styleLbl name="asst2">
+    <dgm:scene3d>
+      <a:camera prst="orthographicFront"/>
+      <a:lightRig rig="threePt" dir="t"/>
+    </dgm:scene3d>
+    <dgm:sp3d/>
+    <dgm:txPr/>
+    <dgm:style>
+      <a:lnRef idx="2">
+        <a:scrgbClr r="0" g="0" b="0"/>
+      </a:lnRef>
+      <a:fillRef idx="1">
+        <a:scrgbClr r="0" g="0" b="0"/>
+      </a:fillRef>
+      <a:effectRef idx="0">
+        <a:scrgbClr r="0" g="0" b="0"/>
+      </a:effectRef>
+      <a:fontRef idx="minor">
+        <a:schemeClr val="lt1"/>
+      </a:fontRef>
+    </dgm:style>
+  </dgm:styleLbl>
+  <dgm:styleLbl name="asst3">
+    <dgm:scene3d>
+      <a:camera prst="orthographicFront"/>
+      <a:lightRig rig="threePt" dir="t"/>
+    </dgm:scene3d>
+    <dgm:sp3d/>
+    <dgm:txPr/>
+    <dgm:style>
+      <a:lnRef idx="2">
+        <a:scrgbClr r="0" g="0" b="0"/>
+      </a:lnRef>
+      <a:fillRef idx="1">
+        <a:scrgbClr r="0" g="0" b="0"/>
+      </a:fillRef>
+      <a:effectRef idx="0">
+        <a:scrgbClr r="0" g="0" b="0"/>
+      </a:effectRef>
+      <a:fontRef idx="minor">
+        <a:schemeClr val="lt1"/>
+      </a:fontRef>
+    </dgm:style>
+  </dgm:styleLbl>
+  <dgm:styleLbl name="asst4">
+    <dgm:scene3d>
+      <a:camera prst="orthographicFront"/>
+      <a:lightRig rig="threePt" dir="t"/>
+    </dgm:scene3d>
+    <dgm:sp3d/>
+    <dgm:txPr/>
+    <dgm:style>
+      <a:lnRef idx="2">
+        <a:scrgbClr r="0" g="0" b="0"/>
+      </a:lnRef>
+      <a:fillRef idx="1">
+        <a:scrgbClr r="0" g="0" b="0"/>
+      </a:fillRef>
+      <a:effectRef idx="0">
+        <a:scrgbClr r="0" g="0" b="0"/>
+      </a:effectRef>
+      <a:fontRef idx="minor">
+        <a:schemeClr val="lt1"/>
+      </a:fontRef>
+    </dgm:style>
+  </dgm:styleLbl>
+  <dgm:styleLbl name="parChTrans2D1">
+    <dgm:scene3d>
+      <a:camera prst="orthographicFront"/>
+      <a:lightRig rig="threePt" dir="t"/>
+    </dgm:scene3d>
+    <dgm:sp3d/>
+    <dgm:txPr/>
+    <dgm:style>
+      <a:lnRef idx="2">
+        <a:scrgbClr r="0" g="0" b="0"/>
+      </a:lnRef>
+      <a:fillRef idx="1">
+        <a:scrgbClr r="0" g="0" b="0"/>
+      </a:fillRef>
+      <a:effectRef idx="0">
+        <a:scrgbClr r="0" g="0" b="0"/>
+      </a:effectRef>
+      <a:fontRef idx="minor">
+        <a:schemeClr val="lt1"/>
+      </a:fontRef>
+    </dgm:style>
+  </dgm:styleLbl>
+  <dgm:styleLbl name="parChTrans2D2">
+    <dgm:scene3d>
+      <a:camera prst="orthographicFront"/>
+      <a:lightRig rig="threePt" dir="t"/>
+    </dgm:scene3d>
+    <dgm:sp3d/>
+    <dgm:txPr/>
+    <dgm:style>
+      <a:lnRef idx="2">
+        <a:scrgbClr r="0" g="0" b="0"/>
+      </a:lnRef>
+      <a:fillRef idx="1">
+        <a:scrgbClr r="0" g="0" b="0"/>
+      </a:fillRef>
+      <a:effectRef idx="0">
+        <a:scrgbClr r="0" g="0" b="0"/>
+      </a:effectRef>
+      <a:fontRef idx="minor">
+        <a:schemeClr val="lt1"/>
+      </a:fontRef>
+    </dgm:style>
+  </dgm:styleLbl>
+  <dgm:styleLbl name="parChTrans2D3">
+    <dgm:scene3d>
+      <a:camera prst="orthographicFront"/>
+      <a:lightRig rig="threePt" dir="t"/>
+    </dgm:scene3d>
+    <dgm:sp3d/>
+    <dgm:txPr/>
+    <dgm:style>
+      <a:lnRef idx="2">
+        <a:scrgbClr r="0" g="0" b="0"/>
+      </a:lnRef>
+      <a:fillRef idx="1">
+        <a:scrgbClr r="0" g="0" b="0"/>
+      </a:fillRef>
+      <a:effectRef idx="0">
+        <a:scrgbClr r="0" g="0" b="0"/>
+      </a:effectRef>
+      <a:fontRef idx="minor">
+        <a:schemeClr val="lt1"/>
+      </a:fontRef>
+    </dgm:style>
+  </dgm:styleLbl>
+  <dgm:styleLbl name="parChTrans2D4">
+    <dgm:scene3d>
+      <a:camera prst="orthographicFront"/>
+      <a:lightRig rig="threePt" dir="t"/>
+    </dgm:scene3d>
+    <dgm:sp3d/>
+    <dgm:txPr/>
+    <dgm:style>
+      <a:lnRef idx="2">
+        <a:scrgbClr r="0" g="0" b="0"/>
+      </a:lnRef>
+      <a:fillRef idx="1">
+        <a:scrgbClr r="0" g="0" b="0"/>
+      </a:fillRef>
+      <a:effectRef idx="0">
+        <a:scrgbClr r="0" g="0" b="0"/>
+      </a:effectRef>
+      <a:fontRef idx="minor">
+        <a:schemeClr val="lt1"/>
+      </a:fontRef>
+    </dgm:style>
+  </dgm:styleLbl>
+  <dgm:styleLbl name="parChTrans1D1">
+    <dgm:scene3d>
+      <a:camera prst="orthographicFront"/>
+      <a:lightRig rig="threePt" dir="t"/>
+    </dgm:scene3d>
+    <dgm:sp3d/>
+    <dgm:txPr/>
+    <dgm:style>
+      <a:lnRef idx="2">
+        <a:scrgbClr r="0" g="0" b="0"/>
+      </a:lnRef>
+      <a:fillRef idx="0">
+        <a:scrgbClr r="0" g="0" b="0"/>
+      </a:fillRef>
+      <a:effectRef idx="0">
+        <a:scrgbClr r="0" g="0" b="0"/>
+      </a:effectRef>
+      <a:fontRef idx="minor"/>
+    </dgm:style>
+  </dgm:styleLbl>
+  <dgm:styleLbl name="parChTrans1D2">
+    <dgm:scene3d>
+      <a:camera prst="orthographicFront"/>
+      <a:lightRig rig="threePt" dir="t"/>
+    </dgm:scene3d>
+    <dgm:sp3d/>
+    <dgm:txPr/>
+    <dgm:style>
+      <a:lnRef idx="2">
+        <a:scrgbClr r="0" g="0" b="0"/>
+      </a:lnRef>
+      <a:fillRef idx="0">
+        <a:scrgbClr r="0" g="0" b="0"/>
+      </a:fillRef>
+      <a:effectRef idx="0">
+        <a:scrgbClr r="0" g="0" b="0"/>
+      </a:effectRef>
+      <a:fontRef idx="minor"/>
+    </dgm:style>
+  </dgm:styleLbl>
+  <dgm:styleLbl name="parChTrans1D3">
+    <dgm:scene3d>
+      <a:camera prst="orthographicFront"/>
+      <a:lightRig rig="threePt" dir="t"/>
+    </dgm:scene3d>
+    <dgm:sp3d/>
+    <dgm:txPr/>
+    <dgm:style>
+      <a:lnRef idx="2">
+        <a:scrgbClr r="0" g="0" b="0"/>
+      </a:lnRef>
+      <a:fillRef idx="0">
+        <a:scrgbClr r="0" g="0" b="0"/>
+      </a:fillRef>
+      <a:effectRef idx="0">
+        <a:scrgbClr r="0" g="0" b="0"/>
+      </a:effectRef>
+      <a:fontRef idx="minor"/>
+    </dgm:style>
+  </dgm:styleLbl>
+  <dgm:styleLbl name="parChTrans1D4">
+    <dgm:scene3d>
+      <a:camera prst="orthographicFront"/>
+      <a:lightRig rig="threePt" dir="t"/>
+    </dgm:scene3d>
+    <dgm:sp3d/>
+    <dgm:txPr/>
+    <dgm:style>
+      <a:lnRef idx="2">
+        <a:scrgbClr r="0" g="0" b="0"/>
+      </a:lnRef>
+      <a:fillRef idx="0">
+        <a:scrgbClr r="0" g="0" b="0"/>
+      </a:fillRef>
+      <a:effectRef idx="0">
+        <a:scrgbClr r="0" g="0" b="0"/>
+      </a:effectRef>
+      <a:fontRef idx="minor"/>
+    </dgm:style>
+  </dgm:styleLbl>
+  <dgm:styleLbl name="fgAcc1">
+    <dgm:scene3d>
+      <a:camera prst="orthographicFront"/>
+      <a:lightRig rig="threePt" dir="t"/>
+    </dgm:scene3d>
+    <dgm:sp3d/>
+    <dgm:txPr/>
+    <dgm:style>
+      <a:lnRef idx="2">
+        <a:scrgbClr r="0" g="0" b="0"/>
+      </a:lnRef>
+      <a:fillRef idx="1">
+        <a:scrgbClr r="0" g="0" b="0"/>
+      </a:fillRef>
+      <a:effectRef idx="0">
+        <a:scrgbClr r="0" g="0" b="0"/>
+      </a:effectRef>
+      <a:fontRef idx="minor"/>
+    </dgm:style>
+  </dgm:styleLbl>
+  <dgm:styleLbl name="conFgAcc1">
+    <dgm:scene3d>
+      <a:camera prst="orthographicFront"/>
+      <a:lightRig rig="threePt" dir="t"/>
+    </dgm:scene3d>
+    <dgm:sp3d/>
+    <dgm:txPr/>
+    <dgm:style>
+      <a:lnRef idx="2">
+        <a:scrgbClr r="0" g="0" b="0"/>
+      </a:lnRef>
+      <a:fillRef idx="1">
+        <a:scrgbClr r="0" g="0" b="0"/>
+      </a:fillRef>
+      <a:effectRef idx="0">
+        <a:scrgbClr r="0" g="0" b="0"/>
+      </a:effectRef>
+      <a:fontRef idx="minor"/>
+    </dgm:style>
+  </dgm:styleLbl>
+  <dgm:styleLbl name="alignAcc1">
+    <dgm:scene3d>
+      <a:camera prst="orthographicFront"/>
+      <a:lightRig rig="threePt" dir="t"/>
+    </dgm:scene3d>
+    <dgm:sp3d/>
+    <dgm:txPr/>
+    <dgm:style>
+      <a:lnRef idx="2">
+        <a:scrgbClr r="0" g="0" b="0"/>
+      </a:lnRef>
+      <a:fillRef idx="1">
+        <a:scrgbClr r="0" g="0" b="0"/>
+      </a:fillRef>
+      <a:effectRef idx="0">
+        <a:scrgbClr r="0" g="0" b="0"/>
+      </a:effectRef>
+      <a:fontRef idx="minor"/>
+    </dgm:style>
+  </dgm:styleLbl>
+  <dgm:styleLbl name="trAlignAcc1">
+    <dgm:scene3d>
+      <a:camera prst="orthographicFront"/>
+      <a:lightRig rig="threePt" dir="t"/>
+    </dgm:scene3d>
+    <dgm:sp3d/>
+    <dgm:txPr/>
+    <dgm:style>
+      <a:lnRef idx="1">
+        <a:scrgbClr r="0" g="0" b="0"/>
+      </a:lnRef>
+      <a:fillRef idx="1">
+        <a:scrgbClr r="0" g="0" b="0"/>
+      </a:fillRef>
+      <a:effectRef idx="0">
+        <a:scrgbClr r="0" g="0" b="0"/>
+      </a:effectRef>
+      <a:fontRef idx="minor"/>
+    </dgm:style>
+  </dgm:styleLbl>
+  <dgm:styleLbl name="bgAcc1">
+    <dgm:scene3d>
+      <a:camera prst="orthographicFront"/>
+      <a:lightRig rig="threePt" dir="t"/>
+    </dgm:scene3d>
+    <dgm:sp3d/>
+    <dgm:txPr/>
+    <dgm:style>
+      <a:lnRef idx="2">
+        <a:scrgbClr r="0" g="0" b="0"/>
+      </a:lnRef>
+      <a:fillRef idx="1">
+        <a:scrgbClr r="0" g="0" b="0"/>
+      </a:fillRef>
+      <a:effectRef idx="0">
+        <a:scrgbClr r="0" g="0" b="0"/>
+      </a:effectRef>
+      <a:fontRef idx="minor"/>
+    </dgm:style>
+  </dgm:styleLbl>
+  <dgm:styleLbl name="solidFgAcc1">
+    <dgm:scene3d>
+      <a:camera prst="orthographicFront"/>
+      <a:lightRig rig="threePt" dir="t"/>
+    </dgm:scene3d>
+    <dgm:sp3d/>
+    <dgm:txPr/>
+    <dgm:style>
+      <a:lnRef idx="2">
+        <a:scrgbClr r="0" g="0" b="0"/>
+      </a:lnRef>
+      <a:fillRef idx="1">
+        <a:scrgbClr r="0" g="0" b="0"/>
+      </a:fillRef>
+      <a:effectRef idx="0">
+        <a:scrgbClr r="0" g="0" b="0"/>
+      </a:effectRef>
+      <a:fontRef idx="minor"/>
+    </dgm:style>
+  </dgm:styleLbl>
+  <dgm:styleLbl name="solidAlignAcc1">
+    <dgm:scene3d>
+      <a:camera prst="orthographicFront"/>
+      <a:lightRig rig="threePt" dir="t"/>
+    </dgm:scene3d>
+    <dgm:sp3d/>
+    <dgm:txPr/>
+    <dgm:style>
+      <a:lnRef idx="2">
+        <a:scrgbClr r="0" g="0" b="0"/>
+      </a:lnRef>
+      <a:fillRef idx="1">
+        <a:scrgbClr r="0" g="0" b="0"/>
+      </a:fillRef>
+      <a:effectRef idx="0">
+        <a:scrgbClr r="0" g="0" b="0"/>
+      </a:effectRef>
+      <a:fontRef idx="minor"/>
+    </dgm:style>
+  </dgm:styleLbl>
+  <dgm:styleLbl name="solidBgAcc1">
+    <dgm:scene3d>
+      <a:camera prst="orthographicFront"/>
+      <a:lightRig rig="threePt" dir="t"/>
+    </dgm:scene3d>
+    <dgm:sp3d/>
+    <dgm:txPr/>
+    <dgm:style>
+      <a:lnRef idx="2">
+        <a:scrgbClr r="0" g="0" b="0"/>
+      </a:lnRef>
+      <a:fillRef idx="1">
+        <a:scrgbClr r="0" g="0" b="0"/>
+      </a:fillRef>
+      <a:effectRef idx="0">
+        <a:scrgbClr r="0" g="0" b="0"/>
+      </a:effectRef>
+      <a:fontRef idx="minor"/>
+    </dgm:style>
+  </dgm:styleLbl>
+  <dgm:styleLbl name="fgAccFollowNode1">
+    <dgm:scene3d>
+      <a:camera prst="orthographicFront"/>
+      <a:lightRig rig="threePt" dir="t"/>
+    </dgm:scene3d>
+    <dgm:sp3d/>
+    <dgm:txPr/>
+    <dgm:style>
+      <a:lnRef idx="2">
+        <a:scrgbClr r="0" g="0" b="0"/>
+      </a:lnRef>
+      <a:fillRef idx="1">
+        <a:scrgbClr r="0" g="0" b="0"/>
+      </a:fillRef>
+      <a:effectRef idx="0">
+        <a:scrgbClr r="0" g="0" b="0"/>
+      </a:effectRef>
+      <a:fontRef idx="minor"/>
+    </dgm:style>
+  </dgm:styleLbl>
+  <dgm:styleLbl name="alignAccFollowNode1">
+    <dgm:scene3d>
+      <a:camera prst="orthographicFront"/>
+      <a:lightRig rig="threePt" dir="t"/>
+    </dgm:scene3d>
+    <dgm:sp3d/>
+    <dgm:txPr/>
+    <dgm:style>
+      <a:lnRef idx="2">
+        <a:scrgbClr r="0" g="0" b="0"/>
+      </a:lnRef>
+      <a:fillRef idx="1">
+        <a:scrgbClr r="0" g="0" b="0"/>
+      </a:fillRef>
+      <a:effectRef idx="0">
+        <a:scrgbClr r="0" g="0" b="0"/>
+      </a:effectRef>
+      <a:fontRef idx="minor"/>
+    </dgm:style>
+  </dgm:styleLbl>
+  <dgm:styleLbl name="bgAccFollowNode1">
+    <dgm:scene3d>
+      <a:camera prst="orthographicFront"/>
+      <a:lightRig rig="threePt" dir="t"/>
+    </dgm:scene3d>
+    <dgm:sp3d/>
+    <dgm:txPr/>
+    <dgm:style>
+      <a:lnRef idx="2">
+        <a:scrgbClr r="0" g="0" b="0"/>
+      </a:lnRef>
+      <a:fillRef idx="1">
+        <a:scrgbClr r="0" g="0" b="0"/>
+      </a:fillRef>
+      <a:effectRef idx="0">
+        <a:scrgbClr r="0" g="0" b="0"/>
+      </a:effectRef>
+      <a:fontRef idx="minor"/>
+    </dgm:style>
+  </dgm:styleLbl>
+  <dgm:styleLbl name="fgAcc0">
+    <dgm:scene3d>
+      <a:camera prst="orthographicFront"/>
+      <a:lightRig rig="threePt" dir="t"/>
+    </dgm:scene3d>
+    <dgm:sp3d/>
+    <dgm:txPr/>
+    <dgm:style>
+      <a:lnRef idx="2">
+        <a:scrgbClr r="0" g="0" b="0"/>
+      </a:lnRef>
+      <a:fillRef idx="1">
+        <a:scrgbClr r="0" g="0" b="0"/>
+      </a:fillRef>
+      <a:effectRef idx="0">
+        <a:scrgbClr r="0" g="0" b="0"/>
+      </a:effectRef>
+      <a:fontRef idx="minor"/>
+    </dgm:style>
+  </dgm:styleLbl>
+  <dgm:styleLbl name="fgAcc2">
+    <dgm:scene3d>
+      <a:camera prst="orthographicFront"/>
+      <a:lightRig rig="threePt" dir="t"/>
+    </dgm:scene3d>
+    <dgm:sp3d/>
+    <dgm:txPr/>
+    <dgm:style>
+      <a:lnRef idx="2">
+        <a:scrgbClr r="0" g="0" b="0"/>
+      </a:lnRef>
+      <a:fillRef idx="1">
+        <a:scrgbClr r="0" g="0" b="0"/>
+      </a:fillRef>
+      <a:effectRef idx="0">
+        <a:scrgbClr r="0" g="0" b="0"/>
+      </a:effectRef>
+      <a:fontRef idx="minor"/>
+    </dgm:style>
+  </dgm:styleLbl>
+  <dgm:styleLbl name="fgAcc3">
+    <dgm:scene3d>
+      <a:camera prst="orthographicFront"/>
+      <a:lightRig rig="threePt" dir="t"/>
+    </dgm:scene3d>
+    <dgm:sp3d/>
+    <dgm:txPr/>
+    <dgm:style>
+      <a:lnRef idx="2">
+        <a:scrgbClr r="0" g="0" b="0"/>
+      </a:lnRef>
+      <a:fillRef idx="1">
+        <a:scrgbClr r="0" g="0" b="0"/>
+      </a:fillRef>
+      <a:effectRef idx="0">
+        <a:scrgbClr r="0" g="0" b="0"/>
+      </a:effectRef>
+      <a:fontRef idx="minor"/>
+    </dgm:style>
+  </dgm:styleLbl>
+  <dgm:styleLbl name="fgAcc4">
+    <dgm:scene3d>
+      <a:camera prst="orthographicFront"/>
+      <a:lightRig rig="threePt" dir="t"/>
+    </dgm:scene3d>
+    <dgm:sp3d/>
+    <dgm:txPr/>
+    <dgm:style>
+      <a:lnRef idx="2">
+        <a:scrgbClr r="0" g="0" b="0"/>
+      </a:lnRef>
+      <a:fillRef idx="1">
+        <a:scrgbClr r="0" g="0" b="0"/>
+      </a:fillRef>
+      <a:effectRef idx="0">
+        <a:scrgbClr r="0" g="0" b="0"/>
+      </a:effectRef>
+      <a:fontRef idx="minor"/>
+    </dgm:style>
+  </dgm:styleLbl>
+  <dgm:styleLbl name="bgShp">
+    <dgm:scene3d>
+      <a:camera prst="orthographicFront"/>
+      <a:lightRig rig="threePt" dir="t"/>
+    </dgm:scene3d>
+    <dgm:sp3d/>
+    <dgm:txPr/>
+    <dgm:style>
+      <a:lnRef idx="0">
+        <a:scrgbClr r="0" g="0" b="0"/>
+      </a:lnRef>
+      <a:fillRef idx="1">
+        <a:scrgbClr r="0" g="0" b="0"/>
+      </a:fillRef>
+      <a:effectRef idx="0">
+        <a:scrgbClr r="0" g="0" b="0"/>
+      </a:effectRef>
+      <a:fontRef idx="minor"/>
+    </dgm:style>
+  </dgm:styleLbl>
+  <dgm:styleLbl name="dkBgShp">
+    <dgm:scene3d>
+      <a:camera prst="orthographicFront"/>
+      <a:lightRig rig="threePt" dir="t"/>
+    </dgm:scene3d>
+    <dgm:sp3d/>
+    <dgm:txPr/>
+    <dgm:style>
+      <a:lnRef idx="0">
+        <a:scrgbClr r="0" g="0" b="0"/>
+      </a:lnRef>
+      <a:fillRef idx="1">
+        <a:scrgbClr r="0" g="0" b="0"/>
+      </a:fillRef>
+      <a:effectRef idx="0">
+        <a:scrgbClr r="0" g="0" b="0"/>
+      </a:effectRef>
+      <a:fontRef idx="minor"/>
+    </dgm:style>
+  </dgm:styleLbl>
+  <dgm:styleLbl name="trBgShp">
+    <dgm:scene3d>
+      <a:camera prst="orthographicFront"/>
+      <a:lightRig rig="threePt" dir="t"/>
+    </dgm:scene3d>
+    <dgm:sp3d/>
+    <dgm:txPr/>
+    <dgm:style>
+      <a:lnRef idx="0">
+        <a:scrgbClr r="0" g="0" b="0"/>
+      </a:lnRef>
+      <a:fillRef idx="1">
+        <a:scrgbClr r="0" g="0" b="0"/>
+      </a:fillRef>
+      <a:effectRef idx="0">
+        <a:scrgbClr r="0" g="0" b="0"/>
+      </a:effectRef>
+      <a:fontRef idx="minor"/>
+    </dgm:style>
+  </dgm:styleLbl>
+  <dgm:styleLbl name="fgShp">
+    <dgm:scene3d>
+      <a:camera prst="orthographicFront"/>
+      <a:lightRig rig="threePt" dir="t"/>
+    </dgm:scene3d>
+    <dgm:sp3d/>
+    <dgm:txPr/>
+    <dgm:style>
+      <a:lnRef idx="2">
+        <a:scrgbClr r="0" g="0" b="0"/>
+      </a:lnRef>
+      <a:fillRef idx="1">
+        <a:scrgbClr r="0" g="0" b="0"/>
+      </a:fillRef>
+      <a:effectRef idx="0">
+        <a:scrgbClr r="0" g="0" b="0"/>
+      </a:effectRef>
+      <a:fontRef idx="minor"/>
+    </dgm:style>
+  </dgm:styleLbl>
+  <dgm:styleLbl name="revTx">
+    <dgm:scene3d>
+      <a:camera prst="orthographicFront"/>
+      <a:lightRig rig="threePt" dir="t"/>
+    </dgm:scene3d>
+    <dgm:sp3d/>
+    <dgm:txPr/>
+    <dgm:style>
+      <a:lnRef idx="0">
+        <a:scrgbClr r="0" g="0" b="0"/>
+      </a:lnRef>
+      <a:fillRef idx="0">
+        <a:scrgbClr r="0" g="0" b="0"/>
+      </a:fillRef>
+      <a:effectRef idx="0">
+        <a:scrgbClr r="0" g="0" b="0"/>
+      </a:effectRef>
+      <a:fontRef idx="minor"/>
+    </dgm:style>
+  </dgm:styleLbl>
+</dgm:styleDef>
+</file>
+
 <file path=ppt/handoutMasters/handoutMaster1.xml><?xml version="1.0" encoding="utf-8"?>
 <p:handoutMaster xmlns:a="http://schemas.openxmlformats.org/drawingml/2006/main" xmlns:r="http://schemas.openxmlformats.org/officeDocument/2006/relationships" xmlns:p="http://schemas.openxmlformats.org/presentationml/2006/main">
   <p:cSld>
@@ -230,7 +3426,7 @@
           <a:p>
             <a:fld id="{FA1F8F58-3262-4466-8DB1-B329F63F404F}" type="datetimeFigureOut">
               <a:rPr lang="en-US" smtClean="0"/>
-              <a:t>10/14/2023</a:t>
+              <a:t>12/20/2023</a:t>
             </a:fld>
             <a:endParaRPr lang="en-US" dirty="0"/>
           </a:p>
@@ -407,7 +3603,7 @@
           <a:p>
             <a:fld id="{3CBCF71C-E8D2-4E49-B04C-B160BC17D861}" type="datetimeFigureOut">
               <a:rPr lang="en-US" smtClean="0"/>
-              <a:t>10/14/2023</a:t>
+              <a:t>12/20/2023</a:t>
             </a:fld>
             <a:endParaRPr lang="en-US" dirty="0"/>
           </a:p>
@@ -872,7 +4068,7 @@
                 <a:effectLst/>
                 <a:latin typeface="Söhne"/>
               </a:rPr>
-              <a:t>How do we ensure that we're making healthy choices while ordering our favorite dishes?</a:t>
+              <a:t>So as consumers, how do we ensure that we're making healthy choices while ordering our favorite dishes?</a:t>
             </a:r>
           </a:p>
           <a:p>
@@ -960,6 +4156,210 @@
           <a:bodyPr/>
           <a:lstStyle/>
           <a:p>
+            <a:pPr algn="l"/>
+            <a:r>
+              <a:rPr lang="en-US" b="0" i="0" dirty="0">
+                <a:solidFill>
+                  <a:srgbClr val="D1D5DB"/>
+                </a:solidFill>
+                <a:effectLst/>
+                <a:latin typeface="Söhne"/>
+              </a:rPr>
+              <a:t>Project Nutrino collects data from three key sources.</a:t>
+            </a:r>
+          </a:p>
+          <a:p>
+            <a:pPr algn="l"/>
+            <a:endParaRPr lang="en-US" b="0" i="0" dirty="0">
+              <a:solidFill>
+                <a:srgbClr val="D1D5DB"/>
+              </a:solidFill>
+              <a:effectLst/>
+              <a:latin typeface="Söhne"/>
+            </a:endParaRPr>
+          </a:p>
+          <a:p>
+            <a:pPr algn="l">
+              <a:buFont typeface="Arial" panose="020B0604020202020204" pitchFamily="34" charset="0"/>
+              <a:buNone/>
+            </a:pPr>
+            <a:r>
+              <a:rPr lang="en-US" b="1" i="0" dirty="0">
+                <a:solidFill>
+                  <a:srgbClr val="D1D5DB"/>
+                </a:solidFill>
+                <a:effectLst/>
+                <a:latin typeface="Söhne"/>
+              </a:rPr>
+              <a:t>The first  being a Food.com Kaggle Database:</a:t>
+            </a:r>
+            <a:r>
+              <a:rPr lang="en-US" b="0" i="0" dirty="0">
+                <a:solidFill>
+                  <a:srgbClr val="D1D5DB"/>
+                </a:solidFill>
+                <a:effectLst/>
+                <a:latin typeface="Söhne"/>
+              </a:rPr>
+              <a:t> which will allow us to recommend dishes that you can prepare at home. Whether you're a culinary expert or just getting started, project Nutrino  will have the perfect recipe for you.</a:t>
+            </a:r>
+          </a:p>
+          <a:p>
+            <a:pPr algn="l">
+              <a:buFont typeface="Arial" panose="020B0604020202020204" pitchFamily="34" charset="0"/>
+              <a:buNone/>
+            </a:pPr>
+            <a:endParaRPr lang="en-US" b="0" i="0" dirty="0">
+              <a:solidFill>
+                <a:srgbClr val="D1D5DB"/>
+              </a:solidFill>
+              <a:effectLst/>
+              <a:latin typeface="Söhne"/>
+            </a:endParaRPr>
+          </a:p>
+          <a:p>
+            <a:pPr algn="l">
+              <a:buFont typeface="Arial" panose="020B0604020202020204" pitchFamily="34" charset="0"/>
+              <a:buNone/>
+            </a:pPr>
+            <a:r>
+              <a:rPr lang="en-US" b="1" i="0" dirty="0">
+                <a:solidFill>
+                  <a:srgbClr val="D1D5DB"/>
+                </a:solidFill>
+                <a:effectLst/>
+                <a:latin typeface="Söhne"/>
+              </a:rPr>
+              <a:t>The second source is </a:t>
+            </a:r>
+            <a:r>
+              <a:rPr lang="en-US" b="1" i="0" dirty="0" err="1">
+                <a:solidFill>
+                  <a:srgbClr val="D1D5DB"/>
+                </a:solidFill>
+                <a:effectLst/>
+                <a:latin typeface="Söhne"/>
+              </a:rPr>
+              <a:t>Nutritionix</a:t>
+            </a:r>
+            <a:r>
+              <a:rPr lang="en-US" b="1" i="0" dirty="0">
+                <a:solidFill>
+                  <a:srgbClr val="D1D5DB"/>
+                </a:solidFill>
+                <a:effectLst/>
+                <a:latin typeface="Söhne"/>
+              </a:rPr>
+              <a:t> Database:</a:t>
+            </a:r>
+            <a:r>
+              <a:rPr lang="en-US" b="0" i="0" dirty="0">
+                <a:solidFill>
+                  <a:srgbClr val="D1D5DB"/>
+                </a:solidFill>
+                <a:effectLst/>
+                <a:latin typeface="Söhne"/>
+              </a:rPr>
+              <a:t> Which is a live database which has 209,000 restaurant locations, with open access nutritional information of dishes. This data will be cross referenced with the third data source which will be</a:t>
+            </a:r>
+          </a:p>
+          <a:p>
+            <a:pPr algn="l">
+              <a:buFont typeface="Arial" panose="020B0604020202020204" pitchFamily="34" charset="0"/>
+              <a:buNone/>
+            </a:pPr>
+            <a:endParaRPr lang="en-US" b="0" i="0" dirty="0">
+              <a:solidFill>
+                <a:srgbClr val="D1D5DB"/>
+              </a:solidFill>
+              <a:effectLst/>
+              <a:latin typeface="Söhne"/>
+            </a:endParaRPr>
+          </a:p>
+          <a:p>
+            <a:pPr algn="l">
+              <a:buFont typeface="Arial" panose="020B0604020202020204" pitchFamily="34" charset="0"/>
+              <a:buNone/>
+            </a:pPr>
+            <a:r>
+              <a:rPr lang="en-US" b="1" i="0" dirty="0">
+                <a:solidFill>
+                  <a:srgbClr val="D1D5DB"/>
+                </a:solidFill>
+                <a:effectLst/>
+                <a:latin typeface="Söhne"/>
+              </a:rPr>
+              <a:t>Food Delivery Restaurants Near You: to help determine which dishes most closely match your nutritional targets.</a:t>
+            </a:r>
+          </a:p>
+          <a:p>
+            <a:pPr algn="l">
+              <a:buFont typeface="Arial" panose="020B0604020202020204" pitchFamily="34" charset="0"/>
+              <a:buNone/>
+            </a:pPr>
+            <a:endParaRPr lang="en-US" b="1" i="0" dirty="0">
+              <a:solidFill>
+                <a:srgbClr val="D1D5DB"/>
+              </a:solidFill>
+              <a:effectLst/>
+              <a:latin typeface="Söhne"/>
+            </a:endParaRPr>
+          </a:p>
+          <a:p>
+            <a:pPr algn="l">
+              <a:buFont typeface="Arial" panose="020B0604020202020204" pitchFamily="34" charset="0"/>
+              <a:buNone/>
+            </a:pPr>
+            <a:r>
+              <a:rPr lang="en-US" b="1" i="0" dirty="0">
+                <a:solidFill>
+                  <a:srgbClr val="D1D5DB"/>
+                </a:solidFill>
+                <a:effectLst/>
+                <a:latin typeface="Söhne"/>
+              </a:rPr>
+              <a:t>Now each of these databases has its own unique sets of problems </a:t>
+            </a:r>
+            <a:r>
+              <a:rPr lang="en-US" b="1" i="0" dirty="0" err="1">
+                <a:solidFill>
+                  <a:srgbClr val="D1D5DB"/>
+                </a:solidFill>
+                <a:effectLst/>
+                <a:latin typeface="Söhne"/>
+              </a:rPr>
+              <a:t>Nutrionix</a:t>
+            </a:r>
+            <a:r>
+              <a:rPr lang="en-US" b="1" i="0" dirty="0">
+                <a:solidFill>
+                  <a:srgbClr val="D1D5DB"/>
+                </a:solidFill>
+                <a:effectLst/>
+                <a:latin typeface="Söhne"/>
+              </a:rPr>
+              <a:t> and apps like Uber eats use APIs which I have had difficulty extracting data out of due to my inexperience in implementing them. </a:t>
+            </a:r>
+            <a:r>
+              <a:rPr lang="en-US" b="1" i="0" dirty="0" err="1">
+                <a:solidFill>
+                  <a:srgbClr val="D1D5DB"/>
+                </a:solidFill>
+                <a:effectLst/>
+                <a:latin typeface="Söhne"/>
+              </a:rPr>
+              <a:t>Food.com’s</a:t>
+            </a:r>
+            <a:r>
+              <a:rPr lang="en-US" b="1" i="0" dirty="0">
+                <a:solidFill>
+                  <a:srgbClr val="D1D5DB"/>
+                </a:solidFill>
+                <a:effectLst/>
+                <a:latin typeface="Söhne"/>
+              </a:rPr>
+              <a:t> database is quite expansive and is the one I have had the most success with however it required a lot of data cleaning as many of the dishes were either outdated or had incorrect macros. In addition to this while the ingredients are listed the quantities required are unclear.</a:t>
+            </a:r>
             <a:endParaRPr lang="en-US" dirty="0"/>
           </a:p>
         </p:txBody>
@@ -990,7 +4390,7 @@
     </p:spTree>
     <p:extLst>
       <p:ext uri="{BB962C8B-B14F-4D97-AF65-F5344CB8AC3E}">
-        <p14:creationId xmlns:p14="http://schemas.microsoft.com/office/powerpoint/2010/main" val="3850280882"/>
+        <p14:creationId xmlns:p14="http://schemas.microsoft.com/office/powerpoint/2010/main" val="1427668444"/>
       </p:ext>
     </p:extLst>
   </p:cSld>
@@ -1044,210 +4444,6 @@
           <a:bodyPr/>
           <a:lstStyle/>
           <a:p>
-            <a:pPr algn="l"/>
-            <a:r>
-              <a:rPr lang="en-US" b="0" i="0" dirty="0">
-                <a:solidFill>
-                  <a:srgbClr val="D1D5DB"/>
-                </a:solidFill>
-                <a:effectLst/>
-                <a:latin typeface="Söhne"/>
-              </a:rPr>
-              <a:t>Project Nutrino collects data from three key sources.</a:t>
-            </a:r>
-          </a:p>
-          <a:p>
-            <a:pPr algn="l"/>
-            <a:endParaRPr lang="en-US" b="0" i="0" dirty="0">
-              <a:solidFill>
-                <a:srgbClr val="D1D5DB"/>
-              </a:solidFill>
-              <a:effectLst/>
-              <a:latin typeface="Söhne"/>
-            </a:endParaRPr>
-          </a:p>
-          <a:p>
-            <a:pPr algn="l">
-              <a:buFont typeface="Arial" panose="020B0604020202020204" pitchFamily="34" charset="0"/>
-              <a:buNone/>
-            </a:pPr>
-            <a:r>
-              <a:rPr lang="en-US" b="1" i="0" dirty="0">
-                <a:solidFill>
-                  <a:srgbClr val="D1D5DB"/>
-                </a:solidFill>
-                <a:effectLst/>
-                <a:latin typeface="Söhne"/>
-              </a:rPr>
-              <a:t>The first  being a Food.com Kaggle Database:</a:t>
-            </a:r>
-            <a:r>
-              <a:rPr lang="en-US" b="0" i="0" dirty="0">
-                <a:solidFill>
-                  <a:srgbClr val="D1D5DB"/>
-                </a:solidFill>
-                <a:effectLst/>
-                <a:latin typeface="Söhne"/>
-              </a:rPr>
-              <a:t> which will allow us to recommend dishes that you can prepare at home. Whether you're a culinary expert or just getting started, project Nutrino  will have the perfect recipe for you.</a:t>
-            </a:r>
-          </a:p>
-          <a:p>
-            <a:pPr algn="l">
-              <a:buFont typeface="Arial" panose="020B0604020202020204" pitchFamily="34" charset="0"/>
-              <a:buNone/>
-            </a:pPr>
-            <a:endParaRPr lang="en-US" b="0" i="0" dirty="0">
-              <a:solidFill>
-                <a:srgbClr val="D1D5DB"/>
-              </a:solidFill>
-              <a:effectLst/>
-              <a:latin typeface="Söhne"/>
-            </a:endParaRPr>
-          </a:p>
-          <a:p>
-            <a:pPr algn="l">
-              <a:buFont typeface="Arial" panose="020B0604020202020204" pitchFamily="34" charset="0"/>
-              <a:buNone/>
-            </a:pPr>
-            <a:r>
-              <a:rPr lang="en-US" b="1" i="0" dirty="0">
-                <a:solidFill>
-                  <a:srgbClr val="D1D5DB"/>
-                </a:solidFill>
-                <a:effectLst/>
-                <a:latin typeface="Söhne"/>
-              </a:rPr>
-              <a:t>The second source is </a:t>
-            </a:r>
-            <a:r>
-              <a:rPr lang="en-US" b="1" i="0" dirty="0" err="1">
-                <a:solidFill>
-                  <a:srgbClr val="D1D5DB"/>
-                </a:solidFill>
-                <a:effectLst/>
-                <a:latin typeface="Söhne"/>
-              </a:rPr>
-              <a:t>Nutritionix</a:t>
-            </a:r>
-            <a:r>
-              <a:rPr lang="en-US" b="1" i="0" dirty="0">
-                <a:solidFill>
-                  <a:srgbClr val="D1D5DB"/>
-                </a:solidFill>
-                <a:effectLst/>
-                <a:latin typeface="Söhne"/>
-              </a:rPr>
-              <a:t> Database:</a:t>
-            </a:r>
-            <a:r>
-              <a:rPr lang="en-US" b="0" i="0" dirty="0">
-                <a:solidFill>
-                  <a:srgbClr val="D1D5DB"/>
-                </a:solidFill>
-                <a:effectLst/>
-                <a:latin typeface="Söhne"/>
-              </a:rPr>
-              <a:t> Which is a live database which has 209,000 restaurant locations, with open access nutritional information of dishes. This data will be cross referenced with the third data source which will be</a:t>
-            </a:r>
-          </a:p>
-          <a:p>
-            <a:pPr algn="l">
-              <a:buFont typeface="Arial" panose="020B0604020202020204" pitchFamily="34" charset="0"/>
-              <a:buNone/>
-            </a:pPr>
-            <a:endParaRPr lang="en-US" b="0" i="0" dirty="0">
-              <a:solidFill>
-                <a:srgbClr val="D1D5DB"/>
-              </a:solidFill>
-              <a:effectLst/>
-              <a:latin typeface="Söhne"/>
-            </a:endParaRPr>
-          </a:p>
-          <a:p>
-            <a:pPr algn="l">
-              <a:buFont typeface="Arial" panose="020B0604020202020204" pitchFamily="34" charset="0"/>
-              <a:buNone/>
-            </a:pPr>
-            <a:r>
-              <a:rPr lang="en-US" b="1" i="0" dirty="0">
-                <a:solidFill>
-                  <a:srgbClr val="D1D5DB"/>
-                </a:solidFill>
-                <a:effectLst/>
-                <a:latin typeface="Söhne"/>
-              </a:rPr>
-              <a:t>Food Delivery Restaurants Near You: to help determine which dishes most closely match your nutritional targets.</a:t>
-            </a:r>
-          </a:p>
-          <a:p>
-            <a:pPr algn="l">
-              <a:buFont typeface="Arial" panose="020B0604020202020204" pitchFamily="34" charset="0"/>
-              <a:buNone/>
-            </a:pPr>
-            <a:endParaRPr lang="en-US" b="1" i="0" dirty="0">
-              <a:solidFill>
-                <a:srgbClr val="D1D5DB"/>
-              </a:solidFill>
-              <a:effectLst/>
-              <a:latin typeface="Söhne"/>
-            </a:endParaRPr>
-          </a:p>
-          <a:p>
-            <a:pPr algn="l">
-              <a:buFont typeface="Arial" panose="020B0604020202020204" pitchFamily="34" charset="0"/>
-              <a:buNone/>
-            </a:pPr>
-            <a:r>
-              <a:rPr lang="en-US" b="1" i="0" dirty="0">
-                <a:solidFill>
-                  <a:srgbClr val="D1D5DB"/>
-                </a:solidFill>
-                <a:effectLst/>
-                <a:latin typeface="Söhne"/>
-              </a:rPr>
-              <a:t>Now each of these databases has its own unique sets of problems </a:t>
-            </a:r>
-            <a:r>
-              <a:rPr lang="en-US" b="1" i="0" dirty="0" err="1">
-                <a:solidFill>
-                  <a:srgbClr val="D1D5DB"/>
-                </a:solidFill>
-                <a:effectLst/>
-                <a:latin typeface="Söhne"/>
-              </a:rPr>
-              <a:t>nutrionix</a:t>
-            </a:r>
-            <a:r>
-              <a:rPr lang="en-US" b="1" i="0" dirty="0">
-                <a:solidFill>
-                  <a:srgbClr val="D1D5DB"/>
-                </a:solidFill>
-                <a:effectLst/>
-                <a:latin typeface="Söhne"/>
-              </a:rPr>
-              <a:t> and apps like Uber eats use APIs which I have had difficulty extracting data out of due to my inexperience in implementing them. </a:t>
-            </a:r>
-            <a:r>
-              <a:rPr lang="en-US" b="1" i="0" dirty="0" err="1">
-                <a:solidFill>
-                  <a:srgbClr val="D1D5DB"/>
-                </a:solidFill>
-                <a:effectLst/>
-                <a:latin typeface="Söhne"/>
-              </a:rPr>
-              <a:t>Food.com’s</a:t>
-            </a:r>
-            <a:r>
-              <a:rPr lang="en-US" b="1" i="0" dirty="0">
-                <a:solidFill>
-                  <a:srgbClr val="D1D5DB"/>
-                </a:solidFill>
-                <a:effectLst/>
-                <a:latin typeface="Söhne"/>
-              </a:rPr>
-              <a:t> database is quite expansive and is the one I have had the most success with however it required a lot of data cleaning as many of the dishes were either outdated or had incorrect macros. In addition to this while the ingredients are listed the quantities required are unclear.</a:t>
-            </a:r>
             <a:endParaRPr lang="en-US" dirty="0"/>
           </a:p>
         </p:txBody>
@@ -1278,7 +4474,7 @@
     </p:spTree>
     <p:extLst>
       <p:ext uri="{BB962C8B-B14F-4D97-AF65-F5344CB8AC3E}">
-        <p14:creationId xmlns:p14="http://schemas.microsoft.com/office/powerpoint/2010/main" val="1427668444"/>
+        <p14:creationId xmlns:p14="http://schemas.microsoft.com/office/powerpoint/2010/main" val="3850280882"/>
       </p:ext>
     </p:extLst>
   </p:cSld>
@@ -1332,6 +4528,97 @@
           <a:bodyPr/>
           <a:lstStyle/>
           <a:p>
+            <a:pPr marL="0" marR="0" lvl="0" indent="0" algn="l" defTabSz="914400" rtl="0" eaLnBrk="1" fontAlgn="auto" latinLnBrk="0" hangingPunct="1">
+              <a:lnSpc>
+                <a:spcPct val="100000"/>
+              </a:lnSpc>
+              <a:spcBef>
+                <a:spcPts val="0"/>
+              </a:spcBef>
+              <a:spcAft>
+                <a:spcPts val="0"/>
+              </a:spcAft>
+              <a:buClrTx/>
+              <a:buSzTx/>
+              <a:buFontTx/>
+              <a:buNone/>
+              <a:tabLst/>
+              <a:defRPr/>
+            </a:pPr>
+            <a:r>
+              <a:rPr lang="en-US" dirty="0"/>
+              <a:t>Project </a:t>
+            </a:r>
+            <a:r>
+              <a:rPr lang="en-US" dirty="0" err="1"/>
+              <a:t>Nutrino</a:t>
+            </a:r>
+            <a:r>
+              <a:rPr lang="en-US" dirty="0"/>
+              <a:t> empowers individuals to make healthier food choices, fostering a positive impact on their overall well-being. By offering detailed nutritional information and personalized recommendations, users can better manage their diets, leading to improved health outcomes.</a:t>
+            </a:r>
+          </a:p>
+          <a:p>
+            <a:endParaRPr lang="en-US" dirty="0"/>
+          </a:p>
+          <a:p>
+            <a:pPr marL="0" marR="0" lvl="0" indent="0" algn="l" defTabSz="914400" rtl="0" eaLnBrk="1" fontAlgn="auto" latinLnBrk="0" hangingPunct="1">
+              <a:lnSpc>
+                <a:spcPct val="100000"/>
+              </a:lnSpc>
+              <a:spcBef>
+                <a:spcPts val="0"/>
+              </a:spcBef>
+              <a:spcAft>
+                <a:spcPts val="0"/>
+              </a:spcAft>
+              <a:buClrTx/>
+              <a:buSzTx/>
+              <a:buFontTx/>
+              <a:buNone/>
+              <a:tabLst/>
+              <a:defRPr/>
+            </a:pPr>
+            <a:r>
+              <a:rPr lang="en-US" dirty="0"/>
+              <a:t>The app increases awareness of dietary choices and makes you an active participant in your health rather than a passive one.</a:t>
+            </a:r>
+          </a:p>
+          <a:p>
+            <a:endParaRPr lang="en-US" dirty="0"/>
+          </a:p>
+          <a:p>
+            <a:pPr marL="0" marR="0" lvl="0" indent="0" algn="l" defTabSz="914400" rtl="0" eaLnBrk="1" fontAlgn="auto" latinLnBrk="0" hangingPunct="1">
+              <a:lnSpc>
+                <a:spcPct val="100000"/>
+              </a:lnSpc>
+              <a:spcBef>
+                <a:spcPts val="0"/>
+              </a:spcBef>
+              <a:spcAft>
+                <a:spcPts val="0"/>
+              </a:spcAft>
+              <a:buClrTx/>
+              <a:buSzTx/>
+              <a:buFontTx/>
+              <a:buNone/>
+              <a:tabLst/>
+              <a:defRPr/>
+            </a:pPr>
+            <a:r>
+              <a:rPr lang="en-US" dirty="0"/>
+              <a:t>Additionally, By promoting healthier eating habits, </a:t>
+            </a:r>
+            <a:r>
+              <a:rPr lang="en-US" dirty="0" err="1"/>
+              <a:t>Nutrino</a:t>
+            </a:r>
+            <a:r>
+              <a:rPr lang="en-US" dirty="0"/>
+              <a:t> has the potential to reduce the long-term health care costs associated with diet-related diseases such as obesity, diabetes, and heart disease.</a:t>
+            </a:r>
+          </a:p>
+          <a:p>
             <a:endParaRPr lang="en-US" dirty="0"/>
           </a:p>
         </p:txBody>
@@ -1362,7 +4649,175 @@
     </p:spTree>
     <p:extLst>
       <p:ext uri="{BB962C8B-B14F-4D97-AF65-F5344CB8AC3E}">
+        <p14:creationId xmlns:p14="http://schemas.microsoft.com/office/powerpoint/2010/main" val="422617866"/>
+      </p:ext>
+    </p:extLst>
+  </p:cSld>
+  <p:clrMapOvr>
+    <a:masterClrMapping/>
+  </p:clrMapOvr>
+</p:notes>
+</file>
+
+<file path=ppt/notesSlides/notesSlide6.xml><?xml version="1.0" encoding="utf-8"?>
+<p:notes xmlns:a="http://schemas.openxmlformats.org/drawingml/2006/main" xmlns:r="http://schemas.openxmlformats.org/officeDocument/2006/relationships" xmlns:p="http://schemas.openxmlformats.org/presentationml/2006/main">
+  <p:cSld>
+    <p:spTree>
+      <p:nvGrpSpPr>
+        <p:cNvPr id="1" name=""/>
+        <p:cNvGrpSpPr/>
+        <p:nvPr/>
+      </p:nvGrpSpPr>
+      <p:grpSpPr>
+        <a:xfrm>
+          <a:off x="0" y="0"/>
+          <a:ext cx="0" cy="0"/>
+          <a:chOff x="0" y="0"/>
+          <a:chExt cx="0" cy="0"/>
+        </a:xfrm>
+      </p:grpSpPr>
+      <p:sp>
+        <p:nvSpPr>
+          <p:cNvPr id="2" name="Slide Image Placeholder 1"/>
+          <p:cNvSpPr>
+            <a:spLocks noGrp="1" noRot="1" noChangeAspect="1"/>
+          </p:cNvSpPr>
+          <p:nvPr>
+            <p:ph type="sldImg"/>
+          </p:nvPr>
+        </p:nvSpPr>
+        <p:spPr/>
+      </p:sp>
+      <p:sp>
+        <p:nvSpPr>
+          <p:cNvPr id="3" name="Notes Placeholder 2"/>
+          <p:cNvSpPr>
+            <a:spLocks noGrp="1"/>
+          </p:cNvSpPr>
+          <p:nvPr>
+            <p:ph type="body" idx="1"/>
+          </p:nvPr>
+        </p:nvSpPr>
+        <p:spPr/>
+        <p:txBody>
+          <a:bodyPr/>
+          <a:lstStyle/>
+          <a:p>
+            <a:endParaRPr lang="en-US" dirty="0"/>
+          </a:p>
+        </p:txBody>
+      </p:sp>
+      <p:sp>
+        <p:nvSpPr>
+          <p:cNvPr id="4" name="Slide Number Placeholder 3"/>
+          <p:cNvSpPr>
+            <a:spLocks noGrp="1"/>
+          </p:cNvSpPr>
+          <p:nvPr>
+            <p:ph type="sldNum" sz="quarter" idx="5"/>
+          </p:nvPr>
+        </p:nvSpPr>
+        <p:spPr/>
+        <p:txBody>
+          <a:bodyPr/>
+          <a:lstStyle/>
+          <a:p>
+            <a:fld id="{D2D76E09-41B7-FE4E-B099-04DFD58B8CF1}" type="slidenum">
+              <a:rPr lang="en-US" smtClean="0"/>
+              <a:t>6</a:t>
+            </a:fld>
+            <a:endParaRPr lang="en-US" dirty="0"/>
+          </a:p>
+        </p:txBody>
+      </p:sp>
+    </p:spTree>
+    <p:extLst>
+      <p:ext uri="{BB962C8B-B14F-4D97-AF65-F5344CB8AC3E}">
         <p14:creationId xmlns:p14="http://schemas.microsoft.com/office/powerpoint/2010/main" val="523322748"/>
+      </p:ext>
+    </p:extLst>
+  </p:cSld>
+  <p:clrMapOvr>
+    <a:masterClrMapping/>
+  </p:clrMapOvr>
+</p:notes>
+</file>
+
+<file path=ppt/notesSlides/notesSlide7.xml><?xml version="1.0" encoding="utf-8"?>
+<p:notes xmlns:a="http://schemas.openxmlformats.org/drawingml/2006/main" xmlns:r="http://schemas.openxmlformats.org/officeDocument/2006/relationships" xmlns:p="http://schemas.openxmlformats.org/presentationml/2006/main">
+  <p:cSld>
+    <p:spTree>
+      <p:nvGrpSpPr>
+        <p:cNvPr id="1" name=""/>
+        <p:cNvGrpSpPr/>
+        <p:nvPr/>
+      </p:nvGrpSpPr>
+      <p:grpSpPr>
+        <a:xfrm>
+          <a:off x="0" y="0"/>
+          <a:ext cx="0" cy="0"/>
+          <a:chOff x="0" y="0"/>
+          <a:chExt cx="0" cy="0"/>
+        </a:xfrm>
+      </p:grpSpPr>
+      <p:sp>
+        <p:nvSpPr>
+          <p:cNvPr id="2" name="Slide Image Placeholder 1"/>
+          <p:cNvSpPr>
+            <a:spLocks noGrp="1" noRot="1" noChangeAspect="1"/>
+          </p:cNvSpPr>
+          <p:nvPr>
+            <p:ph type="sldImg"/>
+          </p:nvPr>
+        </p:nvSpPr>
+        <p:spPr/>
+      </p:sp>
+      <p:sp>
+        <p:nvSpPr>
+          <p:cNvPr id="3" name="Notes Placeholder 2"/>
+          <p:cNvSpPr>
+            <a:spLocks noGrp="1"/>
+          </p:cNvSpPr>
+          <p:nvPr>
+            <p:ph type="body" idx="1"/>
+          </p:nvPr>
+        </p:nvSpPr>
+        <p:spPr/>
+        <p:txBody>
+          <a:bodyPr/>
+          <a:lstStyle/>
+          <a:p>
+            <a:endParaRPr lang="en-US" dirty="0"/>
+          </a:p>
+        </p:txBody>
+      </p:sp>
+      <p:sp>
+        <p:nvSpPr>
+          <p:cNvPr id="4" name="Slide Number Placeholder 3"/>
+          <p:cNvSpPr>
+            <a:spLocks noGrp="1"/>
+          </p:cNvSpPr>
+          <p:nvPr>
+            <p:ph type="sldNum" sz="quarter" idx="5"/>
+          </p:nvPr>
+        </p:nvSpPr>
+        <p:spPr/>
+        <p:txBody>
+          <a:bodyPr/>
+          <a:lstStyle/>
+          <a:p>
+            <a:fld id="{D2D76E09-41B7-FE4E-B099-04DFD58B8CF1}" type="slidenum">
+              <a:rPr lang="en-US" smtClean="0"/>
+              <a:t>7</a:t>
+            </a:fld>
+            <a:endParaRPr lang="en-US" dirty="0"/>
+          </a:p>
+        </p:txBody>
+      </p:sp>
+    </p:spTree>
+    <p:extLst>
+      <p:ext uri="{BB962C8B-B14F-4D97-AF65-F5344CB8AC3E}">
+        <p14:creationId xmlns:p14="http://schemas.microsoft.com/office/powerpoint/2010/main" val="2894114624"/>
       </p:ext>
     </p:extLst>
   </p:cSld>
@@ -1775,7 +5230,7 @@
           <a:p>
             <a:fld id="{576D0534-BB92-D249-82B9-49A38E7BB51A}" type="datetime1">
               <a:rPr lang="en-US" smtClean="0"/>
-              <a:t>10/14/2023</a:t>
+              <a:t>12/20/2023</a:t>
             </a:fld>
             <a:endParaRPr lang="en-US" dirty="0"/>
           </a:p>
@@ -1955,7 +5410,7 @@
           <a:p>
             <a:fld id="{A3922B72-5EFB-2B4D-BBDF-916337A53DC6}" type="datetime1">
               <a:rPr lang="en-US" smtClean="0"/>
-              <a:t>10/14/2023</a:t>
+              <a:t>12/20/2023</a:t>
             </a:fld>
             <a:endParaRPr lang="en-US" dirty="0"/>
           </a:p>
@@ -2135,7 +5590,7 @@
           <a:p>
             <a:fld id="{486B05E1-C71E-544E-9F74-844878BC4783}" type="datetime1">
               <a:rPr lang="en-US" smtClean="0"/>
-              <a:t>10/14/2023</a:t>
+              <a:t>12/20/2023</a:t>
             </a:fld>
             <a:endParaRPr lang="en-US" dirty="0"/>
           </a:p>
@@ -2305,7 +5760,7 @@
           <a:p>
             <a:fld id="{62EE8AFE-A49F-3347-91BC-9E8CE1BCC4B4}" type="datetime1">
               <a:rPr lang="en-US" smtClean="0"/>
-              <a:t>10/14/2023</a:t>
+              <a:t>12/20/2023</a:t>
             </a:fld>
             <a:endParaRPr lang="en-US" dirty="0"/>
           </a:p>
@@ -2618,7 +6073,7 @@
           <a:p>
             <a:fld id="{5EA109CB-DDDB-7949-A85C-355CAB3D7576}" type="datetime1">
               <a:rPr lang="en-US" smtClean="0"/>
-              <a:t>10/14/2023</a:t>
+              <a:t>12/20/2023</a:t>
             </a:fld>
             <a:endParaRPr lang="en-US" dirty="0"/>
           </a:p>
@@ -3005,7 +6460,7 @@
           <a:p>
             <a:fld id="{87E56BB9-C860-D945-A0DA-AC84E1154E6B}" type="datetime1">
               <a:rPr lang="en-US" smtClean="0"/>
-              <a:t>10/14/2023</a:t>
+              <a:t>12/20/2023</a:t>
             </a:fld>
             <a:endParaRPr lang="en-US" dirty="0"/>
           </a:p>
@@ -3439,7 +6894,7 @@
           <a:p>
             <a:fld id="{D5C5F966-147F-B24F-8855-ADF4B9638779}" type="datetime1">
               <a:rPr lang="en-US" smtClean="0"/>
-              <a:t>10/14/2023</a:t>
+              <a:t>12/20/2023</a:t>
             </a:fld>
             <a:endParaRPr lang="en-US" dirty="0"/>
           </a:p>
@@ -3557,7 +7012,7 @@
           <a:p>
             <a:fld id="{432BB21E-6508-274A-8215-090AB0A8BFD7}" type="datetime1">
               <a:rPr lang="en-US" smtClean="0"/>
-              <a:t>10/14/2023</a:t>
+              <a:t>12/20/2023</a:t>
             </a:fld>
             <a:endParaRPr lang="en-US" dirty="0"/>
           </a:p>
@@ -3652,7 +7107,7 @@
           <a:p>
             <a:fld id="{EE5E3B75-9C36-5140-9B2C-4AB02DB5CE55}" type="datetime1">
               <a:rPr lang="en-US" smtClean="0"/>
-              <a:t>10/14/2023</a:t>
+              <a:t>12/20/2023</a:t>
             </a:fld>
             <a:endParaRPr lang="en-US" dirty="0"/>
           </a:p>
@@ -4002,7 +7457,7 @@
           <a:p>
             <a:fld id="{1F7E5107-D26A-8749-91B4-BDF6C1B6361A}" type="datetime1">
               <a:rPr lang="en-US" smtClean="0"/>
-              <a:t>10/14/2023</a:t>
+              <a:t>12/20/2023</a:t>
             </a:fld>
             <a:endParaRPr lang="en-US" dirty="0"/>
           </a:p>
@@ -4427,7 +7882,7 @@
           <a:p>
             <a:fld id="{45CC6945-859D-154B-9E61-3980F2B5BC84}" type="datetime1">
               <a:rPr lang="en-US" smtClean="0"/>
-              <a:t>10/14/2023</a:t>
+              <a:t>12/20/2023</a:t>
             </a:fld>
             <a:endParaRPr lang="en-US" dirty="0"/>
           </a:p>
@@ -4708,7 +8163,7 @@
           <a:p>
             <a:fld id="{3E2B6D2D-DD65-7542-B616-C09BD0686257}" type="datetime1">
               <a:rPr lang="en-US" smtClean="0"/>
-              <a:t>10/14/2023</a:t>
+              <a:t>12/20/2023</a:t>
             </a:fld>
             <a:endParaRPr lang="en-US" dirty="0"/>
           </a:p>
@@ -6779,298 +10234,10 @@
       </p:grpSpPr>
       <p:sp>
         <p:nvSpPr>
-          <p:cNvPr id="2" name="Title 1">
+          <p:cNvPr id="1083" name="Rectangle 1082">
             <a:extLst>
               <a:ext uri="{FF2B5EF4-FFF2-40B4-BE49-F238E27FC236}">
-                <a16:creationId xmlns:a16="http://schemas.microsoft.com/office/drawing/2014/main" id="{23F6D5E8-15CF-4755-910B-1B5A1E777357}"/>
-              </a:ext>
-            </a:extLst>
-          </p:cNvPr>
-          <p:cNvSpPr>
-            <a:spLocks noGrp="1"/>
-          </p:cNvSpPr>
-          <p:nvPr>
-            <p:ph type="title"/>
-          </p:nvPr>
-        </p:nvSpPr>
-        <p:spPr>
-          <a:xfrm>
-            <a:off x="1069848" y="484632"/>
-            <a:ext cx="10058400" cy="1609344"/>
-          </a:xfrm>
-        </p:spPr>
-        <p:txBody>
-          <a:bodyPr>
-            <a:normAutofit/>
-          </a:bodyPr>
-          <a:lstStyle/>
-          <a:p>
-            <a:r>
-              <a:rPr lang="en-US" dirty="0"/>
-              <a:t>Personalized Recommendation Algorithm</a:t>
-            </a:r>
-          </a:p>
-        </p:txBody>
-      </p:sp>
-      <p:sp>
-        <p:nvSpPr>
-          <p:cNvPr id="18" name="Rectangle 17">
-            <a:extLst>
-              <a:ext uri="{FF2B5EF4-FFF2-40B4-BE49-F238E27FC236}">
-                <a16:creationId xmlns:a16="http://schemas.microsoft.com/office/drawing/2014/main" id="{3FD711E9-7F79-40A9-8D9E-4AE293C154A5}"/>
-              </a:ext>
-              <a:ext uri="{C183D7F6-B498-43B3-948B-1728B52AA6E4}">
-                <adec:decorative xmlns:adec="http://schemas.microsoft.com/office/drawing/2017/decorative" val="1"/>
-              </a:ext>
-            </a:extLst>
-          </p:cNvPr>
-          <p:cNvSpPr>
-            <a:spLocks noGrp="1" noRot="1" noChangeAspect="1" noMove="1" noResize="1" noEditPoints="1" noAdjustHandles="1" noChangeArrowheads="1" noChangeShapeType="1" noTextEdit="1"/>
-          </p:cNvSpPr>
-          <p:nvPr>
-            <p:extLst>
-              <p:ext uri="{386F3935-93C4-4BCD-93E2-E3B085C9AB24}">
-                <p16:designElem xmlns:p16="http://schemas.microsoft.com/office/powerpoint/2015/main" val="1"/>
-              </p:ext>
-            </p:extLst>
-          </p:nvPr>
-        </p:nvSpPr>
-        <p:spPr>
-          <a:xfrm>
-            <a:off x="1066800" y="2013293"/>
-            <a:ext cx="10058400" cy="80683"/>
-          </a:xfrm>
-          <a:prstGeom prst="rect">
-            <a:avLst/>
-          </a:prstGeom>
-          <a:blipFill dpi="0" rotWithShape="1">
-            <a:blip r:embed="rId3">
-              <a:alphaModFix amt="85000"/>
-              <a:lum bright="70000" contrast="-70000"/>
-              <a:extLst>
-                <a:ext uri="{BEBA8EAE-BF5A-486C-A8C5-ECC9F3942E4B}">
-                  <a14:imgProps xmlns:a14="http://schemas.microsoft.com/office/drawing/2010/main">
-                    <a14:imgLayer r:embed="rId4">
-                      <a14:imgEffect>
-                        <a14:sharpenSoften amount="61000"/>
-                      </a14:imgEffect>
-                    </a14:imgLayer>
-                  </a14:imgProps>
-                </a:ext>
-                <a:ext uri="{28A0092B-C50C-407E-A947-70E740481C1C}">
-                  <a14:useLocalDpi xmlns:a14="http://schemas.microsoft.com/office/drawing/2010/main" val="0"/>
-                </a:ext>
-              </a:extLst>
-            </a:blip>
-            <a:srcRect/>
-            <a:tile tx="0" ty="-762000" sx="92000" sy="89000" flip="xy" algn="ctr"/>
-          </a:blipFill>
-          <a:ln>
-            <a:noFill/>
-          </a:ln>
-        </p:spPr>
-        <p:style>
-          <a:lnRef idx="2">
-            <a:schemeClr val="accent1">
-              <a:shade val="50000"/>
-            </a:schemeClr>
-          </a:lnRef>
-          <a:fillRef idx="1">
-            <a:schemeClr val="accent1"/>
-          </a:fillRef>
-          <a:effectRef idx="0">
-            <a:schemeClr val="accent1"/>
-          </a:effectRef>
-          <a:fontRef idx="minor">
-            <a:schemeClr val="lt1"/>
-          </a:fontRef>
-        </p:style>
-        <p:txBody>
-          <a:bodyPr rtlCol="0" anchor="ctr"/>
-          <a:lstStyle/>
-          <a:p>
-            <a:pPr algn="ctr"/>
-            <a:endParaRPr lang="en-US" dirty="0"/>
-          </a:p>
-        </p:txBody>
-      </p:sp>
-      <p:sp>
-        <p:nvSpPr>
-          <p:cNvPr id="3" name="Slide Number Placeholder 2">
-            <a:extLst>
-              <a:ext uri="{FF2B5EF4-FFF2-40B4-BE49-F238E27FC236}">
-                <a16:creationId xmlns:a16="http://schemas.microsoft.com/office/drawing/2014/main" id="{9B12268D-E54B-4D47-B9B1-5A86B64C66E2}"/>
-              </a:ext>
-            </a:extLst>
-          </p:cNvPr>
-          <p:cNvSpPr>
-            <a:spLocks noGrp="1"/>
-          </p:cNvSpPr>
-          <p:nvPr>
-            <p:ph type="sldNum" sz="quarter" idx="12"/>
-          </p:nvPr>
-        </p:nvSpPr>
-        <p:spPr>
-          <a:xfrm>
-            <a:off x="11311128" y="6272784"/>
-            <a:ext cx="640080" cy="365125"/>
-          </a:xfrm>
-        </p:spPr>
-        <p:txBody>
-          <a:bodyPr>
-            <a:normAutofit/>
-          </a:bodyPr>
-          <a:lstStyle/>
-          <a:p>
-            <a:pPr>
-              <a:spcAft>
-                <a:spcPts val="600"/>
-              </a:spcAft>
-            </a:pPr>
-            <a:fld id="{4FAB73BC-B049-4115-A692-8D63A059BFB8}" type="slidenum">
-              <a:rPr lang="en-US" smtClean="0"/>
-              <a:pPr>
-                <a:spcAft>
-                  <a:spcPts val="600"/>
-                </a:spcAft>
-              </a:pPr>
-              <a:t>3</a:t>
-            </a:fld>
-            <a:endParaRPr lang="en-US" dirty="0"/>
-          </a:p>
-        </p:txBody>
-      </p:sp>
-      <p:sp>
-        <p:nvSpPr>
-          <p:cNvPr id="5" name="Content Placeholder 4">
-            <a:extLst>
-              <a:ext uri="{FF2B5EF4-FFF2-40B4-BE49-F238E27FC236}">
-                <a16:creationId xmlns:a16="http://schemas.microsoft.com/office/drawing/2014/main" id="{E240C9A6-1E20-B239-D4ED-BDF928EB0C10}"/>
-              </a:ext>
-            </a:extLst>
-          </p:cNvPr>
-          <p:cNvSpPr>
-            <a:spLocks noGrp="1"/>
-          </p:cNvSpPr>
-          <p:nvPr>
-            <p:ph idx="1"/>
-          </p:nvPr>
-        </p:nvSpPr>
-        <p:spPr>
-          <a:xfrm>
-            <a:off x="1069847" y="2121407"/>
-            <a:ext cx="10881361" cy="4516501"/>
-          </a:xfrm>
-        </p:spPr>
-        <p:txBody>
-          <a:bodyPr>
-            <a:normAutofit/>
-          </a:bodyPr>
-          <a:lstStyle/>
-          <a:p>
-            <a:pPr marL="0" indent="0">
-              <a:buNone/>
-            </a:pPr>
-            <a:r>
-              <a:rPr lang="en-US" sz="3200" dirty="0"/>
-              <a:t>Key Features</a:t>
-            </a:r>
-            <a:endParaRPr lang="en-US" dirty="0"/>
-          </a:p>
-          <a:p>
-            <a:r>
-              <a:rPr lang="en-US" dirty="0"/>
-              <a:t>Seamless Integration: Project Nutrino integrates with popular food delivery apps, ensuring a smooth user experience. </a:t>
-            </a:r>
-          </a:p>
-          <a:p>
-            <a:pPr lvl="1">
-              <a:buFont typeface="Wingdings" panose="05000000000000000000" pitchFamily="2" charset="2"/>
-              <a:buChar char="Ø"/>
-            </a:pPr>
-            <a:r>
-              <a:rPr lang="en-US" dirty="0"/>
-              <a:t>Live App APIs</a:t>
-            </a:r>
-          </a:p>
-          <a:p>
-            <a:r>
-              <a:rPr lang="en-US" dirty="0"/>
-              <a:t>Real-Time Nutrition Tracking: Get instant access to the nutritional content of any dish on your favorite delivery app.</a:t>
-            </a:r>
-          </a:p>
-          <a:p>
-            <a:pPr lvl="1">
-              <a:buFont typeface="Wingdings" panose="05000000000000000000" pitchFamily="2" charset="2"/>
-              <a:buChar char="Ø"/>
-            </a:pPr>
-            <a:r>
-              <a:rPr lang="en-US" dirty="0"/>
-              <a:t>Localized Database</a:t>
-            </a:r>
-          </a:p>
-          <a:p>
-            <a:r>
-              <a:rPr lang="en-US" dirty="0"/>
-              <a:t>Personalized Recommendations: Project Nutrino suggests healthier alternatives based on your dietary preferences, nutritional goals and macro-nutrient requirements.</a:t>
-            </a:r>
-          </a:p>
-          <a:p>
-            <a:pPr lvl="1">
-              <a:buFont typeface="Wingdings" panose="05000000000000000000" pitchFamily="2" charset="2"/>
-              <a:buChar char="Ø"/>
-            </a:pPr>
-            <a:r>
-              <a:rPr lang="en-US" dirty="0"/>
-              <a:t>Combination of K-Nearest Neighbors and Point Distances</a:t>
-            </a:r>
-          </a:p>
-        </p:txBody>
-      </p:sp>
-    </p:spTree>
-    <p:extLst>
-      <p:ext uri="{BB962C8B-B14F-4D97-AF65-F5344CB8AC3E}">
-        <p14:creationId xmlns:p14="http://schemas.microsoft.com/office/powerpoint/2010/main" val="1463734809"/>
-      </p:ext>
-    </p:extLst>
-  </p:cSld>
-  <p:clrMapOvr>
-    <a:masterClrMapping/>
-  </p:clrMapOvr>
-</p:sld>
-</file>
-
-<file path=ppt/slides/slide4.xml><?xml version="1.0" encoding="utf-8"?>
-<p:sld xmlns:a="http://schemas.openxmlformats.org/drawingml/2006/main" xmlns:r="http://schemas.openxmlformats.org/officeDocument/2006/relationships" xmlns:p="http://schemas.openxmlformats.org/presentationml/2006/main">
-  <p:cSld>
-    <p:bg>
-      <p:bgPr>
-        <a:solidFill>
-          <a:schemeClr val="bg1"/>
-        </a:solidFill>
-        <a:effectLst/>
-      </p:bgPr>
-    </p:bg>
-    <p:spTree>
-      <p:nvGrpSpPr>
-        <p:cNvPr id="1" name=""/>
-        <p:cNvGrpSpPr/>
-        <p:nvPr/>
-      </p:nvGrpSpPr>
-      <p:grpSpPr>
-        <a:xfrm>
-          <a:off x="0" y="0"/>
-          <a:ext cx="0" cy="0"/>
-          <a:chOff x="0" y="0"/>
-          <a:chExt cx="0" cy="0"/>
-        </a:xfrm>
-      </p:grpSpPr>
-      <p:sp>
-        <p:nvSpPr>
-          <p:cNvPr id="1058" name="Rectangle 1057">
-            <a:extLst>
-              <a:ext uri="{FF2B5EF4-FFF2-40B4-BE49-F238E27FC236}">
-                <a16:creationId xmlns:a16="http://schemas.microsoft.com/office/drawing/2014/main" id="{D57A997F-57D3-4F47-B77A-14DE76B507ED}"/>
+                <a16:creationId xmlns:a16="http://schemas.microsoft.com/office/drawing/2014/main" id="{501EBB4D-E42B-468D-B801-D16CF43ECBD2}"/>
               </a:ext>
               <a:ext uri="{C183D7F6-B498-43B3-948B-1728B52AA6E4}">
                 <adec:decorative xmlns:adec="http://schemas.microsoft.com/office/drawing/2017/decorative" val="1"/>
@@ -7149,10 +10316,10 @@
       </p:sp>
       <p:sp>
         <p:nvSpPr>
-          <p:cNvPr id="1060" name="Rectangle 1059">
+          <p:cNvPr id="1085" name="Rectangle 1084">
             <a:extLst>
               <a:ext uri="{FF2B5EF4-FFF2-40B4-BE49-F238E27FC236}">
-                <a16:creationId xmlns:a16="http://schemas.microsoft.com/office/drawing/2014/main" id="{5B304EBC-E1F0-4042-84B1-65AD44AB17A9}"/>
+                <a16:creationId xmlns:a16="http://schemas.microsoft.com/office/drawing/2014/main" id="{A7FBF63C-B061-4F66-8609-FED8EFFDAFE7}"/>
               </a:ext>
               <a:ext uri="{C183D7F6-B498-43B3-948B-1728B52AA6E4}">
                 <adec:decorative xmlns:adec="http://schemas.microsoft.com/office/drawing/2017/decorative" val="1"/>
@@ -7231,10 +10398,10 @@
       </p:sp>
       <p:sp>
         <p:nvSpPr>
-          <p:cNvPr id="1062" name="Rectangle 1061">
+          <p:cNvPr id="1087" name="Rectangle 1086">
             <a:extLst>
               <a:ext uri="{FF2B5EF4-FFF2-40B4-BE49-F238E27FC236}">
-                <a16:creationId xmlns:a16="http://schemas.microsoft.com/office/drawing/2014/main" id="{30F5971A-100F-43B9-AF60-FD95A592D27B}"/>
+                <a16:creationId xmlns:a16="http://schemas.microsoft.com/office/drawing/2014/main" id="{D893CC27-5C56-4F6F-9B94-413AE08B922C}"/>
               </a:ext>
               <a:ext uri="{C183D7F6-B498-43B3-948B-1728B52AA6E4}">
                 <adec:decorative xmlns:adec="http://schemas.microsoft.com/office/drawing/2017/decorative" val="1"/>
@@ -7313,10 +10480,10 @@
       </p:sp>
       <p:grpSp>
         <p:nvGrpSpPr>
-          <p:cNvPr id="1064" name="Group 1063">
+          <p:cNvPr id="1089" name="Group 1088">
             <a:extLst>
               <a:ext uri="{FF2B5EF4-FFF2-40B4-BE49-F238E27FC236}">
-                <a16:creationId xmlns:a16="http://schemas.microsoft.com/office/drawing/2014/main" id="{B34AA403-A228-4305-AE48-0FF5690E3EF5}"/>
+                <a16:creationId xmlns:a16="http://schemas.microsoft.com/office/drawing/2014/main" id="{76D64082-5099-45DC-84A9-81EA54822BEE}"/>
               </a:ext>
               <a:ext uri="{C183D7F6-B498-43B3-948B-1728B52AA6E4}">
                 <adec:decorative xmlns:adec="http://schemas.microsoft.com/office/drawing/2017/decorative" val="1"/>
@@ -7344,10 +10511,10 @@
         </p:grpSpPr>
         <p:sp>
           <p:nvSpPr>
-            <p:cNvPr id="1065" name="Oval 1064">
+            <p:cNvPr id="1090" name="Oval 1089">
               <a:extLst>
                 <a:ext uri="{FF2B5EF4-FFF2-40B4-BE49-F238E27FC236}">
-                  <a16:creationId xmlns:a16="http://schemas.microsoft.com/office/drawing/2014/main" id="{CC81A8F5-59C9-487C-91CC-79BB6660B40F}"/>
+                  <a16:creationId xmlns:a16="http://schemas.microsoft.com/office/drawing/2014/main" id="{A9E39E47-E101-4CE1-883E-6C6528BECEB6}"/>
                 </a:ext>
                 <a:ext uri="{C183D7F6-B498-43B3-948B-1728B52AA6E4}">
                   <adec:decorative xmlns:adec="http://schemas.microsoft.com/office/drawing/2017/decorative" val="1"/>
@@ -7441,10 +10608,10 @@
         </p:sp>
         <p:sp>
           <p:nvSpPr>
-            <p:cNvPr id="1066" name="Oval 1065">
+            <p:cNvPr id="1091" name="Oval 1090">
               <a:extLst>
                 <a:ext uri="{FF2B5EF4-FFF2-40B4-BE49-F238E27FC236}">
-                  <a16:creationId xmlns:a16="http://schemas.microsoft.com/office/drawing/2014/main" id="{782DF6B4-81CE-4086-A1B1-BE48BA8E247F}"/>
+                  <a16:creationId xmlns:a16="http://schemas.microsoft.com/office/drawing/2014/main" id="{2830CD01-B213-47C9-81AD-433E08F7DA95}"/>
                 </a:ext>
                 <a:ext uri="{C183D7F6-B498-43B3-948B-1728B52AA6E4}">
                   <adec:decorative xmlns:adec="http://schemas.microsoft.com/office/drawing/2017/decorative" val="1"/>
@@ -7516,12 +10683,219 @@
           </p:txBody>
         </p:sp>
       </p:grpSp>
-      <p:sp useBgFill="1">
+      <p:sp>
         <p:nvSpPr>
-          <p:cNvPr id="1068" name="Rectangle 1067">
+          <p:cNvPr id="1093" name="Rectangle 1092">
             <a:extLst>
               <a:ext uri="{FF2B5EF4-FFF2-40B4-BE49-F238E27FC236}">
-                <a16:creationId xmlns:a16="http://schemas.microsoft.com/office/drawing/2014/main" id="{57DBC9B3-B302-4EE6-8FF3-C0D7C1199E1A}"/>
+                <a16:creationId xmlns:a16="http://schemas.microsoft.com/office/drawing/2014/main" id="{D3942243-EB87-47B0-A725-FB513F644AB1}"/>
+              </a:ext>
+              <a:ext uri="{C183D7F6-B498-43B3-948B-1728B52AA6E4}">
+                <adec:decorative xmlns:adec="http://schemas.microsoft.com/office/drawing/2017/decorative" val="1"/>
+              </a:ext>
+            </a:extLst>
+          </p:cNvPr>
+          <p:cNvSpPr>
+            <a:spLocks noGrp="1" noRot="1" noChangeAspect="1" noMove="1" noResize="1" noEditPoints="1" noAdjustHandles="1" noChangeArrowheads="1" noChangeShapeType="1" noTextEdit="1"/>
+          </p:cNvSpPr>
+          <p:nvPr>
+            <p:extLst>
+              <p:ext uri="{386F3935-93C4-4BCD-93E2-E3B085C9AB24}">
+                <p16:designElem xmlns:p16="http://schemas.microsoft.com/office/powerpoint/2015/main" val="1"/>
+              </p:ext>
+            </p:extLst>
+          </p:nvPr>
+        </p:nvSpPr>
+        <p:spPr bwMode="white">
+          <a:xfrm>
+            <a:off x="-7620" y="-1"/>
+            <a:ext cx="12207240" cy="6858001"/>
+          </a:xfrm>
+          <a:prstGeom prst="rect">
+            <a:avLst/>
+          </a:prstGeom>
+          <a:solidFill>
+            <a:schemeClr val="bg1"/>
+          </a:solidFill>
+          <a:ln>
+            <a:noFill/>
+          </a:ln>
+        </p:spPr>
+        <p:style>
+          <a:lnRef idx="2">
+            <a:schemeClr val="accent1">
+              <a:shade val="50000"/>
+            </a:schemeClr>
+          </a:lnRef>
+          <a:fillRef idx="1">
+            <a:schemeClr val="accent1"/>
+          </a:fillRef>
+          <a:effectRef idx="0">
+            <a:schemeClr val="accent1"/>
+          </a:effectRef>
+          <a:fontRef idx="minor">
+            <a:schemeClr val="lt1"/>
+          </a:fontRef>
+        </p:style>
+        <p:txBody>
+          <a:bodyPr rot="0" spcFirstLastPara="0" vert="horz" wrap="square" lIns="91440" tIns="45720" rIns="91440" bIns="45720" numCol="1" spcCol="0" rtlCol="0" fromWordArt="0" anchor="ctr" anchorCtr="0" forceAA="0" compatLnSpc="1">
+            <a:prstTxWarp prst="textNoShape">
+              <a:avLst/>
+            </a:prstTxWarp>
+            <a:noAutofit/>
+          </a:bodyPr>
+          <a:lstStyle>
+            <a:defPPr>
+              <a:defRPr lang="en-US"/>
+            </a:defPPr>
+            <a:lvl1pPr marL="0" algn="l" defTabSz="914400" rtl="0" eaLnBrk="1" latinLnBrk="0" hangingPunct="1">
+              <a:defRPr sz="1800" kern="1200">
+                <a:solidFill>
+                  <a:schemeClr val="lt1"/>
+                </a:solidFill>
+                <a:latin typeface="+mn-lt"/>
+                <a:ea typeface="+mn-ea"/>
+                <a:cs typeface="+mn-cs"/>
+              </a:defRPr>
+            </a:lvl1pPr>
+            <a:lvl2pPr marL="457200" algn="l" defTabSz="914400" rtl="0" eaLnBrk="1" latinLnBrk="0" hangingPunct="1">
+              <a:defRPr sz="1800" kern="1200">
+                <a:solidFill>
+                  <a:schemeClr val="lt1"/>
+                </a:solidFill>
+                <a:latin typeface="+mn-lt"/>
+                <a:ea typeface="+mn-ea"/>
+                <a:cs typeface="+mn-cs"/>
+              </a:defRPr>
+            </a:lvl2pPr>
+            <a:lvl3pPr marL="914400" algn="l" defTabSz="914400" rtl="0" eaLnBrk="1" latinLnBrk="0" hangingPunct="1">
+              <a:defRPr sz="1800" kern="1200">
+                <a:solidFill>
+                  <a:schemeClr val="lt1"/>
+                </a:solidFill>
+                <a:latin typeface="+mn-lt"/>
+                <a:ea typeface="+mn-ea"/>
+                <a:cs typeface="+mn-cs"/>
+              </a:defRPr>
+            </a:lvl3pPr>
+            <a:lvl4pPr marL="1371600" algn="l" defTabSz="914400" rtl="0" eaLnBrk="1" latinLnBrk="0" hangingPunct="1">
+              <a:defRPr sz="1800" kern="1200">
+                <a:solidFill>
+                  <a:schemeClr val="lt1"/>
+                </a:solidFill>
+                <a:latin typeface="+mn-lt"/>
+                <a:ea typeface="+mn-ea"/>
+                <a:cs typeface="+mn-cs"/>
+              </a:defRPr>
+            </a:lvl4pPr>
+            <a:lvl5pPr marL="1828800" algn="l" defTabSz="914400" rtl="0" eaLnBrk="1" latinLnBrk="0" hangingPunct="1">
+              <a:defRPr sz="1800" kern="1200">
+                <a:solidFill>
+                  <a:schemeClr val="lt1"/>
+                </a:solidFill>
+                <a:latin typeface="+mn-lt"/>
+                <a:ea typeface="+mn-ea"/>
+                <a:cs typeface="+mn-cs"/>
+              </a:defRPr>
+            </a:lvl5pPr>
+            <a:lvl6pPr marL="2286000" algn="l" defTabSz="914400" rtl="0" eaLnBrk="1" latinLnBrk="0" hangingPunct="1">
+              <a:defRPr sz="1800" kern="1200">
+                <a:solidFill>
+                  <a:schemeClr val="lt1"/>
+                </a:solidFill>
+                <a:latin typeface="+mn-lt"/>
+                <a:ea typeface="+mn-ea"/>
+                <a:cs typeface="+mn-cs"/>
+              </a:defRPr>
+            </a:lvl6pPr>
+            <a:lvl7pPr marL="2743200" algn="l" defTabSz="914400" rtl="0" eaLnBrk="1" latinLnBrk="0" hangingPunct="1">
+              <a:defRPr sz="1800" kern="1200">
+                <a:solidFill>
+                  <a:schemeClr val="lt1"/>
+                </a:solidFill>
+                <a:latin typeface="+mn-lt"/>
+                <a:ea typeface="+mn-ea"/>
+                <a:cs typeface="+mn-cs"/>
+              </a:defRPr>
+            </a:lvl7pPr>
+            <a:lvl8pPr marL="3200400" algn="l" defTabSz="914400" rtl="0" eaLnBrk="1" latinLnBrk="0" hangingPunct="1">
+              <a:defRPr sz="1800" kern="1200">
+                <a:solidFill>
+                  <a:schemeClr val="lt1"/>
+                </a:solidFill>
+                <a:latin typeface="+mn-lt"/>
+                <a:ea typeface="+mn-ea"/>
+                <a:cs typeface="+mn-cs"/>
+              </a:defRPr>
+            </a:lvl8pPr>
+            <a:lvl9pPr marL="3657600" algn="l" defTabSz="914400" rtl="0" eaLnBrk="1" latinLnBrk="0" hangingPunct="1">
+              <a:defRPr sz="1800" kern="1200">
+                <a:solidFill>
+                  <a:schemeClr val="lt1"/>
+                </a:solidFill>
+                <a:latin typeface="+mn-lt"/>
+                <a:ea typeface="+mn-ea"/>
+                <a:cs typeface="+mn-cs"/>
+              </a:defRPr>
+            </a:lvl9pPr>
+          </a:lstStyle>
+          <a:p>
+            <a:pPr algn="ctr"/>
+            <a:endParaRPr lang="en-US"/>
+          </a:p>
+        </p:txBody>
+      </p:sp>
+      <p:pic>
+        <p:nvPicPr>
+          <p:cNvPr id="1026" name="Picture 2" descr="Gladson Acquires Largest Nutrition Database, Nutritionix | Payment Week">
+            <a:extLst>
+              <a:ext uri="{FF2B5EF4-FFF2-40B4-BE49-F238E27FC236}">
+                <a16:creationId xmlns:a16="http://schemas.microsoft.com/office/drawing/2014/main" id="{D4FACF1A-51EF-29F4-D0AF-9E2A5FC23C8D}"/>
+              </a:ext>
+            </a:extLst>
+          </p:cNvPr>
+          <p:cNvPicPr>
+            <a:picLocks noChangeAspect="1" noChangeArrowheads="1"/>
+          </p:cNvPicPr>
+          <p:nvPr/>
+        </p:nvPicPr>
+        <p:blipFill rotWithShape="1">
+          <a:blip r:embed="rId7">
+            <a:extLst>
+              <a:ext uri="{28A0092B-C50C-407E-A947-70E740481C1C}">
+                <a14:useLocalDpi xmlns:a14="http://schemas.microsoft.com/office/drawing/2010/main" val="0"/>
+              </a:ext>
+            </a:extLst>
+          </a:blip>
+          <a:srcRect l="6608" r="7199" b="-1"/>
+          <a:stretch/>
+        </p:blipFill>
+        <p:spPr bwMode="auto">
+          <a:xfrm>
+            <a:off x="20" y="1"/>
+            <a:ext cx="6015547" cy="4257366"/>
+          </a:xfrm>
+          <a:prstGeom prst="rect">
+            <a:avLst/>
+          </a:prstGeom>
+          <a:noFill/>
+          <a:extLst>
+            <a:ext uri="{909E8E84-426E-40DD-AFC4-6F175D3DCCD1}">
+              <a14:hiddenFill xmlns:a14="http://schemas.microsoft.com/office/drawing/2010/main">
+                <a:solidFill>
+                  <a:srgbClr val="FFFFFF"/>
+                </a:solidFill>
+              </a14:hiddenFill>
+            </a:ext>
+          </a:extLst>
+        </p:spPr>
+      </p:pic>
+      <p:sp>
+        <p:nvSpPr>
+          <p:cNvPr id="1095" name="Rectangle 1094">
+            <a:extLst>
+              <a:ext uri="{FF2B5EF4-FFF2-40B4-BE49-F238E27FC236}">
+                <a16:creationId xmlns:a16="http://schemas.microsoft.com/office/drawing/2014/main" id="{51EA2B2F-0614-4D69-B22A-E70BCFCAD79C}"/>
               </a:ext>
               <a:ext uri="{C183D7F6-B498-43B3-948B-1728B52AA6E4}">
                 <adec:decorative xmlns:adec="http://schemas.microsoft.com/office/drawing/2017/decorative" val="1"/>
@@ -7541,12 +10915,34 @@
         </p:nvSpPr>
         <p:spPr>
           <a:xfrm>
-            <a:off x="0" y="0"/>
-            <a:ext cx="12192000" cy="6858000"/>
+            <a:off x="0" y="4257367"/>
+            <a:ext cx="12192000" cy="2610464"/>
           </a:xfrm>
           <a:prstGeom prst="rect">
             <a:avLst/>
           </a:prstGeom>
+          <a:blipFill dpi="0" rotWithShape="1">
+            <a:blip r:embed="rId3">
+              <a:alphaModFix amt="85000"/>
+              <a:lum bright="70000" contrast="-70000"/>
+              <a:extLst>
+                <a:ext uri="{BEBA8EAE-BF5A-486C-A8C5-ECC9F3942E4B}">
+                  <a14:imgProps xmlns:a14="http://schemas.microsoft.com/office/drawing/2010/main">
+                    <a14:imgLayer r:embed="rId4">
+                      <a14:imgEffect>
+                        <a14:sharpenSoften amount="61000"/>
+                      </a14:imgEffect>
+                    </a14:imgLayer>
+                  </a14:imgProps>
+                </a:ext>
+                <a:ext uri="{28A0092B-C50C-407E-A947-70E740481C1C}">
+                  <a14:useLocalDpi xmlns:a14="http://schemas.microsoft.com/office/drawing/2010/main" val="0"/>
+                </a:ext>
+              </a:extLst>
+            </a:blip>
+            <a:srcRect/>
+            <a:tile tx="0" ty="-704850" sx="92000" sy="89000" flip="xy" algn="ctr"/>
+          </a:blipFill>
           <a:ln>
             <a:noFill/>
           </a:ln>
@@ -7594,8 +10990,8 @@
         </p:nvSpPr>
         <p:spPr>
           <a:xfrm>
-            <a:off x="1112520" y="4289333"/>
-            <a:ext cx="9966960" cy="1286007"/>
+            <a:off x="1051560" y="4355692"/>
+            <a:ext cx="9085940" cy="1472224"/>
           </a:xfrm>
         </p:spPr>
         <p:txBody>
@@ -7604,13 +11000,13 @@
           </a:bodyPr>
           <a:lstStyle/>
           <a:p>
-            <a:pPr algn="ctr">
+            <a:pPr>
               <a:lnSpc>
                 <a:spcPct val="80000"/>
               </a:lnSpc>
             </a:pPr>
             <a:r>
-              <a:rPr lang="en-US" sz="4800" kern="1200" cap="all" baseline="0" dirty="0">
+              <a:rPr lang="en-US" sz="7200" kern="1200" cap="all" baseline="0">
                 <a:blipFill dpi="0" rotWithShape="1">
                   <a:blip r:embed="rId5"/>
                   <a:srcRect/>
@@ -7620,410 +11016,8 @@
                 <a:ea typeface="+mj-ea"/>
                 <a:cs typeface="+mj-cs"/>
               </a:rPr>
-              <a:t>The </a:t>
+              <a:t>The DatabaseS</a:t>
             </a:r>
-            <a:r>
-              <a:rPr lang="en-US" sz="4800" kern="1200" cap="all" baseline="0" dirty="0" err="1">
-                <a:blipFill dpi="0" rotWithShape="1">
-                  <a:blip r:embed="rId5"/>
-                  <a:srcRect/>
-                  <a:tile tx="6350" ty="-127000" sx="65000" sy="64000" flip="none" algn="tl"/>
-                </a:blipFill>
-                <a:latin typeface="+mj-lt"/>
-                <a:ea typeface="+mj-ea"/>
-                <a:cs typeface="+mj-cs"/>
-              </a:rPr>
-              <a:t>DatabaseS</a:t>
-            </a:r>
-            <a:endParaRPr lang="en-US" sz="4800" kern="1200" cap="all" baseline="0" dirty="0">
-              <a:blipFill dpi="0" rotWithShape="1">
-                <a:blip r:embed="rId5"/>
-                <a:srcRect/>
-                <a:tile tx="6350" ty="-127000" sx="65000" sy="64000" flip="none" algn="tl"/>
-              </a:blipFill>
-              <a:latin typeface="+mj-lt"/>
-              <a:ea typeface="+mj-ea"/>
-              <a:cs typeface="+mj-cs"/>
-            </a:endParaRPr>
-          </a:p>
-        </p:txBody>
-      </p:sp>
-      <p:pic>
-        <p:nvPicPr>
-          <p:cNvPr id="1032" name="Picture 8" descr="Food Delivery mobile app - how to deliver awesome customer experience -  Business of Apps">
-            <a:extLst>
-              <a:ext uri="{FF2B5EF4-FFF2-40B4-BE49-F238E27FC236}">
-                <a16:creationId xmlns:a16="http://schemas.microsoft.com/office/drawing/2014/main" id="{B17D46C3-BDC1-25F9-9D68-2F4EF77AC97A}"/>
-              </a:ext>
-            </a:extLst>
-          </p:cNvPr>
-          <p:cNvPicPr>
-            <a:picLocks noChangeAspect="1" noChangeArrowheads="1"/>
-          </p:cNvPicPr>
-          <p:nvPr/>
-        </p:nvPicPr>
-        <p:blipFill rotWithShape="1">
-          <a:blip r:embed="rId7">
-            <a:extLst>
-              <a:ext uri="{28A0092B-C50C-407E-A947-70E740481C1C}">
-                <a14:useLocalDpi xmlns:a14="http://schemas.microsoft.com/office/drawing/2010/main" val="0"/>
-              </a:ext>
-            </a:extLst>
-          </a:blip>
-          <a:srcRect l="21170" r="25584"/>
-          <a:stretch/>
-        </p:blipFill>
-        <p:spPr bwMode="auto">
-          <a:xfrm>
-            <a:off x="730744" y="842135"/>
-            <a:ext cx="3300984" cy="3300984"/>
-          </a:xfrm>
-          <a:custGeom>
-            <a:avLst/>
-            <a:gdLst/>
-            <a:ahLst/>
-            <a:cxnLst/>
-            <a:rect l="l" t="t" r="r" b="b"/>
-            <a:pathLst>
-              <a:path w="3300984" h="3300984">
-                <a:moveTo>
-                  <a:pt x="1650492" y="185680"/>
-                </a:moveTo>
-                <a:cubicBezTo>
-                  <a:pt x="2459485" y="185680"/>
-                  <a:pt x="3115304" y="841499"/>
-                  <a:pt x="3115304" y="1650492"/>
-                </a:cubicBezTo>
-                <a:cubicBezTo>
-                  <a:pt x="3115304" y="2459485"/>
-                  <a:pt x="2459485" y="3115304"/>
-                  <a:pt x="1650492" y="3115304"/>
-                </a:cubicBezTo>
-                <a:cubicBezTo>
-                  <a:pt x="841499" y="3115304"/>
-                  <a:pt x="185680" y="2459485"/>
-                  <a:pt x="185680" y="1650492"/>
-                </a:cubicBezTo>
-                <a:cubicBezTo>
-                  <a:pt x="185680" y="841499"/>
-                  <a:pt x="841499" y="185680"/>
-                  <a:pt x="1650492" y="185680"/>
-                </a:cubicBezTo>
-                <a:close/>
-                <a:moveTo>
-                  <a:pt x="1650492" y="144418"/>
-                </a:moveTo>
-                <a:cubicBezTo>
-                  <a:pt x="818711" y="144418"/>
-                  <a:pt x="144418" y="818711"/>
-                  <a:pt x="144418" y="1650492"/>
-                </a:cubicBezTo>
-                <a:cubicBezTo>
-                  <a:pt x="144418" y="2482274"/>
-                  <a:pt x="818711" y="3156566"/>
-                  <a:pt x="1650492" y="3156566"/>
-                </a:cubicBezTo>
-                <a:cubicBezTo>
-                  <a:pt x="2482274" y="3156566"/>
-                  <a:pt x="3156566" y="2482274"/>
-                  <a:pt x="3156566" y="1650492"/>
-                </a:cubicBezTo>
-                <a:cubicBezTo>
-                  <a:pt x="3156566" y="818711"/>
-                  <a:pt x="2482274" y="144418"/>
-                  <a:pt x="1650492" y="144418"/>
-                </a:cubicBezTo>
-                <a:close/>
-                <a:moveTo>
-                  <a:pt x="1650492" y="0"/>
-                </a:moveTo>
-                <a:cubicBezTo>
-                  <a:pt x="2562034" y="0"/>
-                  <a:pt x="3300984" y="738950"/>
-                  <a:pt x="3300984" y="1650492"/>
-                </a:cubicBezTo>
-                <a:cubicBezTo>
-                  <a:pt x="3300984" y="2562034"/>
-                  <a:pt x="2562034" y="3300984"/>
-                  <a:pt x="1650492" y="3300984"/>
-                </a:cubicBezTo>
-                <a:cubicBezTo>
-                  <a:pt x="738950" y="3300984"/>
-                  <a:pt x="0" y="2562034"/>
-                  <a:pt x="0" y="1650492"/>
-                </a:cubicBezTo>
-                <a:cubicBezTo>
-                  <a:pt x="0" y="738950"/>
-                  <a:pt x="738950" y="0"/>
-                  <a:pt x="1650492" y="0"/>
-                </a:cubicBezTo>
-                <a:close/>
-              </a:path>
-            </a:pathLst>
-          </a:custGeom>
-          <a:noFill/>
-          <a:extLst>
-            <a:ext uri="{909E8E84-426E-40DD-AFC4-6F175D3DCCD1}">
-              <a14:hiddenFill xmlns:a14="http://schemas.microsoft.com/office/drawing/2010/main">
-                <a:solidFill>
-                  <a:srgbClr val="FFFFFF"/>
-                </a:solidFill>
-              </a14:hiddenFill>
-            </a:ext>
-          </a:extLst>
-        </p:spPr>
-      </p:pic>
-      <p:sp>
-        <p:nvSpPr>
-          <p:cNvPr id="1070" name="Freeform: Shape 1069">
-            <a:extLst>
-              <a:ext uri="{FF2B5EF4-FFF2-40B4-BE49-F238E27FC236}">
-                <a16:creationId xmlns:a16="http://schemas.microsoft.com/office/drawing/2014/main" id="{4746BD4D-7E44-435E-AE6A-7FBA3190E26C}"/>
-              </a:ext>
-              <a:ext uri="{C183D7F6-B498-43B3-948B-1728B52AA6E4}">
-                <adec:decorative xmlns:adec="http://schemas.microsoft.com/office/drawing/2017/decorative" val="1"/>
-              </a:ext>
-            </a:extLst>
-          </p:cNvPr>
-          <p:cNvSpPr>
-            <a:spLocks noGrp="1" noRot="1" noChangeAspect="1" noMove="1" noResize="1" noEditPoints="1" noAdjustHandles="1" noChangeArrowheads="1" noChangeShapeType="1" noTextEdit="1"/>
-          </p:cNvSpPr>
-          <p:nvPr>
-            <p:extLst>
-              <p:ext uri="{386F3935-93C4-4BCD-93E2-E3B085C9AB24}">
-                <p16:designElem xmlns:p16="http://schemas.microsoft.com/office/powerpoint/2015/main" val="1"/>
-              </p:ext>
-            </p:extLst>
-          </p:nvPr>
-        </p:nvSpPr>
-        <p:spPr>
-          <a:xfrm>
-            <a:off x="730744" y="842135"/>
-            <a:ext cx="3300984" cy="3300984"/>
-          </a:xfrm>
-          <a:custGeom>
-            <a:avLst/>
-            <a:gdLst>
-              <a:gd name="connsiteX0" fmla="*/ 3657600 w 7315200"/>
-              <a:gd name="connsiteY0" fmla="*/ 411480 h 7315200"/>
-              <a:gd name="connsiteX1" fmla="*/ 6903720 w 7315200"/>
-              <a:gd name="connsiteY1" fmla="*/ 3657600 h 7315200"/>
-              <a:gd name="connsiteX2" fmla="*/ 3657600 w 7315200"/>
-              <a:gd name="connsiteY2" fmla="*/ 6903720 h 7315200"/>
-              <a:gd name="connsiteX3" fmla="*/ 411480 w 7315200"/>
-              <a:gd name="connsiteY3" fmla="*/ 3657600 h 7315200"/>
-              <a:gd name="connsiteX4" fmla="*/ 3657600 w 7315200"/>
-              <a:gd name="connsiteY4" fmla="*/ 411480 h 7315200"/>
-              <a:gd name="connsiteX5" fmla="*/ 3657600 w 7315200"/>
-              <a:gd name="connsiteY5" fmla="*/ 320040 h 7315200"/>
-              <a:gd name="connsiteX6" fmla="*/ 320040 w 7315200"/>
-              <a:gd name="connsiteY6" fmla="*/ 3657600 h 7315200"/>
-              <a:gd name="connsiteX7" fmla="*/ 3657600 w 7315200"/>
-              <a:gd name="connsiteY7" fmla="*/ 6995160 h 7315200"/>
-              <a:gd name="connsiteX8" fmla="*/ 6995160 w 7315200"/>
-              <a:gd name="connsiteY8" fmla="*/ 3657600 h 7315200"/>
-              <a:gd name="connsiteX9" fmla="*/ 3657600 w 7315200"/>
-              <a:gd name="connsiteY9" fmla="*/ 320040 h 7315200"/>
-              <a:gd name="connsiteX10" fmla="*/ 3657600 w 7315200"/>
-              <a:gd name="connsiteY10" fmla="*/ 0 h 7315200"/>
-              <a:gd name="connsiteX11" fmla="*/ 7315200 w 7315200"/>
-              <a:gd name="connsiteY11" fmla="*/ 3657600 h 7315200"/>
-              <a:gd name="connsiteX12" fmla="*/ 3657600 w 7315200"/>
-              <a:gd name="connsiteY12" fmla="*/ 7315200 h 7315200"/>
-              <a:gd name="connsiteX13" fmla="*/ 0 w 7315200"/>
-              <a:gd name="connsiteY13" fmla="*/ 3657600 h 7315200"/>
-              <a:gd name="connsiteX14" fmla="*/ 3657600 w 7315200"/>
-              <a:gd name="connsiteY14" fmla="*/ 0 h 7315200"/>
-            </a:gdLst>
-            <a:ahLst/>
-            <a:cxnLst>
-              <a:cxn ang="0">
-                <a:pos x="connsiteX0" y="connsiteY0"/>
-              </a:cxn>
-              <a:cxn ang="0">
-                <a:pos x="connsiteX1" y="connsiteY1"/>
-              </a:cxn>
-              <a:cxn ang="0">
-                <a:pos x="connsiteX2" y="connsiteY2"/>
-              </a:cxn>
-              <a:cxn ang="0">
-                <a:pos x="connsiteX3" y="connsiteY3"/>
-              </a:cxn>
-              <a:cxn ang="0">
-                <a:pos x="connsiteX4" y="connsiteY4"/>
-              </a:cxn>
-              <a:cxn ang="0">
-                <a:pos x="connsiteX5" y="connsiteY5"/>
-              </a:cxn>
-              <a:cxn ang="0">
-                <a:pos x="connsiteX6" y="connsiteY6"/>
-              </a:cxn>
-              <a:cxn ang="0">
-                <a:pos x="connsiteX7" y="connsiteY7"/>
-              </a:cxn>
-              <a:cxn ang="0">
-                <a:pos x="connsiteX8" y="connsiteY8"/>
-              </a:cxn>
-              <a:cxn ang="0">
-                <a:pos x="connsiteX9" y="connsiteY9"/>
-              </a:cxn>
-              <a:cxn ang="0">
-                <a:pos x="connsiteX10" y="connsiteY10"/>
-              </a:cxn>
-              <a:cxn ang="0">
-                <a:pos x="connsiteX11" y="connsiteY11"/>
-              </a:cxn>
-              <a:cxn ang="0">
-                <a:pos x="connsiteX12" y="connsiteY12"/>
-              </a:cxn>
-              <a:cxn ang="0">
-                <a:pos x="connsiteX13" y="connsiteY13"/>
-              </a:cxn>
-              <a:cxn ang="0">
-                <a:pos x="connsiteX14" y="connsiteY14"/>
-              </a:cxn>
-            </a:cxnLst>
-            <a:rect l="l" t="t" r="r" b="b"/>
-            <a:pathLst>
-              <a:path w="7315200" h="7315200">
-                <a:moveTo>
-                  <a:pt x="3657600" y="411480"/>
-                </a:moveTo>
-                <a:cubicBezTo>
-                  <a:pt x="5450383" y="411480"/>
-                  <a:pt x="6903720" y="1864817"/>
-                  <a:pt x="6903720" y="3657600"/>
-                </a:cubicBezTo>
-                <a:cubicBezTo>
-                  <a:pt x="6903720" y="5450383"/>
-                  <a:pt x="5450383" y="6903720"/>
-                  <a:pt x="3657600" y="6903720"/>
-                </a:cubicBezTo>
-                <a:cubicBezTo>
-                  <a:pt x="1864817" y="6903720"/>
-                  <a:pt x="411480" y="5450383"/>
-                  <a:pt x="411480" y="3657600"/>
-                </a:cubicBezTo>
-                <a:cubicBezTo>
-                  <a:pt x="411480" y="1864817"/>
-                  <a:pt x="1864817" y="411480"/>
-                  <a:pt x="3657600" y="411480"/>
-                </a:cubicBezTo>
-                <a:close/>
-                <a:moveTo>
-                  <a:pt x="3657600" y="320040"/>
-                </a:moveTo>
-                <a:cubicBezTo>
-                  <a:pt x="1814317" y="320040"/>
-                  <a:pt x="320040" y="1814317"/>
-                  <a:pt x="320040" y="3657600"/>
-                </a:cubicBezTo>
-                <a:cubicBezTo>
-                  <a:pt x="320040" y="5500883"/>
-                  <a:pt x="1814317" y="6995160"/>
-                  <a:pt x="3657600" y="6995160"/>
-                </a:cubicBezTo>
-                <a:cubicBezTo>
-                  <a:pt x="5500883" y="6995160"/>
-                  <a:pt x="6995160" y="5500883"/>
-                  <a:pt x="6995160" y="3657600"/>
-                </a:cubicBezTo>
-                <a:cubicBezTo>
-                  <a:pt x="6995160" y="1814317"/>
-                  <a:pt x="5500883" y="320040"/>
-                  <a:pt x="3657600" y="320040"/>
-                </a:cubicBezTo>
-                <a:close/>
-                <a:moveTo>
-                  <a:pt x="3657600" y="0"/>
-                </a:moveTo>
-                <a:cubicBezTo>
-                  <a:pt x="5677637" y="0"/>
-                  <a:pt x="7315200" y="1637563"/>
-                  <a:pt x="7315200" y="3657600"/>
-                </a:cubicBezTo>
-                <a:cubicBezTo>
-                  <a:pt x="7315200" y="5677637"/>
-                  <a:pt x="5677637" y="7315200"/>
-                  <a:pt x="3657600" y="7315200"/>
-                </a:cubicBezTo>
-                <a:cubicBezTo>
-                  <a:pt x="1637563" y="7315200"/>
-                  <a:pt x="0" y="5677637"/>
-                  <a:pt x="0" y="3657600"/>
-                </a:cubicBezTo>
-                <a:cubicBezTo>
-                  <a:pt x="0" y="1637563"/>
-                  <a:pt x="1637563" y="0"/>
-                  <a:pt x="3657600" y="0"/>
-                </a:cubicBezTo>
-                <a:close/>
-              </a:path>
-            </a:pathLst>
-          </a:custGeom>
-          <a:blipFill dpi="0" rotWithShape="1">
-            <a:blip r:embed="rId8">
-              <a:alphaModFix amt="30000"/>
-              <a:duotone>
-                <a:prstClr val="black"/>
-                <a:schemeClr val="accent1">
-                  <a:tint val="45000"/>
-                  <a:satMod val="400000"/>
-                </a:schemeClr>
-              </a:duotone>
-              <a:extLst>
-                <a:ext uri="{BEBA8EAE-BF5A-486C-A8C5-ECC9F3942E4B}">
-                  <a14:imgProps xmlns:a14="http://schemas.microsoft.com/office/drawing/2010/main">
-                    <a14:imgLayer r:embed="rId4">
-                      <a14:imgEffect>
-                        <a14:sharpenSoften amount="61000"/>
-                      </a14:imgEffect>
-                      <a14:imgEffect>
-                        <a14:brightnessContrast bright="-25000" contrast="20000"/>
-                      </a14:imgEffect>
-                    </a14:imgLayer>
-                  </a14:imgProps>
-                </a:ext>
-                <a:ext uri="{28A0092B-C50C-407E-A947-70E740481C1C}">
-                  <a14:useLocalDpi xmlns:a14="http://schemas.microsoft.com/office/drawing/2010/main" val="0"/>
-                </a:ext>
-              </a:extLst>
-            </a:blip>
-            <a:srcRect/>
-            <a:tile tx="0" ty="-762000" sx="92000" sy="89000" flip="xy" algn="ctr"/>
-          </a:blipFill>
-          <a:ln>
-            <a:noFill/>
-          </a:ln>
-        </p:spPr>
-        <p:style>
-          <a:lnRef idx="2">
-            <a:schemeClr val="accent1">
-              <a:shade val="50000"/>
-            </a:schemeClr>
-          </a:lnRef>
-          <a:fillRef idx="1">
-            <a:schemeClr val="accent1"/>
-          </a:fillRef>
-          <a:effectRef idx="0">
-            <a:schemeClr val="accent1"/>
-          </a:effectRef>
-          <a:fontRef idx="minor">
-            <a:schemeClr val="lt1"/>
-          </a:fontRef>
-        </p:style>
-        <p:txBody>
-          <a:bodyPr wrap="square" rtlCol="0" anchor="ctr">
-            <a:noAutofit/>
-          </a:bodyPr>
-          <a:lstStyle/>
-          <a:p>
-            <a:pPr algn="ctr"/>
-            <a:endParaRPr lang="en-US" dirty="0">
-              <a:solidFill>
-                <a:schemeClr val="lt1"/>
-              </a:solidFill>
-            </a:endParaRPr>
           </a:p>
         </p:txBody>
       </p:sp>
@@ -8042,104 +11036,24 @@
           <p:nvPr/>
         </p:nvPicPr>
         <p:blipFill rotWithShape="1">
-          <a:blip r:embed="rId9">
+          <a:blip r:embed="rId8">
             <a:extLst>
               <a:ext uri="{28A0092B-C50C-407E-A947-70E740481C1C}">
                 <a14:useLocalDpi xmlns:a14="http://schemas.microsoft.com/office/drawing/2010/main" val="0"/>
               </a:ext>
             </a:extLst>
           </a:blip>
-          <a:srcRect r="-4" b="-4"/>
+          <a:srcRect t="15276" r="-1" b="13889"/>
           <a:stretch/>
         </p:blipFill>
         <p:spPr bwMode="auto">
           <a:xfrm>
-            <a:off x="4445508" y="842135"/>
-            <a:ext cx="3300984" cy="3300984"/>
+            <a:off x="6176433" y="-2"/>
+            <a:ext cx="6015567" cy="4261104"/>
           </a:xfrm>
-          <a:custGeom>
+          <a:prstGeom prst="rect">
             <a:avLst/>
-            <a:gdLst/>
-            <a:ahLst/>
-            <a:cxnLst/>
-            <a:rect l="l" t="t" r="r" b="b"/>
-            <a:pathLst>
-              <a:path w="3300984" h="3300984">
-                <a:moveTo>
-                  <a:pt x="1650492" y="185680"/>
-                </a:moveTo>
-                <a:cubicBezTo>
-                  <a:pt x="2459485" y="185680"/>
-                  <a:pt x="3115304" y="841499"/>
-                  <a:pt x="3115304" y="1650492"/>
-                </a:cubicBezTo>
-                <a:cubicBezTo>
-                  <a:pt x="3115304" y="2459485"/>
-                  <a:pt x="2459485" y="3115304"/>
-                  <a:pt x="1650492" y="3115304"/>
-                </a:cubicBezTo>
-                <a:cubicBezTo>
-                  <a:pt x="841499" y="3115304"/>
-                  <a:pt x="185681" y="2459485"/>
-                  <a:pt x="185681" y="1650492"/>
-                </a:cubicBezTo>
-                <a:cubicBezTo>
-                  <a:pt x="185681" y="841499"/>
-                  <a:pt x="841499" y="185680"/>
-                  <a:pt x="1650492" y="185680"/>
-                </a:cubicBezTo>
-                <a:close/>
-                <a:moveTo>
-                  <a:pt x="1650492" y="144418"/>
-                </a:moveTo>
-                <a:cubicBezTo>
-                  <a:pt x="818711" y="144418"/>
-                  <a:pt x="144418" y="818711"/>
-                  <a:pt x="144418" y="1650492"/>
-                </a:cubicBezTo>
-                <a:cubicBezTo>
-                  <a:pt x="144418" y="2482274"/>
-                  <a:pt x="818711" y="3156566"/>
-                  <a:pt x="1650492" y="3156566"/>
-                </a:cubicBezTo>
-                <a:cubicBezTo>
-                  <a:pt x="2482274" y="3156566"/>
-                  <a:pt x="3156566" y="2482274"/>
-                  <a:pt x="3156566" y="1650492"/>
-                </a:cubicBezTo>
-                <a:cubicBezTo>
-                  <a:pt x="3156566" y="818711"/>
-                  <a:pt x="2482274" y="144418"/>
-                  <a:pt x="1650492" y="144418"/>
-                </a:cubicBezTo>
-                <a:close/>
-                <a:moveTo>
-                  <a:pt x="1650492" y="0"/>
-                </a:moveTo>
-                <a:cubicBezTo>
-                  <a:pt x="2562034" y="0"/>
-                  <a:pt x="3300984" y="738950"/>
-                  <a:pt x="3300984" y="1650492"/>
-                </a:cubicBezTo>
-                <a:cubicBezTo>
-                  <a:pt x="3300984" y="2562034"/>
-                  <a:pt x="2562034" y="3300984"/>
-                  <a:pt x="1650492" y="3300984"/>
-                </a:cubicBezTo>
-                <a:cubicBezTo>
-                  <a:pt x="738951" y="3300984"/>
-                  <a:pt x="0" y="2562034"/>
-                  <a:pt x="0" y="1650492"/>
-                </a:cubicBezTo>
-                <a:cubicBezTo>
-                  <a:pt x="0" y="738950"/>
-                  <a:pt x="738951" y="0"/>
-                  <a:pt x="1650492" y="0"/>
-                </a:cubicBezTo>
-                <a:close/>
-              </a:path>
-            </a:pathLst>
-          </a:custGeom>
+          </a:prstGeom>
           <a:noFill/>
           <a:extLst>
             <a:ext uri="{909E8E84-426E-40DD-AFC4-6F175D3DCCD1}">
@@ -8152,645 +11066,12 @@
           </a:extLst>
         </p:spPr>
       </p:pic>
-      <p:sp>
-        <p:nvSpPr>
-          <p:cNvPr id="1072" name="Freeform: Shape 1071">
+      <p:grpSp>
+        <p:nvGrpSpPr>
+          <p:cNvPr id="1097" name="Group 1096">
             <a:extLst>
               <a:ext uri="{FF2B5EF4-FFF2-40B4-BE49-F238E27FC236}">
-                <a16:creationId xmlns:a16="http://schemas.microsoft.com/office/drawing/2014/main" id="{6E6BD379-84AD-45BF-9F35-F9E4283FC25E}"/>
-              </a:ext>
-              <a:ext uri="{C183D7F6-B498-43B3-948B-1728B52AA6E4}">
-                <adec:decorative xmlns:adec="http://schemas.microsoft.com/office/drawing/2017/decorative" val="1"/>
-              </a:ext>
-            </a:extLst>
-          </p:cNvPr>
-          <p:cNvSpPr>
-            <a:spLocks noGrp="1" noRot="1" noChangeAspect="1" noMove="1" noResize="1" noEditPoints="1" noAdjustHandles="1" noChangeArrowheads="1" noChangeShapeType="1" noTextEdit="1"/>
-          </p:cNvSpPr>
-          <p:nvPr>
-            <p:extLst>
-              <p:ext uri="{386F3935-93C4-4BCD-93E2-E3B085C9AB24}">
-                <p16:designElem xmlns:p16="http://schemas.microsoft.com/office/powerpoint/2015/main" val="1"/>
-              </p:ext>
-            </p:extLst>
-          </p:nvPr>
-        </p:nvSpPr>
-        <p:spPr>
-          <a:xfrm>
-            <a:off x="4445508" y="842135"/>
-            <a:ext cx="3300984" cy="3300984"/>
-          </a:xfrm>
-          <a:custGeom>
-            <a:avLst/>
-            <a:gdLst>
-              <a:gd name="connsiteX0" fmla="*/ 3657600 w 7315200"/>
-              <a:gd name="connsiteY0" fmla="*/ 411480 h 7315200"/>
-              <a:gd name="connsiteX1" fmla="*/ 6903720 w 7315200"/>
-              <a:gd name="connsiteY1" fmla="*/ 3657600 h 7315200"/>
-              <a:gd name="connsiteX2" fmla="*/ 3657600 w 7315200"/>
-              <a:gd name="connsiteY2" fmla="*/ 6903720 h 7315200"/>
-              <a:gd name="connsiteX3" fmla="*/ 411480 w 7315200"/>
-              <a:gd name="connsiteY3" fmla="*/ 3657600 h 7315200"/>
-              <a:gd name="connsiteX4" fmla="*/ 3657600 w 7315200"/>
-              <a:gd name="connsiteY4" fmla="*/ 411480 h 7315200"/>
-              <a:gd name="connsiteX5" fmla="*/ 3657600 w 7315200"/>
-              <a:gd name="connsiteY5" fmla="*/ 320040 h 7315200"/>
-              <a:gd name="connsiteX6" fmla="*/ 320040 w 7315200"/>
-              <a:gd name="connsiteY6" fmla="*/ 3657600 h 7315200"/>
-              <a:gd name="connsiteX7" fmla="*/ 3657600 w 7315200"/>
-              <a:gd name="connsiteY7" fmla="*/ 6995160 h 7315200"/>
-              <a:gd name="connsiteX8" fmla="*/ 6995160 w 7315200"/>
-              <a:gd name="connsiteY8" fmla="*/ 3657600 h 7315200"/>
-              <a:gd name="connsiteX9" fmla="*/ 3657600 w 7315200"/>
-              <a:gd name="connsiteY9" fmla="*/ 320040 h 7315200"/>
-              <a:gd name="connsiteX10" fmla="*/ 3657600 w 7315200"/>
-              <a:gd name="connsiteY10" fmla="*/ 0 h 7315200"/>
-              <a:gd name="connsiteX11" fmla="*/ 7315200 w 7315200"/>
-              <a:gd name="connsiteY11" fmla="*/ 3657600 h 7315200"/>
-              <a:gd name="connsiteX12" fmla="*/ 3657600 w 7315200"/>
-              <a:gd name="connsiteY12" fmla="*/ 7315200 h 7315200"/>
-              <a:gd name="connsiteX13" fmla="*/ 0 w 7315200"/>
-              <a:gd name="connsiteY13" fmla="*/ 3657600 h 7315200"/>
-              <a:gd name="connsiteX14" fmla="*/ 3657600 w 7315200"/>
-              <a:gd name="connsiteY14" fmla="*/ 0 h 7315200"/>
-            </a:gdLst>
-            <a:ahLst/>
-            <a:cxnLst>
-              <a:cxn ang="0">
-                <a:pos x="connsiteX0" y="connsiteY0"/>
-              </a:cxn>
-              <a:cxn ang="0">
-                <a:pos x="connsiteX1" y="connsiteY1"/>
-              </a:cxn>
-              <a:cxn ang="0">
-                <a:pos x="connsiteX2" y="connsiteY2"/>
-              </a:cxn>
-              <a:cxn ang="0">
-                <a:pos x="connsiteX3" y="connsiteY3"/>
-              </a:cxn>
-              <a:cxn ang="0">
-                <a:pos x="connsiteX4" y="connsiteY4"/>
-              </a:cxn>
-              <a:cxn ang="0">
-                <a:pos x="connsiteX5" y="connsiteY5"/>
-              </a:cxn>
-              <a:cxn ang="0">
-                <a:pos x="connsiteX6" y="connsiteY6"/>
-              </a:cxn>
-              <a:cxn ang="0">
-                <a:pos x="connsiteX7" y="connsiteY7"/>
-              </a:cxn>
-              <a:cxn ang="0">
-                <a:pos x="connsiteX8" y="connsiteY8"/>
-              </a:cxn>
-              <a:cxn ang="0">
-                <a:pos x="connsiteX9" y="connsiteY9"/>
-              </a:cxn>
-              <a:cxn ang="0">
-                <a:pos x="connsiteX10" y="connsiteY10"/>
-              </a:cxn>
-              <a:cxn ang="0">
-                <a:pos x="connsiteX11" y="connsiteY11"/>
-              </a:cxn>
-              <a:cxn ang="0">
-                <a:pos x="connsiteX12" y="connsiteY12"/>
-              </a:cxn>
-              <a:cxn ang="0">
-                <a:pos x="connsiteX13" y="connsiteY13"/>
-              </a:cxn>
-              <a:cxn ang="0">
-                <a:pos x="connsiteX14" y="connsiteY14"/>
-              </a:cxn>
-            </a:cxnLst>
-            <a:rect l="l" t="t" r="r" b="b"/>
-            <a:pathLst>
-              <a:path w="7315200" h="7315200">
-                <a:moveTo>
-                  <a:pt x="3657600" y="411480"/>
-                </a:moveTo>
-                <a:cubicBezTo>
-                  <a:pt x="5450383" y="411480"/>
-                  <a:pt x="6903720" y="1864817"/>
-                  <a:pt x="6903720" y="3657600"/>
-                </a:cubicBezTo>
-                <a:cubicBezTo>
-                  <a:pt x="6903720" y="5450383"/>
-                  <a:pt x="5450383" y="6903720"/>
-                  <a:pt x="3657600" y="6903720"/>
-                </a:cubicBezTo>
-                <a:cubicBezTo>
-                  <a:pt x="1864817" y="6903720"/>
-                  <a:pt x="411480" y="5450383"/>
-                  <a:pt x="411480" y="3657600"/>
-                </a:cubicBezTo>
-                <a:cubicBezTo>
-                  <a:pt x="411480" y="1864817"/>
-                  <a:pt x="1864817" y="411480"/>
-                  <a:pt x="3657600" y="411480"/>
-                </a:cubicBezTo>
-                <a:close/>
-                <a:moveTo>
-                  <a:pt x="3657600" y="320040"/>
-                </a:moveTo>
-                <a:cubicBezTo>
-                  <a:pt x="1814317" y="320040"/>
-                  <a:pt x="320040" y="1814317"/>
-                  <a:pt x="320040" y="3657600"/>
-                </a:cubicBezTo>
-                <a:cubicBezTo>
-                  <a:pt x="320040" y="5500883"/>
-                  <a:pt x="1814317" y="6995160"/>
-                  <a:pt x="3657600" y="6995160"/>
-                </a:cubicBezTo>
-                <a:cubicBezTo>
-                  <a:pt x="5500883" y="6995160"/>
-                  <a:pt x="6995160" y="5500883"/>
-                  <a:pt x="6995160" y="3657600"/>
-                </a:cubicBezTo>
-                <a:cubicBezTo>
-                  <a:pt x="6995160" y="1814317"/>
-                  <a:pt x="5500883" y="320040"/>
-                  <a:pt x="3657600" y="320040"/>
-                </a:cubicBezTo>
-                <a:close/>
-                <a:moveTo>
-                  <a:pt x="3657600" y="0"/>
-                </a:moveTo>
-                <a:cubicBezTo>
-                  <a:pt x="5677637" y="0"/>
-                  <a:pt x="7315200" y="1637563"/>
-                  <a:pt x="7315200" y="3657600"/>
-                </a:cubicBezTo>
-                <a:cubicBezTo>
-                  <a:pt x="7315200" y="5677637"/>
-                  <a:pt x="5677637" y="7315200"/>
-                  <a:pt x="3657600" y="7315200"/>
-                </a:cubicBezTo>
-                <a:cubicBezTo>
-                  <a:pt x="1637563" y="7315200"/>
-                  <a:pt x="0" y="5677637"/>
-                  <a:pt x="0" y="3657600"/>
-                </a:cubicBezTo>
-                <a:cubicBezTo>
-                  <a:pt x="0" y="1637563"/>
-                  <a:pt x="1637563" y="0"/>
-                  <a:pt x="3657600" y="0"/>
-                </a:cubicBezTo>
-                <a:close/>
-              </a:path>
-            </a:pathLst>
-          </a:custGeom>
-          <a:blipFill dpi="0" rotWithShape="1">
-            <a:blip r:embed="rId8">
-              <a:alphaModFix amt="30000"/>
-              <a:duotone>
-                <a:prstClr val="black"/>
-                <a:schemeClr val="accent1">
-                  <a:tint val="45000"/>
-                  <a:satMod val="400000"/>
-                </a:schemeClr>
-              </a:duotone>
-              <a:extLst>
-                <a:ext uri="{BEBA8EAE-BF5A-486C-A8C5-ECC9F3942E4B}">
-                  <a14:imgProps xmlns:a14="http://schemas.microsoft.com/office/drawing/2010/main">
-                    <a14:imgLayer r:embed="rId4">
-                      <a14:imgEffect>
-                        <a14:sharpenSoften amount="61000"/>
-                      </a14:imgEffect>
-                      <a14:imgEffect>
-                        <a14:brightnessContrast bright="-25000" contrast="20000"/>
-                      </a14:imgEffect>
-                    </a14:imgLayer>
-                  </a14:imgProps>
-                </a:ext>
-                <a:ext uri="{28A0092B-C50C-407E-A947-70E740481C1C}">
-                  <a14:useLocalDpi xmlns:a14="http://schemas.microsoft.com/office/drawing/2010/main" val="0"/>
-                </a:ext>
-              </a:extLst>
-            </a:blip>
-            <a:srcRect/>
-            <a:tile tx="0" ty="-762000" sx="92000" sy="89000" flip="xy" algn="ctr"/>
-          </a:blipFill>
-          <a:ln>
-            <a:noFill/>
-          </a:ln>
-        </p:spPr>
-        <p:style>
-          <a:lnRef idx="2">
-            <a:schemeClr val="accent1">
-              <a:shade val="50000"/>
-            </a:schemeClr>
-          </a:lnRef>
-          <a:fillRef idx="1">
-            <a:schemeClr val="accent1"/>
-          </a:fillRef>
-          <a:effectRef idx="0">
-            <a:schemeClr val="accent1"/>
-          </a:effectRef>
-          <a:fontRef idx="minor">
-            <a:schemeClr val="lt1"/>
-          </a:fontRef>
-        </p:style>
-        <p:txBody>
-          <a:bodyPr wrap="square" rtlCol="0" anchor="ctr">
-            <a:noAutofit/>
-          </a:bodyPr>
-          <a:lstStyle/>
-          <a:p>
-            <a:pPr algn="ctr"/>
-            <a:endParaRPr lang="en-US" dirty="0">
-              <a:solidFill>
-                <a:schemeClr val="lt1"/>
-              </a:solidFill>
-            </a:endParaRPr>
-          </a:p>
-        </p:txBody>
-      </p:sp>
-      <p:pic>
-        <p:nvPicPr>
-          <p:cNvPr id="1026" name="Picture 2" descr="Gladson Acquires Largest Nutrition Database, Nutritionix | Payment Week">
-            <a:extLst>
-              <a:ext uri="{FF2B5EF4-FFF2-40B4-BE49-F238E27FC236}">
-                <a16:creationId xmlns:a16="http://schemas.microsoft.com/office/drawing/2014/main" id="{D4FACF1A-51EF-29F4-D0AF-9E2A5FC23C8D}"/>
-              </a:ext>
-            </a:extLst>
-          </p:cNvPr>
-          <p:cNvPicPr>
-            <a:picLocks noChangeAspect="1" noChangeArrowheads="1"/>
-          </p:cNvPicPr>
-          <p:nvPr/>
-        </p:nvPicPr>
-        <p:blipFill rotWithShape="1">
-          <a:blip r:embed="rId10">
-            <a:extLst>
-              <a:ext uri="{28A0092B-C50C-407E-A947-70E740481C1C}">
-                <a14:useLocalDpi xmlns:a14="http://schemas.microsoft.com/office/drawing/2010/main" val="0"/>
-              </a:ext>
-            </a:extLst>
-          </a:blip>
-          <a:srcRect l="23276" r="15726" b="3"/>
-          <a:stretch/>
-        </p:blipFill>
-        <p:spPr bwMode="auto">
-          <a:xfrm>
-            <a:off x="8147761" y="842135"/>
-            <a:ext cx="3300984" cy="3300984"/>
-          </a:xfrm>
-          <a:custGeom>
-            <a:avLst/>
-            <a:gdLst/>
-            <a:ahLst/>
-            <a:cxnLst/>
-            <a:rect l="l" t="t" r="r" b="b"/>
-            <a:pathLst>
-              <a:path w="3300984" h="3300984">
-                <a:moveTo>
-                  <a:pt x="1650492" y="185680"/>
-                </a:moveTo>
-                <a:cubicBezTo>
-                  <a:pt x="2459485" y="185680"/>
-                  <a:pt x="3115304" y="841499"/>
-                  <a:pt x="3115304" y="1650492"/>
-                </a:cubicBezTo>
-                <a:cubicBezTo>
-                  <a:pt x="3115304" y="2459485"/>
-                  <a:pt x="2459485" y="3115304"/>
-                  <a:pt x="1650492" y="3115304"/>
-                </a:cubicBezTo>
-                <a:cubicBezTo>
-                  <a:pt x="841499" y="3115304"/>
-                  <a:pt x="185681" y="2459485"/>
-                  <a:pt x="185681" y="1650492"/>
-                </a:cubicBezTo>
-                <a:cubicBezTo>
-                  <a:pt x="185681" y="841499"/>
-                  <a:pt x="841499" y="185680"/>
-                  <a:pt x="1650492" y="185680"/>
-                </a:cubicBezTo>
-                <a:close/>
-                <a:moveTo>
-                  <a:pt x="1650492" y="144418"/>
-                </a:moveTo>
-                <a:cubicBezTo>
-                  <a:pt x="818711" y="144418"/>
-                  <a:pt x="144418" y="818711"/>
-                  <a:pt x="144418" y="1650492"/>
-                </a:cubicBezTo>
-                <a:cubicBezTo>
-                  <a:pt x="144418" y="2482274"/>
-                  <a:pt x="818711" y="3156566"/>
-                  <a:pt x="1650492" y="3156566"/>
-                </a:cubicBezTo>
-                <a:cubicBezTo>
-                  <a:pt x="2482274" y="3156566"/>
-                  <a:pt x="3156566" y="2482274"/>
-                  <a:pt x="3156566" y="1650492"/>
-                </a:cubicBezTo>
-                <a:cubicBezTo>
-                  <a:pt x="3156566" y="818711"/>
-                  <a:pt x="2482274" y="144418"/>
-                  <a:pt x="1650492" y="144418"/>
-                </a:cubicBezTo>
-                <a:close/>
-                <a:moveTo>
-                  <a:pt x="1650492" y="0"/>
-                </a:moveTo>
-                <a:cubicBezTo>
-                  <a:pt x="2562034" y="0"/>
-                  <a:pt x="3300984" y="738950"/>
-                  <a:pt x="3300984" y="1650492"/>
-                </a:cubicBezTo>
-                <a:cubicBezTo>
-                  <a:pt x="3300984" y="2562034"/>
-                  <a:pt x="2562034" y="3300984"/>
-                  <a:pt x="1650492" y="3300984"/>
-                </a:cubicBezTo>
-                <a:cubicBezTo>
-                  <a:pt x="738950" y="3300984"/>
-                  <a:pt x="0" y="2562034"/>
-                  <a:pt x="0" y="1650492"/>
-                </a:cubicBezTo>
-                <a:cubicBezTo>
-                  <a:pt x="0" y="738950"/>
-                  <a:pt x="738950" y="0"/>
-                  <a:pt x="1650492" y="0"/>
-                </a:cubicBezTo>
-                <a:close/>
-              </a:path>
-            </a:pathLst>
-          </a:custGeom>
-          <a:noFill/>
-          <a:extLst>
-            <a:ext uri="{909E8E84-426E-40DD-AFC4-6F175D3DCCD1}">
-              <a14:hiddenFill xmlns:a14="http://schemas.microsoft.com/office/drawing/2010/main">
-                <a:solidFill>
-                  <a:srgbClr val="FFFFFF"/>
-                </a:solidFill>
-              </a14:hiddenFill>
-            </a:ext>
-          </a:extLst>
-        </p:spPr>
-      </p:pic>
-      <p:sp>
-        <p:nvSpPr>
-          <p:cNvPr id="1074" name="Freeform: Shape 1073">
-            <a:extLst>
-              <a:ext uri="{FF2B5EF4-FFF2-40B4-BE49-F238E27FC236}">
-                <a16:creationId xmlns:a16="http://schemas.microsoft.com/office/drawing/2014/main" id="{5EC9D168-EDA8-4FFC-9F66-7E97E07947D4}"/>
-              </a:ext>
-              <a:ext uri="{C183D7F6-B498-43B3-948B-1728B52AA6E4}">
-                <adec:decorative xmlns:adec="http://schemas.microsoft.com/office/drawing/2017/decorative" val="1"/>
-              </a:ext>
-            </a:extLst>
-          </p:cNvPr>
-          <p:cNvSpPr>
-            <a:spLocks noGrp="1" noRot="1" noChangeAspect="1" noMove="1" noResize="1" noEditPoints="1" noAdjustHandles="1" noChangeArrowheads="1" noChangeShapeType="1" noTextEdit="1"/>
-          </p:cNvSpPr>
-          <p:nvPr>
-            <p:extLst>
-              <p:ext uri="{386F3935-93C4-4BCD-93E2-E3B085C9AB24}">
-                <p16:designElem xmlns:p16="http://schemas.microsoft.com/office/powerpoint/2015/main" val="1"/>
-              </p:ext>
-            </p:extLst>
-          </p:nvPr>
-        </p:nvSpPr>
-        <p:spPr>
-          <a:xfrm>
-            <a:off x="8147761" y="842135"/>
-            <a:ext cx="3300984" cy="3300984"/>
-          </a:xfrm>
-          <a:custGeom>
-            <a:avLst/>
-            <a:gdLst>
-              <a:gd name="connsiteX0" fmla="*/ 3657600 w 7315200"/>
-              <a:gd name="connsiteY0" fmla="*/ 411480 h 7315200"/>
-              <a:gd name="connsiteX1" fmla="*/ 6903720 w 7315200"/>
-              <a:gd name="connsiteY1" fmla="*/ 3657600 h 7315200"/>
-              <a:gd name="connsiteX2" fmla="*/ 3657600 w 7315200"/>
-              <a:gd name="connsiteY2" fmla="*/ 6903720 h 7315200"/>
-              <a:gd name="connsiteX3" fmla="*/ 411480 w 7315200"/>
-              <a:gd name="connsiteY3" fmla="*/ 3657600 h 7315200"/>
-              <a:gd name="connsiteX4" fmla="*/ 3657600 w 7315200"/>
-              <a:gd name="connsiteY4" fmla="*/ 411480 h 7315200"/>
-              <a:gd name="connsiteX5" fmla="*/ 3657600 w 7315200"/>
-              <a:gd name="connsiteY5" fmla="*/ 320040 h 7315200"/>
-              <a:gd name="connsiteX6" fmla="*/ 320040 w 7315200"/>
-              <a:gd name="connsiteY6" fmla="*/ 3657600 h 7315200"/>
-              <a:gd name="connsiteX7" fmla="*/ 3657600 w 7315200"/>
-              <a:gd name="connsiteY7" fmla="*/ 6995160 h 7315200"/>
-              <a:gd name="connsiteX8" fmla="*/ 6995160 w 7315200"/>
-              <a:gd name="connsiteY8" fmla="*/ 3657600 h 7315200"/>
-              <a:gd name="connsiteX9" fmla="*/ 3657600 w 7315200"/>
-              <a:gd name="connsiteY9" fmla="*/ 320040 h 7315200"/>
-              <a:gd name="connsiteX10" fmla="*/ 3657600 w 7315200"/>
-              <a:gd name="connsiteY10" fmla="*/ 0 h 7315200"/>
-              <a:gd name="connsiteX11" fmla="*/ 7315200 w 7315200"/>
-              <a:gd name="connsiteY11" fmla="*/ 3657600 h 7315200"/>
-              <a:gd name="connsiteX12" fmla="*/ 3657600 w 7315200"/>
-              <a:gd name="connsiteY12" fmla="*/ 7315200 h 7315200"/>
-              <a:gd name="connsiteX13" fmla="*/ 0 w 7315200"/>
-              <a:gd name="connsiteY13" fmla="*/ 3657600 h 7315200"/>
-              <a:gd name="connsiteX14" fmla="*/ 3657600 w 7315200"/>
-              <a:gd name="connsiteY14" fmla="*/ 0 h 7315200"/>
-            </a:gdLst>
-            <a:ahLst/>
-            <a:cxnLst>
-              <a:cxn ang="0">
-                <a:pos x="connsiteX0" y="connsiteY0"/>
-              </a:cxn>
-              <a:cxn ang="0">
-                <a:pos x="connsiteX1" y="connsiteY1"/>
-              </a:cxn>
-              <a:cxn ang="0">
-                <a:pos x="connsiteX2" y="connsiteY2"/>
-              </a:cxn>
-              <a:cxn ang="0">
-                <a:pos x="connsiteX3" y="connsiteY3"/>
-              </a:cxn>
-              <a:cxn ang="0">
-                <a:pos x="connsiteX4" y="connsiteY4"/>
-              </a:cxn>
-              <a:cxn ang="0">
-                <a:pos x="connsiteX5" y="connsiteY5"/>
-              </a:cxn>
-              <a:cxn ang="0">
-                <a:pos x="connsiteX6" y="connsiteY6"/>
-              </a:cxn>
-              <a:cxn ang="0">
-                <a:pos x="connsiteX7" y="connsiteY7"/>
-              </a:cxn>
-              <a:cxn ang="0">
-                <a:pos x="connsiteX8" y="connsiteY8"/>
-              </a:cxn>
-              <a:cxn ang="0">
-                <a:pos x="connsiteX9" y="connsiteY9"/>
-              </a:cxn>
-              <a:cxn ang="0">
-                <a:pos x="connsiteX10" y="connsiteY10"/>
-              </a:cxn>
-              <a:cxn ang="0">
-                <a:pos x="connsiteX11" y="connsiteY11"/>
-              </a:cxn>
-              <a:cxn ang="0">
-                <a:pos x="connsiteX12" y="connsiteY12"/>
-              </a:cxn>
-              <a:cxn ang="0">
-                <a:pos x="connsiteX13" y="connsiteY13"/>
-              </a:cxn>
-              <a:cxn ang="0">
-                <a:pos x="connsiteX14" y="connsiteY14"/>
-              </a:cxn>
-            </a:cxnLst>
-            <a:rect l="l" t="t" r="r" b="b"/>
-            <a:pathLst>
-              <a:path w="7315200" h="7315200">
-                <a:moveTo>
-                  <a:pt x="3657600" y="411480"/>
-                </a:moveTo>
-                <a:cubicBezTo>
-                  <a:pt x="5450383" y="411480"/>
-                  <a:pt x="6903720" y="1864817"/>
-                  <a:pt x="6903720" y="3657600"/>
-                </a:cubicBezTo>
-                <a:cubicBezTo>
-                  <a:pt x="6903720" y="5450383"/>
-                  <a:pt x="5450383" y="6903720"/>
-                  <a:pt x="3657600" y="6903720"/>
-                </a:cubicBezTo>
-                <a:cubicBezTo>
-                  <a:pt x="1864817" y="6903720"/>
-                  <a:pt x="411480" y="5450383"/>
-                  <a:pt x="411480" y="3657600"/>
-                </a:cubicBezTo>
-                <a:cubicBezTo>
-                  <a:pt x="411480" y="1864817"/>
-                  <a:pt x="1864817" y="411480"/>
-                  <a:pt x="3657600" y="411480"/>
-                </a:cubicBezTo>
-                <a:close/>
-                <a:moveTo>
-                  <a:pt x="3657600" y="320040"/>
-                </a:moveTo>
-                <a:cubicBezTo>
-                  <a:pt x="1814317" y="320040"/>
-                  <a:pt x="320040" y="1814317"/>
-                  <a:pt x="320040" y="3657600"/>
-                </a:cubicBezTo>
-                <a:cubicBezTo>
-                  <a:pt x="320040" y="5500883"/>
-                  <a:pt x="1814317" y="6995160"/>
-                  <a:pt x="3657600" y="6995160"/>
-                </a:cubicBezTo>
-                <a:cubicBezTo>
-                  <a:pt x="5500883" y="6995160"/>
-                  <a:pt x="6995160" y="5500883"/>
-                  <a:pt x="6995160" y="3657600"/>
-                </a:cubicBezTo>
-                <a:cubicBezTo>
-                  <a:pt x="6995160" y="1814317"/>
-                  <a:pt x="5500883" y="320040"/>
-                  <a:pt x="3657600" y="320040"/>
-                </a:cubicBezTo>
-                <a:close/>
-                <a:moveTo>
-                  <a:pt x="3657600" y="0"/>
-                </a:moveTo>
-                <a:cubicBezTo>
-                  <a:pt x="5677637" y="0"/>
-                  <a:pt x="7315200" y="1637563"/>
-                  <a:pt x="7315200" y="3657600"/>
-                </a:cubicBezTo>
-                <a:cubicBezTo>
-                  <a:pt x="7315200" y="5677637"/>
-                  <a:pt x="5677637" y="7315200"/>
-                  <a:pt x="3657600" y="7315200"/>
-                </a:cubicBezTo>
-                <a:cubicBezTo>
-                  <a:pt x="1637563" y="7315200"/>
-                  <a:pt x="0" y="5677637"/>
-                  <a:pt x="0" y="3657600"/>
-                </a:cubicBezTo>
-                <a:cubicBezTo>
-                  <a:pt x="0" y="1637563"/>
-                  <a:pt x="1637563" y="0"/>
-                  <a:pt x="3657600" y="0"/>
-                </a:cubicBezTo>
-                <a:close/>
-              </a:path>
-            </a:pathLst>
-          </a:custGeom>
-          <a:blipFill dpi="0" rotWithShape="1">
-            <a:blip r:embed="rId8">
-              <a:alphaModFix amt="30000"/>
-              <a:duotone>
-                <a:prstClr val="black"/>
-                <a:schemeClr val="accent1">
-                  <a:tint val="45000"/>
-                  <a:satMod val="400000"/>
-                </a:schemeClr>
-              </a:duotone>
-              <a:extLst>
-                <a:ext uri="{BEBA8EAE-BF5A-486C-A8C5-ECC9F3942E4B}">
-                  <a14:imgProps xmlns:a14="http://schemas.microsoft.com/office/drawing/2010/main">
-                    <a14:imgLayer r:embed="rId4">
-                      <a14:imgEffect>
-                        <a14:sharpenSoften amount="61000"/>
-                      </a14:imgEffect>
-                      <a14:imgEffect>
-                        <a14:brightnessContrast bright="-25000" contrast="20000"/>
-                      </a14:imgEffect>
-                    </a14:imgLayer>
-                  </a14:imgProps>
-                </a:ext>
-                <a:ext uri="{28A0092B-C50C-407E-A947-70E740481C1C}">
-                  <a14:useLocalDpi xmlns:a14="http://schemas.microsoft.com/office/drawing/2010/main" val="0"/>
-                </a:ext>
-              </a:extLst>
-            </a:blip>
-            <a:srcRect/>
-            <a:tile tx="0" ty="-762000" sx="92000" sy="89000" flip="xy" algn="ctr"/>
-          </a:blipFill>
-          <a:ln>
-            <a:noFill/>
-          </a:ln>
-        </p:spPr>
-        <p:style>
-          <a:lnRef idx="2">
-            <a:schemeClr val="accent1">
-              <a:shade val="50000"/>
-            </a:schemeClr>
-          </a:lnRef>
-          <a:fillRef idx="1">
-            <a:schemeClr val="accent1"/>
-          </a:fillRef>
-          <a:effectRef idx="0">
-            <a:schemeClr val="accent1"/>
-          </a:effectRef>
-          <a:fontRef idx="minor">
-            <a:schemeClr val="lt1"/>
-          </a:fontRef>
-        </p:style>
-        <p:txBody>
-          <a:bodyPr wrap="square" rtlCol="0" anchor="ctr">
-            <a:noAutofit/>
-          </a:bodyPr>
-          <a:lstStyle/>
-          <a:p>
-            <a:pPr algn="ctr"/>
-            <a:endParaRPr lang="en-US" dirty="0">
-              <a:solidFill>
-                <a:schemeClr val="lt1"/>
-              </a:solidFill>
-            </a:endParaRPr>
-          </a:p>
-        </p:txBody>
-      </p:sp>
-      <p:grpSp>
-        <p:nvGrpSpPr>
-          <p:cNvPr id="1076" name="Group 1075">
-            <a:extLst>
-              <a:ext uri="{FF2B5EF4-FFF2-40B4-BE49-F238E27FC236}">
-                <a16:creationId xmlns:a16="http://schemas.microsoft.com/office/drawing/2014/main" id="{5DB57EBD-30C1-49F6-9C24-708543269F33}"/>
+                <a16:creationId xmlns:a16="http://schemas.microsoft.com/office/drawing/2014/main" id="{74F14128-2B23-48F2-BD56-EA0849FACCDA}"/>
               </a:ext>
               <a:ext uri="{C183D7F6-B498-43B3-948B-1728B52AA6E4}">
                 <adec:decorative xmlns:adec="http://schemas.microsoft.com/office/drawing/2017/decorative" val="1"/>
@@ -8810,18 +11091,18 @@
         </p:nvGrpSpPr>
         <p:grpSpPr>
           <a:xfrm>
-            <a:off x="11401725" y="6229681"/>
-            <a:ext cx="457200" cy="457200"/>
-            <a:chOff x="11361456" y="6195813"/>
-            <a:chExt cx="548640" cy="548640"/>
+            <a:off x="10245590" y="5111496"/>
+            <a:ext cx="1080904" cy="1080902"/>
+            <a:chOff x="9685338" y="4460675"/>
+            <a:chExt cx="1080904" cy="1080902"/>
           </a:xfrm>
         </p:grpSpPr>
         <p:sp>
           <p:nvSpPr>
-            <p:cNvPr id="1077" name="Oval 1076">
+            <p:cNvPr id="1098" name="Oval 1097">
               <a:extLst>
                 <a:ext uri="{FF2B5EF4-FFF2-40B4-BE49-F238E27FC236}">
-                  <a16:creationId xmlns:a16="http://schemas.microsoft.com/office/drawing/2014/main" id="{51463236-BB80-4DB9-8245-DBCBDC5F416A}"/>
+                  <a16:creationId xmlns:a16="http://schemas.microsoft.com/office/drawing/2014/main" id="{1E646914-1486-4A28-BF54-E138E8A7A2B1}"/>
                 </a:ext>
                 <a:ext uri="{C183D7F6-B498-43B3-948B-1728B52AA6E4}">
                   <adec:decorative xmlns:adec="http://schemas.microsoft.com/office/drawing/2017/decorative" val="1"/>
@@ -8839,14 +11120,14 @@
           </p:nvSpPr>
           <p:spPr>
             <a:xfrm>
-              <a:off x="11361456" y="6195813"/>
-              <a:ext cx="548640" cy="548640"/>
+              <a:off x="9685338" y="4460675"/>
+              <a:ext cx="1080904" cy="1080902"/>
             </a:xfrm>
             <a:prstGeom prst="ellipse">
               <a:avLst/>
             </a:prstGeom>
             <a:blipFill dpi="0" rotWithShape="1">
-              <a:blip r:embed="rId11">
+              <a:blip r:embed="rId5">
                 <a:duotone>
                   <a:schemeClr val="accent1">
                     <a:shade val="45000"/>
@@ -8854,23 +11135,9 @@
                   </a:schemeClr>
                   <a:prstClr val="white"/>
                 </a:duotone>
-                <a:extLst>
-                  <a:ext uri="{BEBA8EAE-BF5A-486C-A8C5-ECC9F3942E4B}">
-                    <a14:imgProps xmlns:a14="http://schemas.microsoft.com/office/drawing/2010/main">
-                      <a14:imgLayer r:embed="rId6">
-                        <a14:imgEffect>
-                          <a14:saturation sat="95000"/>
-                        </a14:imgEffect>
-                        <a14:imgEffect>
-                          <a14:brightnessContrast bright="-40000" contrast="20000"/>
-                        </a14:imgEffect>
-                      </a14:imgLayer>
-                    </a14:imgProps>
-                  </a:ext>
-                </a:extLst>
               </a:blip>
               <a:srcRect/>
-              <a:tile tx="50800" ty="0" sx="85000" sy="85000" flip="none" algn="tl"/>
+              <a:tile tx="0" ty="0" sx="85000" sy="85000" flip="none" algn="tl"/>
             </a:blipFill>
             <a:ln w="25400" cap="flat" cmpd="sng" algn="ctr">
               <a:noFill/>
@@ -8879,19 +11146,49 @@
             <a:effectLst/>
           </p:spPr>
           <p:txBody>
-            <a:bodyPr/>
+            <a:bodyPr lIns="0" tIns="0" rIns="0" bIns="0" rtlCol="0" anchor="ctr"/>
             <a:lstStyle/>
             <a:p>
-              <a:endParaRPr lang="en-US"/>
+              <a:pPr marL="0" marR="0" lvl="0" indent="0" algn="ctr" defTabSz="914400" eaLnBrk="1" fontAlgn="auto" latinLnBrk="0" hangingPunct="1">
+                <a:lnSpc>
+                  <a:spcPct val="100000"/>
+                </a:lnSpc>
+                <a:spcBef>
+                  <a:spcPts val="0"/>
+                </a:spcBef>
+                <a:spcAft>
+                  <a:spcPts val="0"/>
+                </a:spcAft>
+                <a:buClrTx/>
+                <a:buSzTx/>
+                <a:buFontTx/>
+                <a:buNone/>
+                <a:tabLst/>
+                <a:defRPr/>
+              </a:pPr>
+              <a:endParaRPr kumimoji="0" lang="en-US" sz="2000" b="0" i="0" u="none" strike="noStrike" kern="0" cap="none" spc="0" normalizeH="0" baseline="0" noProof="0" dirty="0">
+                <a:ln>
+                  <a:noFill/>
+                </a:ln>
+                <a:solidFill>
+                  <a:prstClr val="white"/>
+                </a:solidFill>
+                <a:effectLst/>
+                <a:uLnTx/>
+                <a:uFillTx/>
+                <a:latin typeface="Rockwell Extra Bold" pitchFamily="18" charset="0"/>
+                <a:ea typeface="+mn-ea"/>
+                <a:cs typeface="+mn-cs"/>
+              </a:endParaRPr>
             </a:p>
           </p:txBody>
         </p:sp>
         <p:sp>
           <p:nvSpPr>
-            <p:cNvPr id="1078" name="Oval 1077">
+            <p:cNvPr id="1099" name="Oval 1098">
               <a:extLst>
                 <a:ext uri="{FF2B5EF4-FFF2-40B4-BE49-F238E27FC236}">
-                  <a16:creationId xmlns:a16="http://schemas.microsoft.com/office/drawing/2014/main" id="{16937C89-7C40-4F2F-B1BF-21615B8E639F}"/>
+                  <a16:creationId xmlns:a16="http://schemas.microsoft.com/office/drawing/2014/main" id="{DD627D15-B201-4E06-B8F9-73B6A6D1E09F}"/>
                 </a:ext>
                 <a:ext uri="{C183D7F6-B498-43B3-948B-1728B52AA6E4}">
                   <adec:decorative xmlns:adec="http://schemas.microsoft.com/office/drawing/2017/decorative" val="1"/>
@@ -8909,26 +11206,56 @@
           </p:nvSpPr>
           <p:spPr>
             <a:xfrm>
-              <a:off x="11396488" y="6230844"/>
-              <a:ext cx="478576" cy="478578"/>
+              <a:off x="9793429" y="4568765"/>
+              <a:ext cx="864723" cy="864722"/>
             </a:xfrm>
             <a:prstGeom prst="ellipse">
               <a:avLst/>
             </a:prstGeom>
             <a:noFill/>
-            <a:ln w="12700" cap="flat" cmpd="sng" algn="ctr">
+            <a:ln w="25400" cap="flat" cmpd="sng" algn="ctr">
               <a:solidFill>
-                <a:srgbClr val="FFFFFF"/>
+                <a:sysClr val="window" lastClr="FFFFFF"/>
               </a:solidFill>
               <a:prstDash val="solid"/>
             </a:ln>
             <a:effectLst/>
           </p:spPr>
           <p:txBody>
-            <a:bodyPr/>
+            <a:bodyPr rtlCol="0" anchor="ctr"/>
             <a:lstStyle/>
             <a:p>
-              <a:endParaRPr lang="en-US"/>
+              <a:pPr marL="0" marR="0" lvl="0" indent="0" algn="ctr" defTabSz="914400" eaLnBrk="1" fontAlgn="auto" latinLnBrk="0" hangingPunct="1">
+                <a:lnSpc>
+                  <a:spcPct val="100000"/>
+                </a:lnSpc>
+                <a:spcBef>
+                  <a:spcPts val="0"/>
+                </a:spcBef>
+                <a:spcAft>
+                  <a:spcPts val="0"/>
+                </a:spcAft>
+                <a:buClrTx/>
+                <a:buSzTx/>
+                <a:buFontTx/>
+                <a:buNone/>
+                <a:tabLst/>
+                <a:defRPr/>
+              </a:pPr>
+              <a:endParaRPr kumimoji="0" lang="en-US" sz="1800" b="0" i="0" u="none" strike="noStrike" kern="0" cap="none" spc="0" normalizeH="0" baseline="0" noProof="0" dirty="0">
+                <a:ln>
+                  <a:noFill/>
+                </a:ln>
+                <a:solidFill>
+                  <a:prstClr val="white"/>
+                </a:solidFill>
+                <a:effectLst/>
+                <a:uLnTx/>
+                <a:uFillTx/>
+                <a:latin typeface="Calibri"/>
+                <a:ea typeface="+mn-ea"/>
+                <a:cs typeface="+mn-cs"/>
+              </a:endParaRPr>
             </a:p>
           </p:txBody>
         </p:sp>
@@ -8951,8 +11278,8 @@
         </p:nvSpPr>
         <p:spPr>
           <a:xfrm>
-            <a:off x="11313755" y="6272784"/>
-            <a:ext cx="640080" cy="365760"/>
+            <a:off x="10191893" y="5331907"/>
+            <a:ext cx="1193868" cy="640080"/>
           </a:xfrm>
         </p:spPr>
         <p:txBody>
@@ -8967,15 +11294,15 @@
               </a:spcAft>
             </a:pPr>
             <a:fld id="{4FAB73BC-B049-4115-A692-8D63A059BFB8}" type="slidenum">
-              <a:rPr lang="en-US" sz="1600"/>
+              <a:rPr lang="en-US" sz="2800"/>
               <a:pPr defTabSz="914400">
                 <a:spcAft>
                   <a:spcPts val="600"/>
                 </a:spcAft>
               </a:pPr>
-              <a:t>4</a:t>
+              <a:t>3</a:t>
             </a:fld>
-            <a:endParaRPr lang="en-US" sz="1600"/>
+            <a:endParaRPr lang="en-US" sz="2800"/>
           </a:p>
         </p:txBody>
       </p:sp>
@@ -9084,7 +11411,566 @@
 </p:sld>
 </file>
 
+<file path=ppt/slides/slide4.xml><?xml version="1.0" encoding="utf-8"?>
+<p:sld xmlns:a="http://schemas.openxmlformats.org/drawingml/2006/main" xmlns:r="http://schemas.openxmlformats.org/officeDocument/2006/relationships" xmlns:p="http://schemas.openxmlformats.org/presentationml/2006/main">
+  <p:cSld>
+    <p:bg>
+      <p:bgPr>
+        <a:solidFill>
+          <a:schemeClr val="bg1"/>
+        </a:solidFill>
+        <a:effectLst/>
+      </p:bgPr>
+    </p:bg>
+    <p:spTree>
+      <p:nvGrpSpPr>
+        <p:cNvPr id="1" name=""/>
+        <p:cNvGrpSpPr/>
+        <p:nvPr/>
+      </p:nvGrpSpPr>
+      <p:grpSpPr>
+        <a:xfrm>
+          <a:off x="0" y="0"/>
+          <a:ext cx="0" cy="0"/>
+          <a:chOff x="0" y="0"/>
+          <a:chExt cx="0" cy="0"/>
+        </a:xfrm>
+      </p:grpSpPr>
+      <p:sp>
+        <p:nvSpPr>
+          <p:cNvPr id="2" name="Title 1">
+            <a:extLst>
+              <a:ext uri="{FF2B5EF4-FFF2-40B4-BE49-F238E27FC236}">
+                <a16:creationId xmlns:a16="http://schemas.microsoft.com/office/drawing/2014/main" id="{23F6D5E8-15CF-4755-910B-1B5A1E777357}"/>
+              </a:ext>
+            </a:extLst>
+          </p:cNvPr>
+          <p:cNvSpPr>
+            <a:spLocks noGrp="1"/>
+          </p:cNvSpPr>
+          <p:nvPr>
+            <p:ph type="title"/>
+          </p:nvPr>
+        </p:nvSpPr>
+        <p:spPr>
+          <a:xfrm>
+            <a:off x="1069848" y="484632"/>
+            <a:ext cx="10058400" cy="1609344"/>
+          </a:xfrm>
+        </p:spPr>
+        <p:txBody>
+          <a:bodyPr>
+            <a:normAutofit/>
+          </a:bodyPr>
+          <a:lstStyle/>
+          <a:p>
+            <a:r>
+              <a:rPr lang="en-US"/>
+              <a:t>Personalized Recommendation Algorithm</a:t>
+            </a:r>
+            <a:endParaRPr lang="en-US" dirty="0"/>
+          </a:p>
+        </p:txBody>
+      </p:sp>
+      <p:sp>
+        <p:nvSpPr>
+          <p:cNvPr id="18" name="Rectangle 17">
+            <a:extLst>
+              <a:ext uri="{FF2B5EF4-FFF2-40B4-BE49-F238E27FC236}">
+                <a16:creationId xmlns:a16="http://schemas.microsoft.com/office/drawing/2014/main" id="{3FD711E9-7F79-40A9-8D9E-4AE293C154A5}"/>
+              </a:ext>
+              <a:ext uri="{C183D7F6-B498-43B3-948B-1728B52AA6E4}">
+                <adec:decorative xmlns:adec="http://schemas.microsoft.com/office/drawing/2017/decorative" val="1"/>
+              </a:ext>
+            </a:extLst>
+          </p:cNvPr>
+          <p:cNvSpPr>
+            <a:spLocks noGrp="1" noRot="1" noChangeAspect="1" noMove="1" noResize="1" noEditPoints="1" noAdjustHandles="1" noChangeArrowheads="1" noChangeShapeType="1" noTextEdit="1"/>
+          </p:cNvSpPr>
+          <p:nvPr>
+            <p:extLst>
+              <p:ext uri="{386F3935-93C4-4BCD-93E2-E3B085C9AB24}">
+                <p16:designElem xmlns:p16="http://schemas.microsoft.com/office/powerpoint/2015/main" val="1"/>
+              </p:ext>
+            </p:extLst>
+          </p:nvPr>
+        </p:nvSpPr>
+        <p:spPr>
+          <a:xfrm>
+            <a:off x="1066800" y="2013293"/>
+            <a:ext cx="10058400" cy="80683"/>
+          </a:xfrm>
+          <a:prstGeom prst="rect">
+            <a:avLst/>
+          </a:prstGeom>
+          <a:blipFill dpi="0" rotWithShape="1">
+            <a:blip r:embed="rId3">
+              <a:alphaModFix amt="85000"/>
+              <a:lum bright="70000" contrast="-70000"/>
+              <a:extLst>
+                <a:ext uri="{BEBA8EAE-BF5A-486C-A8C5-ECC9F3942E4B}">
+                  <a14:imgProps xmlns:a14="http://schemas.microsoft.com/office/drawing/2010/main">
+                    <a14:imgLayer r:embed="rId4">
+                      <a14:imgEffect>
+                        <a14:sharpenSoften amount="61000"/>
+                      </a14:imgEffect>
+                    </a14:imgLayer>
+                  </a14:imgProps>
+                </a:ext>
+                <a:ext uri="{28A0092B-C50C-407E-A947-70E740481C1C}">
+                  <a14:useLocalDpi xmlns:a14="http://schemas.microsoft.com/office/drawing/2010/main" val="0"/>
+                </a:ext>
+              </a:extLst>
+            </a:blip>
+            <a:srcRect/>
+            <a:tile tx="0" ty="-762000" sx="92000" sy="89000" flip="xy" algn="ctr"/>
+          </a:blipFill>
+          <a:ln>
+            <a:noFill/>
+          </a:ln>
+        </p:spPr>
+        <p:style>
+          <a:lnRef idx="2">
+            <a:schemeClr val="accent1">
+              <a:shade val="50000"/>
+            </a:schemeClr>
+          </a:lnRef>
+          <a:fillRef idx="1">
+            <a:schemeClr val="accent1"/>
+          </a:fillRef>
+          <a:effectRef idx="0">
+            <a:schemeClr val="accent1"/>
+          </a:effectRef>
+          <a:fontRef idx="minor">
+            <a:schemeClr val="lt1"/>
+          </a:fontRef>
+        </p:style>
+        <p:txBody>
+          <a:bodyPr rtlCol="0" anchor="ctr"/>
+          <a:lstStyle/>
+          <a:p>
+            <a:pPr algn="ctr"/>
+            <a:endParaRPr lang="en-US" dirty="0"/>
+          </a:p>
+        </p:txBody>
+      </p:sp>
+      <p:sp>
+        <p:nvSpPr>
+          <p:cNvPr id="3" name="Slide Number Placeholder 2">
+            <a:extLst>
+              <a:ext uri="{FF2B5EF4-FFF2-40B4-BE49-F238E27FC236}">
+                <a16:creationId xmlns:a16="http://schemas.microsoft.com/office/drawing/2014/main" id="{9B12268D-E54B-4D47-B9B1-5A86B64C66E2}"/>
+              </a:ext>
+            </a:extLst>
+          </p:cNvPr>
+          <p:cNvSpPr>
+            <a:spLocks noGrp="1"/>
+          </p:cNvSpPr>
+          <p:nvPr>
+            <p:ph type="sldNum" sz="quarter" idx="12"/>
+          </p:nvPr>
+        </p:nvSpPr>
+        <p:spPr>
+          <a:xfrm>
+            <a:off x="11311128" y="6272784"/>
+            <a:ext cx="640080" cy="365125"/>
+          </a:xfrm>
+        </p:spPr>
+        <p:txBody>
+          <a:bodyPr>
+            <a:normAutofit/>
+          </a:bodyPr>
+          <a:lstStyle/>
+          <a:p>
+            <a:pPr>
+              <a:spcAft>
+                <a:spcPts val="600"/>
+              </a:spcAft>
+            </a:pPr>
+            <a:fld id="{4FAB73BC-B049-4115-A692-8D63A059BFB8}" type="slidenum">
+              <a:rPr lang="en-US" smtClean="0"/>
+              <a:pPr>
+                <a:spcAft>
+                  <a:spcPts val="600"/>
+                </a:spcAft>
+              </a:pPr>
+              <a:t>4</a:t>
+            </a:fld>
+            <a:endParaRPr lang="en-US" dirty="0"/>
+          </a:p>
+        </p:txBody>
+      </p:sp>
+      <p:sp>
+        <p:nvSpPr>
+          <p:cNvPr id="5" name="Content Placeholder 4">
+            <a:extLst>
+              <a:ext uri="{FF2B5EF4-FFF2-40B4-BE49-F238E27FC236}">
+                <a16:creationId xmlns:a16="http://schemas.microsoft.com/office/drawing/2014/main" id="{E240C9A6-1E20-B239-D4ED-BDF928EB0C10}"/>
+              </a:ext>
+            </a:extLst>
+          </p:cNvPr>
+          <p:cNvSpPr>
+            <a:spLocks noGrp="1"/>
+          </p:cNvSpPr>
+          <p:nvPr>
+            <p:ph idx="1"/>
+          </p:nvPr>
+        </p:nvSpPr>
+        <p:spPr>
+          <a:xfrm>
+            <a:off x="1069847" y="2121407"/>
+            <a:ext cx="10881361" cy="4516501"/>
+          </a:xfrm>
+        </p:spPr>
+        <p:txBody>
+          <a:bodyPr>
+            <a:normAutofit/>
+          </a:bodyPr>
+          <a:lstStyle/>
+          <a:p>
+            <a:pPr marL="0" indent="0">
+              <a:buNone/>
+            </a:pPr>
+            <a:r>
+              <a:rPr lang="en-US" sz="3200" dirty="0"/>
+              <a:t>Key Features</a:t>
+            </a:r>
+            <a:endParaRPr lang="en-US" dirty="0"/>
+          </a:p>
+          <a:p>
+            <a:r>
+              <a:rPr lang="en-US" dirty="0"/>
+              <a:t>Seamless Integration: Project </a:t>
+            </a:r>
+            <a:r>
+              <a:rPr lang="en-US" dirty="0" err="1"/>
+              <a:t>Nutrino</a:t>
+            </a:r>
+            <a:r>
+              <a:rPr lang="en-US" dirty="0"/>
+              <a:t> integrates with popular food delivery apps, ensuring a smooth user experience. </a:t>
+            </a:r>
+          </a:p>
+          <a:p>
+            <a:pPr lvl="1">
+              <a:buFont typeface="Wingdings" panose="05000000000000000000" pitchFamily="2" charset="2"/>
+              <a:buChar char="Ø"/>
+            </a:pPr>
+            <a:r>
+              <a:rPr lang="en-US" dirty="0"/>
+              <a:t>Live App APIs</a:t>
+            </a:r>
+          </a:p>
+          <a:p>
+            <a:r>
+              <a:rPr lang="en-US" dirty="0"/>
+              <a:t>Personalized Recommendations: Project </a:t>
+            </a:r>
+            <a:r>
+              <a:rPr lang="en-US" dirty="0" err="1"/>
+              <a:t>Nutrino</a:t>
+            </a:r>
+            <a:r>
+              <a:rPr lang="en-US" dirty="0"/>
+              <a:t> suggests healthier alternatives based on your dietary preferences, nutritional goals and macro-nutrient requirements.</a:t>
+            </a:r>
+          </a:p>
+          <a:p>
+            <a:pPr lvl="1">
+              <a:buFont typeface="Wingdings" panose="05000000000000000000" pitchFamily="2" charset="2"/>
+              <a:buChar char="Ø"/>
+            </a:pPr>
+            <a:r>
+              <a:rPr lang="en-US" dirty="0"/>
+              <a:t>Combination of K-Nearest Neighbors and Point Distances</a:t>
+            </a:r>
+          </a:p>
+          <a:p>
+            <a:pPr lvl="1">
+              <a:buFont typeface="Wingdings" panose="05000000000000000000" pitchFamily="2" charset="2"/>
+              <a:buChar char="Ø"/>
+            </a:pPr>
+            <a:endParaRPr lang="en-US" dirty="0"/>
+          </a:p>
+        </p:txBody>
+      </p:sp>
+      <p:pic>
+        <p:nvPicPr>
+          <p:cNvPr id="6" name="Picture 5">
+            <a:extLst>
+              <a:ext uri="{FF2B5EF4-FFF2-40B4-BE49-F238E27FC236}">
+                <a16:creationId xmlns:a16="http://schemas.microsoft.com/office/drawing/2014/main" id="{44A5410B-6938-0930-07A3-91E12B479607}"/>
+              </a:ext>
+            </a:extLst>
+          </p:cNvPr>
+          <p:cNvPicPr>
+            <a:picLocks noChangeAspect="1"/>
+          </p:cNvPicPr>
+          <p:nvPr/>
+        </p:nvPicPr>
+        <p:blipFill>
+          <a:blip r:embed="rId5"/>
+          <a:stretch>
+            <a:fillRect/>
+          </a:stretch>
+        </p:blipFill>
+        <p:spPr>
+          <a:xfrm>
+            <a:off x="1464944" y="4608624"/>
+            <a:ext cx="9262111" cy="2029284"/>
+          </a:xfrm>
+          <a:prstGeom prst="rect">
+            <a:avLst/>
+          </a:prstGeom>
+        </p:spPr>
+      </p:pic>
+    </p:spTree>
+    <p:extLst>
+      <p:ext uri="{BB962C8B-B14F-4D97-AF65-F5344CB8AC3E}">
+        <p14:creationId xmlns:p14="http://schemas.microsoft.com/office/powerpoint/2010/main" val="1463734809"/>
+      </p:ext>
+    </p:extLst>
+  </p:cSld>
+  <p:clrMapOvr>
+    <a:masterClrMapping/>
+  </p:clrMapOvr>
+</p:sld>
+</file>
+
 <file path=ppt/slides/slide5.xml><?xml version="1.0" encoding="utf-8"?>
+<p:sld xmlns:a="http://schemas.openxmlformats.org/drawingml/2006/main" xmlns:r="http://schemas.openxmlformats.org/officeDocument/2006/relationships" xmlns:p="http://schemas.openxmlformats.org/presentationml/2006/main">
+  <p:cSld>
+    <p:bg>
+      <p:bgPr>
+        <a:solidFill>
+          <a:schemeClr val="bg1"/>
+        </a:solidFill>
+        <a:effectLst/>
+      </p:bgPr>
+    </p:bg>
+    <p:spTree>
+      <p:nvGrpSpPr>
+        <p:cNvPr id="1" name=""/>
+        <p:cNvGrpSpPr/>
+        <p:nvPr/>
+      </p:nvGrpSpPr>
+      <p:grpSpPr>
+        <a:xfrm>
+          <a:off x="0" y="0"/>
+          <a:ext cx="0" cy="0"/>
+          <a:chOff x="0" y="0"/>
+          <a:chExt cx="0" cy="0"/>
+        </a:xfrm>
+      </p:grpSpPr>
+      <p:sp>
+        <p:nvSpPr>
+          <p:cNvPr id="2" name="Title 1">
+            <a:extLst>
+              <a:ext uri="{FF2B5EF4-FFF2-40B4-BE49-F238E27FC236}">
+                <a16:creationId xmlns:a16="http://schemas.microsoft.com/office/drawing/2014/main" id="{5F057117-9275-667D-F92A-3E27E7E910BE}"/>
+              </a:ext>
+            </a:extLst>
+          </p:cNvPr>
+          <p:cNvSpPr>
+            <a:spLocks noGrp="1"/>
+          </p:cNvSpPr>
+          <p:nvPr>
+            <p:ph type="title"/>
+          </p:nvPr>
+        </p:nvSpPr>
+        <p:spPr>
+          <a:xfrm>
+            <a:off x="1069848" y="484632"/>
+            <a:ext cx="10058400" cy="1609344"/>
+          </a:xfrm>
+        </p:spPr>
+        <p:txBody>
+          <a:bodyPr>
+            <a:normAutofit/>
+          </a:bodyPr>
+          <a:lstStyle/>
+          <a:p>
+            <a:r>
+              <a:rPr lang="en-US"/>
+              <a:t>The Impact</a:t>
+            </a:r>
+            <a:endParaRPr lang="en-US" dirty="0"/>
+          </a:p>
+        </p:txBody>
+      </p:sp>
+      <p:sp>
+        <p:nvSpPr>
+          <p:cNvPr id="23" name="Rectangle 22">
+            <a:extLst>
+              <a:ext uri="{FF2B5EF4-FFF2-40B4-BE49-F238E27FC236}">
+                <a16:creationId xmlns:a16="http://schemas.microsoft.com/office/drawing/2014/main" id="{3FD711E9-7F79-40A9-8D9E-4AE293C154A5}"/>
+              </a:ext>
+              <a:ext uri="{C183D7F6-B498-43B3-948B-1728B52AA6E4}">
+                <adec:decorative xmlns:adec="http://schemas.microsoft.com/office/drawing/2017/decorative" val="1"/>
+              </a:ext>
+            </a:extLst>
+          </p:cNvPr>
+          <p:cNvSpPr>
+            <a:spLocks noGrp="1" noRot="1" noChangeAspect="1" noMove="1" noResize="1" noEditPoints="1" noAdjustHandles="1" noChangeArrowheads="1" noChangeShapeType="1" noTextEdit="1"/>
+          </p:cNvSpPr>
+          <p:nvPr>
+            <p:extLst>
+              <p:ext uri="{386F3935-93C4-4BCD-93E2-E3B085C9AB24}">
+                <p16:designElem xmlns:p16="http://schemas.microsoft.com/office/powerpoint/2015/main" val="1"/>
+              </p:ext>
+            </p:extLst>
+          </p:nvPr>
+        </p:nvSpPr>
+        <p:spPr>
+          <a:xfrm>
+            <a:off x="1066800" y="2013293"/>
+            <a:ext cx="10058400" cy="80683"/>
+          </a:xfrm>
+          <a:prstGeom prst="rect">
+            <a:avLst/>
+          </a:prstGeom>
+          <a:blipFill dpi="0" rotWithShape="1">
+            <a:blip r:embed="rId3">
+              <a:alphaModFix amt="85000"/>
+              <a:lum bright="70000" contrast="-70000"/>
+              <a:extLst>
+                <a:ext uri="{BEBA8EAE-BF5A-486C-A8C5-ECC9F3942E4B}">
+                  <a14:imgProps xmlns:a14="http://schemas.microsoft.com/office/drawing/2010/main">
+                    <a14:imgLayer r:embed="rId4">
+                      <a14:imgEffect>
+                        <a14:sharpenSoften amount="61000"/>
+                      </a14:imgEffect>
+                    </a14:imgLayer>
+                  </a14:imgProps>
+                </a:ext>
+                <a:ext uri="{28A0092B-C50C-407E-A947-70E740481C1C}">
+                  <a14:useLocalDpi xmlns:a14="http://schemas.microsoft.com/office/drawing/2010/main" val="0"/>
+                </a:ext>
+              </a:extLst>
+            </a:blip>
+            <a:srcRect/>
+            <a:tile tx="0" ty="-762000" sx="92000" sy="89000" flip="xy" algn="ctr"/>
+          </a:blipFill>
+          <a:ln>
+            <a:noFill/>
+          </a:ln>
+        </p:spPr>
+        <p:style>
+          <a:lnRef idx="2">
+            <a:schemeClr val="accent1">
+              <a:shade val="50000"/>
+            </a:schemeClr>
+          </a:lnRef>
+          <a:fillRef idx="1">
+            <a:schemeClr val="accent1"/>
+          </a:fillRef>
+          <a:effectRef idx="0">
+            <a:schemeClr val="accent1"/>
+          </a:effectRef>
+          <a:fontRef idx="minor">
+            <a:schemeClr val="lt1"/>
+          </a:fontRef>
+        </p:style>
+        <p:txBody>
+          <a:bodyPr rtlCol="0" anchor="ctr"/>
+          <a:lstStyle/>
+          <a:p>
+            <a:pPr algn="ctr"/>
+            <a:endParaRPr lang="en-US"/>
+          </a:p>
+        </p:txBody>
+      </p:sp>
+      <p:sp>
+        <p:nvSpPr>
+          <p:cNvPr id="4" name="Slide Number Placeholder 3">
+            <a:extLst>
+              <a:ext uri="{FF2B5EF4-FFF2-40B4-BE49-F238E27FC236}">
+                <a16:creationId xmlns:a16="http://schemas.microsoft.com/office/drawing/2014/main" id="{DFF68ECE-F615-58F3-17B9-CFEB6B62D8E5}"/>
+              </a:ext>
+            </a:extLst>
+          </p:cNvPr>
+          <p:cNvSpPr>
+            <a:spLocks noGrp="1"/>
+          </p:cNvSpPr>
+          <p:nvPr>
+            <p:ph type="sldNum" sz="quarter" idx="12"/>
+          </p:nvPr>
+        </p:nvSpPr>
+        <p:spPr>
+          <a:xfrm>
+            <a:off x="11311128" y="6272784"/>
+            <a:ext cx="640080" cy="365125"/>
+          </a:xfrm>
+        </p:spPr>
+        <p:txBody>
+          <a:bodyPr>
+            <a:normAutofit/>
+          </a:bodyPr>
+          <a:lstStyle/>
+          <a:p>
+            <a:pPr>
+              <a:spcAft>
+                <a:spcPts val="600"/>
+              </a:spcAft>
+            </a:pPr>
+            <a:fld id="{4FAB73BC-B049-4115-A692-8D63A059BFB8}" type="slidenum">
+              <a:rPr lang="en-US" smtClean="0"/>
+              <a:pPr>
+                <a:spcAft>
+                  <a:spcPts val="600"/>
+                </a:spcAft>
+              </a:pPr>
+              <a:t>5</a:t>
+            </a:fld>
+            <a:endParaRPr lang="en-US"/>
+          </a:p>
+        </p:txBody>
+      </p:sp>
+      <p:graphicFrame>
+        <p:nvGraphicFramePr>
+          <p:cNvPr id="18" name="Content Placeholder 2">
+            <a:extLst>
+              <a:ext uri="{FF2B5EF4-FFF2-40B4-BE49-F238E27FC236}">
+                <a16:creationId xmlns:a16="http://schemas.microsoft.com/office/drawing/2014/main" id="{466B86D5-3628-C438-D342-05749C14CCAD}"/>
+              </a:ext>
+            </a:extLst>
+          </p:cNvPr>
+          <p:cNvGraphicFramePr>
+            <a:graphicFrameLocks noGrp="1"/>
+          </p:cNvGraphicFramePr>
+          <p:nvPr>
+            <p:ph idx="1"/>
+            <p:extLst>
+              <p:ext uri="{D42A27DB-BD31-4B8C-83A1-F6EECF244321}">
+                <p14:modId xmlns:p14="http://schemas.microsoft.com/office/powerpoint/2010/main" val="1512560436"/>
+              </p:ext>
+            </p:extLst>
+          </p:nvPr>
+        </p:nvGraphicFramePr>
+        <p:xfrm>
+          <a:off x="1069975" y="2385390"/>
+          <a:ext cx="10058400" cy="3617845"/>
+        </p:xfrm>
+        <a:graphic>
+          <a:graphicData uri="http://schemas.openxmlformats.org/drawingml/2006/diagram">
+            <dgm:relIds xmlns:dgm="http://schemas.openxmlformats.org/drawingml/2006/diagram" xmlns:r="http://schemas.openxmlformats.org/officeDocument/2006/relationships" r:dm="rId5" r:lo="rId6" r:qs="rId7" r:cs="rId8"/>
+          </a:graphicData>
+        </a:graphic>
+      </p:graphicFrame>
+    </p:spTree>
+    <p:extLst>
+      <p:ext uri="{BB962C8B-B14F-4D97-AF65-F5344CB8AC3E}">
+        <p14:creationId xmlns:p14="http://schemas.microsoft.com/office/powerpoint/2010/main" val="3804208163"/>
+      </p:ext>
+    </p:extLst>
+  </p:cSld>
+  <p:clrMapOvr>
+    <a:masterClrMapping/>
+  </p:clrMapOvr>
+</p:sld>
+</file>
+
+<file path=ppt/slides/slide6.xml><?xml version="1.0" encoding="utf-8"?>
 <p:sld xmlns:a="http://schemas.openxmlformats.org/drawingml/2006/main" xmlns:r="http://schemas.openxmlformats.org/officeDocument/2006/relationships" xmlns:p="http://schemas.openxmlformats.org/presentationml/2006/main">
   <p:cSld>
     <p:bg>
@@ -9397,7 +12283,7 @@
                   <a:srgbClr val="FFFFFF"/>
                 </a:solidFill>
               </a:rPr>
-              <a:t>Thank you! Questions?</a:t>
+              <a:t>Next Steps!</a:t>
             </a:r>
           </a:p>
         </p:txBody>
@@ -9406,6 +12292,337 @@
     <p:extLst>
       <p:ext uri="{BB962C8B-B14F-4D97-AF65-F5344CB8AC3E}">
         <p14:creationId xmlns:p14="http://schemas.microsoft.com/office/powerpoint/2010/main" val="256556608"/>
+      </p:ext>
+    </p:extLst>
+  </p:cSld>
+  <p:clrMapOvr>
+    <a:masterClrMapping/>
+  </p:clrMapOvr>
+</p:sld>
+</file>
+
+<file path=ppt/slides/slide7.xml><?xml version="1.0" encoding="utf-8"?>
+<p:sld xmlns:a="http://schemas.openxmlformats.org/drawingml/2006/main" xmlns:r="http://schemas.openxmlformats.org/officeDocument/2006/relationships" xmlns:p="http://schemas.openxmlformats.org/presentationml/2006/main">
+  <p:cSld>
+    <p:bg>
+      <p:bgPr>
+        <a:solidFill>
+          <a:schemeClr val="bg1"/>
+        </a:solidFill>
+        <a:effectLst/>
+      </p:bgPr>
+    </p:bg>
+    <p:spTree>
+      <p:nvGrpSpPr>
+        <p:cNvPr id="1" name=""/>
+        <p:cNvGrpSpPr/>
+        <p:nvPr/>
+      </p:nvGrpSpPr>
+      <p:grpSpPr>
+        <a:xfrm>
+          <a:off x="0" y="0"/>
+          <a:ext cx="0" cy="0"/>
+          <a:chOff x="0" y="0"/>
+          <a:chExt cx="0" cy="0"/>
+        </a:xfrm>
+      </p:grpSpPr>
+      <p:sp>
+        <p:nvSpPr>
+          <p:cNvPr id="10" name="Rectangle 9">
+            <a:extLst>
+              <a:ext uri="{FF2B5EF4-FFF2-40B4-BE49-F238E27FC236}">
+                <a16:creationId xmlns:a16="http://schemas.microsoft.com/office/drawing/2014/main" id="{5C28659E-412C-4600-B45E-BAE370BC24B9}"/>
+              </a:ext>
+              <a:ext uri="{C183D7F6-B498-43B3-948B-1728B52AA6E4}">
+                <adec:decorative xmlns:adec="http://schemas.microsoft.com/office/drawing/2017/decorative" val="1"/>
+              </a:ext>
+            </a:extLst>
+          </p:cNvPr>
+          <p:cNvSpPr>
+            <a:spLocks noGrp="1" noRot="1" noChangeAspect="1" noMove="1" noResize="1" noEditPoints="1" noAdjustHandles="1" noChangeArrowheads="1" noChangeShapeType="1" noTextEdit="1"/>
+          </p:cNvSpPr>
+          <p:nvPr>
+            <p:extLst>
+              <p:ext uri="{386F3935-93C4-4BCD-93E2-E3B085C9AB24}">
+                <p16:designElem xmlns:p16="http://schemas.microsoft.com/office/powerpoint/2015/main" val="1"/>
+              </p:ext>
+            </p:extLst>
+          </p:nvPr>
+        </p:nvSpPr>
+        <p:spPr>
+          <a:xfrm>
+            <a:off x="0" y="-1"/>
+            <a:ext cx="12192000" cy="6858001"/>
+          </a:xfrm>
+          <a:prstGeom prst="rect">
+            <a:avLst/>
+          </a:prstGeom>
+          <a:solidFill>
+            <a:schemeClr val="bg1"/>
+          </a:solidFill>
+          <a:ln>
+            <a:noFill/>
+          </a:ln>
+        </p:spPr>
+        <p:style>
+          <a:lnRef idx="2">
+            <a:schemeClr val="accent1">
+              <a:shade val="50000"/>
+            </a:schemeClr>
+          </a:lnRef>
+          <a:fillRef idx="1">
+            <a:schemeClr val="accent1"/>
+          </a:fillRef>
+          <a:effectRef idx="0">
+            <a:schemeClr val="accent1"/>
+          </a:effectRef>
+          <a:fontRef idx="minor">
+            <a:schemeClr val="lt1"/>
+          </a:fontRef>
+        </p:style>
+        <p:txBody>
+          <a:bodyPr rtlCol="0" anchor="ctr"/>
+          <a:lstStyle/>
+          <a:p>
+            <a:pPr algn="ctr"/>
+            <a:endParaRPr lang="en-US" dirty="0"/>
+          </a:p>
+        </p:txBody>
+      </p:sp>
+      <p:pic>
+        <p:nvPicPr>
+          <p:cNvPr id="5" name="Picture 4" descr="Avocados and peppers on a cutting board">
+            <a:extLst>
+              <a:ext uri="{FF2B5EF4-FFF2-40B4-BE49-F238E27FC236}">
+                <a16:creationId xmlns:a16="http://schemas.microsoft.com/office/drawing/2014/main" id="{92C4C2DA-90B8-3144-9F35-4567B5280199}"/>
+              </a:ext>
+            </a:extLst>
+          </p:cNvPr>
+          <p:cNvPicPr>
+            <a:picLocks noChangeAspect="1"/>
+          </p:cNvPicPr>
+          <p:nvPr/>
+        </p:nvPicPr>
+        <p:blipFill rotWithShape="1">
+          <a:blip r:embed="rId3">
+            <a:extLst>
+              <a:ext uri="{28A0092B-C50C-407E-A947-70E740481C1C}">
+                <a14:useLocalDpi xmlns:a14="http://schemas.microsoft.com/office/drawing/2010/main" val="0"/>
+              </a:ext>
+            </a:extLst>
+          </a:blip>
+          <a:srcRect/>
+          <a:stretch/>
+        </p:blipFill>
+        <p:spPr>
+          <a:xfrm>
+            <a:off x="20" y="10"/>
+            <a:ext cx="12191980" cy="6857989"/>
+          </a:xfrm>
+          <a:prstGeom prst="rect">
+            <a:avLst/>
+          </a:prstGeom>
+        </p:spPr>
+      </p:pic>
+      <p:sp>
+        <p:nvSpPr>
+          <p:cNvPr id="12" name="Rectangle 11">
+            <a:extLst>
+              <a:ext uri="{FF2B5EF4-FFF2-40B4-BE49-F238E27FC236}">
+                <a16:creationId xmlns:a16="http://schemas.microsoft.com/office/drawing/2014/main" id="{AE95896B-6905-4618-A7DF-DED8A61FBC83}"/>
+              </a:ext>
+              <a:ext uri="{C183D7F6-B498-43B3-948B-1728B52AA6E4}">
+                <adec:decorative xmlns:adec="http://schemas.microsoft.com/office/drawing/2017/decorative" val="1"/>
+              </a:ext>
+            </a:extLst>
+          </p:cNvPr>
+          <p:cNvSpPr>
+            <a:spLocks noGrp="1" noRot="1" noChangeAspect="1" noMove="1" noResize="1" noEditPoints="1" noAdjustHandles="1" noChangeArrowheads="1" noChangeShapeType="1" noTextEdit="1"/>
+          </p:cNvSpPr>
+          <p:nvPr>
+            <p:extLst>
+              <p:ext uri="{386F3935-93C4-4BCD-93E2-E3B085C9AB24}">
+                <p16:designElem xmlns:p16="http://schemas.microsoft.com/office/powerpoint/2015/main" val="1"/>
+              </p:ext>
+            </p:extLst>
+          </p:nvPr>
+        </p:nvSpPr>
+        <p:spPr>
+          <a:xfrm>
+            <a:off x="0" y="1"/>
+            <a:ext cx="12192000" cy="6857999"/>
+          </a:xfrm>
+          <a:prstGeom prst="rect">
+            <a:avLst/>
+          </a:prstGeom>
+          <a:solidFill>
+            <a:schemeClr val="tx1">
+              <a:alpha val="20000"/>
+            </a:schemeClr>
+          </a:solidFill>
+          <a:ln>
+            <a:noFill/>
+          </a:ln>
+        </p:spPr>
+        <p:style>
+          <a:lnRef idx="2">
+            <a:schemeClr val="accent1">
+              <a:shade val="50000"/>
+            </a:schemeClr>
+          </a:lnRef>
+          <a:fillRef idx="1">
+            <a:schemeClr val="accent1"/>
+          </a:fillRef>
+          <a:effectRef idx="0">
+            <a:schemeClr val="accent1"/>
+          </a:effectRef>
+          <a:fontRef idx="minor">
+            <a:schemeClr val="lt1"/>
+          </a:fontRef>
+        </p:style>
+        <p:txBody>
+          <a:bodyPr rtlCol="0" anchor="ctr"/>
+          <a:lstStyle/>
+          <a:p>
+            <a:pPr algn="ctr"/>
+            <a:endParaRPr lang="en-US" dirty="0"/>
+          </a:p>
+        </p:txBody>
+      </p:sp>
+      <p:sp>
+        <p:nvSpPr>
+          <p:cNvPr id="14" name="Rectangle 13">
+            <a:extLst>
+              <a:ext uri="{FF2B5EF4-FFF2-40B4-BE49-F238E27FC236}">
+                <a16:creationId xmlns:a16="http://schemas.microsoft.com/office/drawing/2014/main" id="{7748BD8C-4984-4138-94CA-2DC5F39DC379}"/>
+              </a:ext>
+              <a:ext uri="{C183D7F6-B498-43B3-948B-1728B52AA6E4}">
+                <adec:decorative xmlns:adec="http://schemas.microsoft.com/office/drawing/2017/decorative" val="1"/>
+              </a:ext>
+            </a:extLst>
+          </p:cNvPr>
+          <p:cNvSpPr>
+            <a:spLocks noGrp="1" noRot="1" noChangeAspect="1" noMove="1" noResize="1" noEditPoints="1" noAdjustHandles="1" noChangeArrowheads="1" noChangeShapeType="1" noTextEdit="1"/>
+          </p:cNvSpPr>
+          <p:nvPr>
+            <p:extLst>
+              <p:ext uri="{386F3935-93C4-4BCD-93E2-E3B085C9AB24}">
+                <p16:designElem xmlns:p16="http://schemas.microsoft.com/office/powerpoint/2015/main" val="1"/>
+              </p:ext>
+            </p:extLst>
+          </p:nvPr>
+        </p:nvSpPr>
+        <p:spPr>
+          <a:xfrm>
+            <a:off x="1524" y="0"/>
+            <a:ext cx="12188952" cy="6858000"/>
+          </a:xfrm>
+          <a:prstGeom prst="rect">
+            <a:avLst/>
+          </a:prstGeom>
+          <a:blipFill dpi="0" rotWithShape="1">
+            <a:blip r:embed="rId4">
+              <a:alphaModFix amt="30000"/>
+              <a:duotone>
+                <a:prstClr val="black"/>
+                <a:schemeClr val="accent1">
+                  <a:tint val="45000"/>
+                  <a:satMod val="400000"/>
+                </a:schemeClr>
+              </a:duotone>
+              <a:extLst>
+                <a:ext uri="{BEBA8EAE-BF5A-486C-A8C5-ECC9F3942E4B}">
+                  <a14:imgProps xmlns:a14="http://schemas.microsoft.com/office/drawing/2010/main">
+                    <a14:imgLayer r:embed="rId5">
+                      <a14:imgEffect>
+                        <a14:sharpenSoften amount="61000"/>
+                      </a14:imgEffect>
+                      <a14:imgEffect>
+                        <a14:brightnessContrast bright="-25000" contrast="20000"/>
+                      </a14:imgEffect>
+                    </a14:imgLayer>
+                  </a14:imgProps>
+                </a:ext>
+                <a:ext uri="{28A0092B-C50C-407E-A947-70E740481C1C}">
+                  <a14:useLocalDpi xmlns:a14="http://schemas.microsoft.com/office/drawing/2010/main" val="0"/>
+                </a:ext>
+              </a:extLst>
+            </a:blip>
+            <a:srcRect/>
+            <a:tile tx="0" ty="-762000" sx="92000" sy="89000" flip="xy" algn="ctr"/>
+          </a:blipFill>
+          <a:ln>
+            <a:noFill/>
+          </a:ln>
+        </p:spPr>
+        <p:style>
+          <a:lnRef idx="2">
+            <a:schemeClr val="accent1">
+              <a:shade val="50000"/>
+            </a:schemeClr>
+          </a:lnRef>
+          <a:fillRef idx="1">
+            <a:schemeClr val="accent1"/>
+          </a:fillRef>
+          <a:effectRef idx="0">
+            <a:schemeClr val="accent1"/>
+          </a:effectRef>
+          <a:fontRef idx="minor">
+            <a:schemeClr val="lt1"/>
+          </a:fontRef>
+        </p:style>
+        <p:txBody>
+          <a:bodyPr rtlCol="0" anchor="ctr"/>
+          <a:lstStyle/>
+          <a:p>
+            <a:pPr algn="ctr"/>
+            <a:endParaRPr lang="en-US" dirty="0"/>
+          </a:p>
+        </p:txBody>
+      </p:sp>
+      <p:sp>
+        <p:nvSpPr>
+          <p:cNvPr id="2" name="Title 1">
+            <a:extLst>
+              <a:ext uri="{FF2B5EF4-FFF2-40B4-BE49-F238E27FC236}">
+                <a16:creationId xmlns:a16="http://schemas.microsoft.com/office/drawing/2014/main" id="{A5C93519-6B29-1346-9FCB-0835B80531A4}"/>
+              </a:ext>
+            </a:extLst>
+          </p:cNvPr>
+          <p:cNvSpPr>
+            <a:spLocks noGrp="1"/>
+          </p:cNvSpPr>
+          <p:nvPr>
+            <p:ph type="ctrTitle"/>
+          </p:nvPr>
+        </p:nvSpPr>
+        <p:spPr>
+          <a:xfrm>
+            <a:off x="1051560" y="1432223"/>
+            <a:ext cx="9966960" cy="3035808"/>
+          </a:xfrm>
+        </p:spPr>
+        <p:txBody>
+          <a:bodyPr anchor="b">
+            <a:normAutofit/>
+          </a:bodyPr>
+          <a:lstStyle/>
+          <a:p>
+            <a:r>
+              <a:rPr lang="en-US" dirty="0">
+                <a:solidFill>
+                  <a:srgbClr val="FFFFFF"/>
+                </a:solidFill>
+              </a:rPr>
+              <a:t>Thank you! Questions?</a:t>
+            </a:r>
+          </a:p>
+        </p:txBody>
+      </p:sp>
+    </p:spTree>
+    <p:extLst>
+      <p:ext uri="{BB962C8B-B14F-4D97-AF65-F5344CB8AC3E}">
+        <p14:creationId xmlns:p14="http://schemas.microsoft.com/office/powerpoint/2010/main" val="2043765083"/>
       </p:ext>
     </p:extLst>
   </p:cSld>
@@ -10235,6 +13452,15 @@
 </file>
 
 <file path=customXml/item1.xml><?xml version="1.0" encoding="utf-8"?>
+<?mso-contentType ?>
+<FormTemplates xmlns="http://schemas.microsoft.com/sharepoint/v3/contenttype/forms">
+  <Display>DocumentLibraryForm</Display>
+  <Edit>DocumentLibraryForm</Edit>
+  <New>DocumentLibraryForm</New>
+</FormTemplates>
+</file>
+
+<file path=customXml/item2.xml><?xml version="1.0" encoding="utf-8"?>
 <ct:contentTypeSchema xmlns:ct="http://schemas.microsoft.com/office/2006/metadata/contentType" xmlns:ma="http://schemas.microsoft.com/office/2006/metadata/properties/metaAttributes" ct:_="" ma:_="" ma:contentTypeName="Document" ma:contentTypeID="0x01010079F111ED35F8CC479449609E8A0923A6" ma:contentTypeVersion="12" ma:contentTypeDescription="Create a new document." ma:contentTypeScope="" ma:versionID="93813dd7ca6ad654711aa0ab317e03a3">
   <xsd:schema xmlns:xsd="http://www.w3.org/2001/XMLSchema" xmlns:xs="http://www.w3.org/2001/XMLSchema" xmlns:p="http://schemas.microsoft.com/office/2006/metadata/properties" xmlns:ns2="71af3243-3dd4-4a8d-8c0d-dd76da1f02a5" xmlns:ns3="16c05727-aa75-4e4a-9b5f-8a80a1165891" targetNamespace="http://schemas.microsoft.com/office/2006/metadata/properties" ma:root="true" ma:fieldsID="f11dc0ce689dd3925e84e4e35398c6e7" ns2:_="" ns3:_="">
     <xsd:import namespace="71af3243-3dd4-4a8d-8c0d-dd76da1f02a5"/>
@@ -10455,15 +13681,6 @@
 </ct:contentTypeSchema>
 </file>
 
-<file path=customXml/item2.xml><?xml version="1.0" encoding="utf-8"?>
-<?mso-contentType ?>
-<FormTemplates xmlns="http://schemas.microsoft.com/sharepoint/v3/contenttype/forms">
-  <Display>DocumentLibraryForm</Display>
-  <Edit>DocumentLibraryForm</Edit>
-  <New>DocumentLibraryForm</New>
-</FormTemplates>
-</file>
-
 <file path=customXml/item3.xml><?xml version="1.0" encoding="utf-8"?>
 <p:properties xmlns:p="http://schemas.microsoft.com/office/2006/metadata/properties" xmlns:xsi="http://www.w3.org/2001/XMLSchema-instance" xmlns:pc="http://schemas.microsoft.com/office/infopath/2007/PartnerControls">
   <documentManagement>
@@ -10474,6 +13691,14 @@
 </file>
 
 <file path=customXml/itemProps1.xml><?xml version="1.0" encoding="utf-8"?>
+<ds:datastoreItem xmlns:ds="http://schemas.openxmlformats.org/officeDocument/2006/customXml" ds:itemID="{4EE1C908-B3CC-430B-8659-0948FA2BA0C9}">
+  <ds:schemaRefs>
+    <ds:schemaRef ds:uri="http://schemas.microsoft.com/sharepoint/v3/contenttype/forms"/>
+  </ds:schemaRefs>
+</ds:datastoreItem>
+</file>
+
+<file path=customXml/itemProps2.xml><?xml version="1.0" encoding="utf-8"?>
 <ds:datastoreItem xmlns:ds="http://schemas.openxmlformats.org/officeDocument/2006/customXml" ds:itemID="{480957EC-86C0-4415-A208-C533BB28CB01}">
   <ds:schemaRefs>
     <ds:schemaRef ds:uri="http://schemas.microsoft.com/office/2006/metadata/contentType"/>
@@ -10492,14 +13717,6 @@
 </ds:datastoreItem>
 </file>
 
-<file path=customXml/itemProps2.xml><?xml version="1.0" encoding="utf-8"?>
-<ds:datastoreItem xmlns:ds="http://schemas.openxmlformats.org/officeDocument/2006/customXml" ds:itemID="{4EE1C908-B3CC-430B-8659-0948FA2BA0C9}">
-  <ds:schemaRefs>
-    <ds:schemaRef ds:uri="http://schemas.microsoft.com/sharepoint/v3/contenttype/forms"/>
-  </ds:schemaRefs>
-</ds:datastoreItem>
-</file>
-
 <file path=customXml/itemProps3.xml><?xml version="1.0" encoding="utf-8"?>
 <ds:datastoreItem xmlns:ds="http://schemas.openxmlformats.org/officeDocument/2006/customXml" ds:itemID="{6D45F22A-22AD-4AB5-B4E5-D6E61E43E45F}">
   <ds:schemaRefs>
